--- a/doc/ppt/PlaatProtect Design.pptx
+++ b/doc/ppt/PlaatProtect Design.pptx
@@ -5,7 +5,7 @@
     <p:sldMasterId id="2147483900" r:id="rId1"/>
   </p:sldMasterIdLst>
   <p:notesMasterIdLst>
-    <p:notesMasterId r:id="rId16"/>
+    <p:notesMasterId r:id="rId19"/>
   </p:notesMasterIdLst>
   <p:sldIdLst>
     <p:sldId id="301" r:id="rId2"/>
@@ -16,12 +16,15 @@
     <p:sldId id="300" r:id="rId7"/>
     <p:sldId id="304" r:id="rId8"/>
     <p:sldId id="298" r:id="rId9"/>
-    <p:sldId id="307" r:id="rId10"/>
-    <p:sldId id="312" r:id="rId11"/>
-    <p:sldId id="309" r:id="rId12"/>
-    <p:sldId id="308" r:id="rId13"/>
-    <p:sldId id="310" r:id="rId14"/>
-    <p:sldId id="317" r:id="rId15"/>
+    <p:sldId id="318" r:id="rId10"/>
+    <p:sldId id="319" r:id="rId11"/>
+    <p:sldId id="320" r:id="rId12"/>
+    <p:sldId id="307" r:id="rId13"/>
+    <p:sldId id="312" r:id="rId14"/>
+    <p:sldId id="309" r:id="rId15"/>
+    <p:sldId id="308" r:id="rId16"/>
+    <p:sldId id="310" r:id="rId17"/>
+    <p:sldId id="317" r:id="rId18"/>
   </p:sldIdLst>
   <p:sldSz cx="9144000" cy="6858000" type="screen4x3"/>
   <p:notesSz cx="6858000" cy="9144000"/>
@@ -206,7 +209,7 @@
             <a:fld id="{AAA9B6CD-1D48-452A-A7F2-8CBBE02CC7D2}" type="datetimeFigureOut">
               <a:rPr lang="nl-NL" smtClean="0"/>
               <a:pPr/>
-              <a:t>4-7-2016</a:t>
+              <a:t>5-7-2016</a:t>
             </a:fld>
             <a:endParaRPr lang="nl-NL"/>
           </a:p>
@@ -477,6 +480,91 @@
 </p:notesMaster>
 </file>
 
+<file path=ppt/notesSlides/notesSlide1.xml><?xml version="1.0" encoding="utf-8"?>
+<p:notes xmlns:a="http://schemas.openxmlformats.org/drawingml/2006/main" xmlns:r="http://schemas.openxmlformats.org/officeDocument/2006/relationships" xmlns:p="http://schemas.openxmlformats.org/presentationml/2006/main">
+  <p:cSld>
+    <p:spTree>
+      <p:nvGrpSpPr>
+        <p:cNvPr id="1" name=""/>
+        <p:cNvGrpSpPr/>
+        <p:nvPr/>
+      </p:nvGrpSpPr>
+      <p:grpSpPr>
+        <a:xfrm>
+          <a:off x="0" y="0"/>
+          <a:ext cx="0" cy="0"/>
+          <a:chOff x="0" y="0"/>
+          <a:chExt cx="0" cy="0"/>
+        </a:xfrm>
+      </p:grpSpPr>
+      <p:sp>
+        <p:nvSpPr>
+          <p:cNvPr id="2" name="Slide Image Placeholder 1"/>
+          <p:cNvSpPr>
+            <a:spLocks noGrp="1" noRot="1" noChangeAspect="1"/>
+          </p:cNvSpPr>
+          <p:nvPr>
+            <p:ph type="sldImg"/>
+          </p:nvPr>
+        </p:nvSpPr>
+        <p:spPr/>
+      </p:sp>
+      <p:sp>
+        <p:nvSpPr>
+          <p:cNvPr id="3" name="Notes Placeholder 2"/>
+          <p:cNvSpPr>
+            <a:spLocks noGrp="1"/>
+          </p:cNvSpPr>
+          <p:nvPr>
+            <p:ph type="body" idx="1"/>
+          </p:nvPr>
+        </p:nvSpPr>
+        <p:spPr/>
+        <p:txBody>
+          <a:bodyPr/>
+          <a:lstStyle/>
+          <a:p>
+            <a:endParaRPr lang="nl-NL" dirty="0"/>
+          </a:p>
+        </p:txBody>
+      </p:sp>
+      <p:sp>
+        <p:nvSpPr>
+          <p:cNvPr id="4" name="Slide Number Placeholder 3"/>
+          <p:cNvSpPr>
+            <a:spLocks noGrp="1"/>
+          </p:cNvSpPr>
+          <p:nvPr>
+            <p:ph type="sldNum" sz="quarter" idx="10"/>
+          </p:nvPr>
+        </p:nvSpPr>
+        <p:spPr/>
+        <p:txBody>
+          <a:bodyPr/>
+          <a:lstStyle/>
+          <a:p>
+            <a:fld id="{3F950F4F-C5AF-4494-B3CA-9201F9D52D46}" type="slidenum">
+              <a:rPr lang="nl-NL" smtClean="0"/>
+              <a:pPr/>
+              <a:t>11</a:t>
+            </a:fld>
+            <a:endParaRPr lang="nl-NL"/>
+          </a:p>
+        </p:txBody>
+      </p:sp>
+    </p:spTree>
+    <p:extLst>
+      <p:ext uri="{BB962C8B-B14F-4D97-AF65-F5344CB8AC3E}">
+        <p14:creationId xmlns:p14="http://schemas.microsoft.com/office/powerpoint/2010/main" val="586804197"/>
+      </p:ext>
+    </p:extLst>
+  </p:cSld>
+  <p:clrMapOvr>
+    <a:masterClrMapping/>
+  </p:clrMapOvr>
+</p:notes>
+</file>
+
 <file path=ppt/slideLayouts/slideLayout1.xml><?xml version="1.0" encoding="utf-8"?>
 <p:sldLayout xmlns:a="http://schemas.openxmlformats.org/drawingml/2006/main" xmlns:r="http://schemas.openxmlformats.org/officeDocument/2006/relationships" xmlns:p="http://schemas.openxmlformats.org/presentationml/2006/main" type="title" preserve="1">
   <p:cSld name="Title Slide">
@@ -670,7 +758,7 @@
             <a:fld id="{96BAE843-BE96-40CB-B634-F63C679A4CF5}" type="datetimeFigureOut">
               <a:rPr lang="nl-NL" smtClean="0"/>
               <a:pPr/>
-              <a:t>4-7-2016</a:t>
+              <a:t>5-7-2016</a:t>
             </a:fld>
             <a:endParaRPr lang="nl-NL"/>
           </a:p>
@@ -837,7 +925,7 @@
             <a:fld id="{96BAE843-BE96-40CB-B634-F63C679A4CF5}" type="datetimeFigureOut">
               <a:rPr lang="nl-NL" smtClean="0"/>
               <a:pPr/>
-              <a:t>4-7-2016</a:t>
+              <a:t>5-7-2016</a:t>
             </a:fld>
             <a:endParaRPr lang="nl-NL"/>
           </a:p>
@@ -1014,7 +1102,7 @@
             <a:fld id="{96BAE843-BE96-40CB-B634-F63C679A4CF5}" type="datetimeFigureOut">
               <a:rPr lang="nl-NL" smtClean="0"/>
               <a:pPr/>
-              <a:t>4-7-2016</a:t>
+              <a:t>5-7-2016</a:t>
             </a:fld>
             <a:endParaRPr lang="nl-NL"/>
           </a:p>
@@ -1199,7 +1287,7 @@
             <a:fld id="{96BAE843-BE96-40CB-B634-F63C679A4CF5}" type="datetimeFigureOut">
               <a:rPr lang="nl-NL" smtClean="0"/>
               <a:pPr/>
-              <a:t>4-7-2016</a:t>
+              <a:t>5-7-2016</a:t>
             </a:fld>
             <a:endParaRPr lang="nl-NL"/>
           </a:p>
@@ -1463,7 +1551,7 @@
             <a:fld id="{96BAE843-BE96-40CB-B634-F63C679A4CF5}" type="datetimeFigureOut">
               <a:rPr lang="nl-NL" smtClean="0"/>
               <a:pPr/>
-              <a:t>4-7-2016</a:t>
+              <a:t>5-7-2016</a:t>
             </a:fld>
             <a:endParaRPr lang="nl-NL"/>
           </a:p>
@@ -1813,7 +1901,7 @@
             <a:fld id="{96BAE843-BE96-40CB-B634-F63C679A4CF5}" type="datetimeFigureOut">
               <a:rPr lang="nl-NL" smtClean="0"/>
               <a:pPr/>
-              <a:t>4-7-2016</a:t>
+              <a:t>5-7-2016</a:t>
             </a:fld>
             <a:endParaRPr lang="nl-NL"/>
           </a:p>
@@ -2123,7 +2211,7 @@
             <a:fld id="{96BAE843-BE96-40CB-B634-F63C679A4CF5}" type="datetimeFigureOut">
               <a:rPr lang="nl-NL" smtClean="0"/>
               <a:pPr/>
-              <a:t>4-7-2016</a:t>
+              <a:t>5-7-2016</a:t>
             </a:fld>
             <a:endParaRPr lang="nl-NL"/>
           </a:p>
@@ -2352,7 +2440,7 @@
             <a:fld id="{96BAE843-BE96-40CB-B634-F63C679A4CF5}" type="datetimeFigureOut">
               <a:rPr lang="nl-NL" smtClean="0"/>
               <a:pPr/>
-              <a:t>4-7-2016</a:t>
+              <a:t>5-7-2016</a:t>
             </a:fld>
             <a:endParaRPr lang="nl-NL"/>
           </a:p>
@@ -2444,7 +2532,7 @@
             <a:fld id="{96BAE843-BE96-40CB-B634-F63C679A4CF5}" type="datetimeFigureOut">
               <a:rPr lang="nl-NL" smtClean="0"/>
               <a:pPr/>
-              <a:t>4-7-2016</a:t>
+              <a:t>5-7-2016</a:t>
             </a:fld>
             <a:endParaRPr lang="nl-NL"/>
           </a:p>
@@ -2734,7 +2822,7 @@
             <a:fld id="{96BAE843-BE96-40CB-B634-F63C679A4CF5}" type="datetimeFigureOut">
               <a:rPr lang="nl-NL" smtClean="0"/>
               <a:pPr/>
-              <a:t>4-7-2016</a:t>
+              <a:t>5-7-2016</a:t>
             </a:fld>
             <a:endParaRPr lang="nl-NL"/>
           </a:p>
@@ -3005,7 +3093,7 @@
             <a:fld id="{96BAE843-BE96-40CB-B634-F63C679A4CF5}" type="datetimeFigureOut">
               <a:rPr lang="nl-NL" smtClean="0"/>
               <a:pPr/>
-              <a:t>4-7-2016</a:t>
+              <a:t>5-7-2016</a:t>
             </a:fld>
             <a:endParaRPr lang="nl-NL"/>
           </a:p>
@@ -3217,7 +3305,7 @@
             <a:fld id="{96BAE843-BE96-40CB-B634-F63C679A4CF5}" type="datetimeFigureOut">
               <a:rPr lang="nl-NL" smtClean="0"/>
               <a:pPr/>
-              <a:t>4-7-2016</a:t>
+              <a:t>5-7-2016</a:t>
             </a:fld>
             <a:endParaRPr lang="nl-NL"/>
           </a:p>
@@ -3900,16 +3988,44 @@
           <a:chExt cx="0" cy="0"/>
         </a:xfrm>
       </p:grpSpPr>
+      <p:sp>
+        <p:nvSpPr>
+          <p:cNvPr id="4" name="Title 1"/>
+          <p:cNvSpPr>
+            <a:spLocks noGrp="1"/>
+          </p:cNvSpPr>
+          <p:nvPr>
+            <p:ph type="title"/>
+          </p:nvPr>
+        </p:nvSpPr>
+        <p:spPr>
+          <a:xfrm>
+            <a:off x="457200" y="0"/>
+            <a:ext cx="8229600" cy="908720"/>
+          </a:xfrm>
+        </p:spPr>
+        <p:txBody>
+          <a:bodyPr/>
+          <a:lstStyle/>
+          <a:p>
+            <a:r>
+              <a:rPr lang="nl-NL" sz="4400" dirty="0" smtClean="0"/>
+              <a:t>Scenario – Sleep</a:t>
+            </a:r>
+            <a:endParaRPr lang="nl-NL" sz="4400" dirty="0"/>
+          </a:p>
+        </p:txBody>
+      </p:sp>
       <p:pic>
         <p:nvPicPr>
-          <p:cNvPr id="1026" name="Picture 2"/>
+          <p:cNvPr id="7" name="Picture 3"/>
           <p:cNvPicPr>
             <a:picLocks noChangeAspect="1" noChangeArrowheads="1"/>
           </p:cNvPicPr>
           <p:nvPr/>
         </p:nvPicPr>
         <p:blipFill>
-          <a:blip r:embed="rId2">
+          <a:blip r:embed="rId2" cstate="print">
             <a:extLst>
               <a:ext uri="{28A0092B-C50C-407E-A947-70E740481C1C}">
                 <a14:useLocalDpi xmlns:a14="http://schemas.microsoft.com/office/drawing/2010/main" val="0"/>
@@ -3923,8 +4039,8 @@
         </p:blipFill>
         <p:spPr bwMode="auto">
           <a:xfrm>
-            <a:off x="0" y="0"/>
-            <a:ext cx="9163050" cy="6857999"/>
+            <a:off x="3133717" y="4157614"/>
+            <a:ext cx="1120432" cy="1069079"/>
           </a:xfrm>
           <a:prstGeom prst="rect">
             <a:avLst/>
@@ -3954,10 +4070,1342 @@
           </a:extLst>
         </p:spPr>
       </p:pic>
+      <p:cxnSp>
+        <p:nvCxnSpPr>
+          <p:cNvPr id="8" name="Straight Arrow Connector 7"/>
+          <p:cNvCxnSpPr/>
+          <p:nvPr/>
+        </p:nvCxnSpPr>
+        <p:spPr>
+          <a:xfrm>
+            <a:off x="1910073" y="4400765"/>
+            <a:ext cx="1189064" cy="18521"/>
+          </a:xfrm>
+          <a:prstGeom prst="straightConnector1">
+            <a:avLst/>
+          </a:prstGeom>
+          <a:ln w="38100" cmpd="sng">
+            <a:tailEnd type="arrow"/>
+          </a:ln>
+        </p:spPr>
+        <p:style>
+          <a:lnRef idx="1">
+            <a:schemeClr val="accent1"/>
+          </a:lnRef>
+          <a:fillRef idx="0">
+            <a:schemeClr val="accent1"/>
+          </a:fillRef>
+          <a:effectRef idx="0">
+            <a:schemeClr val="accent1"/>
+          </a:effectRef>
+          <a:fontRef idx="minor">
+            <a:schemeClr val="tx1"/>
+          </a:fontRef>
+        </p:style>
+      </p:cxnSp>
+      <p:cxnSp>
+        <p:nvCxnSpPr>
+          <p:cNvPr id="9" name="Straight Arrow Connector 8"/>
+          <p:cNvCxnSpPr/>
+          <p:nvPr/>
+        </p:nvCxnSpPr>
+        <p:spPr>
+          <a:xfrm flipV="1">
+            <a:off x="4254149" y="2458742"/>
+            <a:ext cx="677891" cy="1763639"/>
+          </a:xfrm>
+          <a:prstGeom prst="straightConnector1">
+            <a:avLst/>
+          </a:prstGeom>
+          <a:ln w="38100" cmpd="sng">
+            <a:tailEnd type="arrow"/>
+          </a:ln>
+        </p:spPr>
+        <p:style>
+          <a:lnRef idx="1">
+            <a:schemeClr val="accent1"/>
+          </a:lnRef>
+          <a:fillRef idx="0">
+            <a:schemeClr val="accent1"/>
+          </a:fillRef>
+          <a:effectRef idx="0">
+            <a:schemeClr val="accent1"/>
+          </a:effectRef>
+          <a:fontRef idx="minor">
+            <a:schemeClr val="tx1"/>
+          </a:fontRef>
+        </p:style>
+      </p:cxnSp>
+      <p:sp>
+        <p:nvSpPr>
+          <p:cNvPr id="11" name="Tekstvak 87"/>
+          <p:cNvSpPr txBox="1"/>
+          <p:nvPr/>
+        </p:nvSpPr>
+        <p:spPr>
+          <a:xfrm>
+            <a:off x="3099137" y="5226693"/>
+            <a:ext cx="1106636" cy="276999"/>
+          </a:xfrm>
+          <a:prstGeom prst="rect">
+            <a:avLst/>
+          </a:prstGeom>
+          <a:noFill/>
+        </p:spPr>
+        <p:txBody>
+          <a:bodyPr wrap="square" rtlCol="0">
+            <a:spAutoFit/>
+          </a:bodyPr>
+          <a:lstStyle/>
+          <a:p>
+            <a:pPr algn="ctr"/>
+            <a:r>
+              <a:rPr lang="en-US" sz="1200" dirty="0" smtClean="0"/>
+              <a:t>PlaatProtect</a:t>
+            </a:r>
+          </a:p>
+        </p:txBody>
+      </p:sp>
+      <p:sp>
+        <p:nvSpPr>
+          <p:cNvPr id="12" name="Tekstvak 87"/>
+          <p:cNvSpPr txBox="1"/>
+          <p:nvPr/>
+        </p:nvSpPr>
+        <p:spPr>
+          <a:xfrm>
+            <a:off x="4495926" y="1070950"/>
+            <a:ext cx="1106636" cy="276999"/>
+          </a:xfrm>
+          <a:prstGeom prst="rect">
+            <a:avLst/>
+          </a:prstGeom>
+          <a:noFill/>
+        </p:spPr>
+        <p:txBody>
+          <a:bodyPr wrap="square" rtlCol="0">
+            <a:spAutoFit/>
+          </a:bodyPr>
+          <a:lstStyle/>
+          <a:p>
+            <a:pPr algn="ctr"/>
+            <a:r>
+              <a:rPr lang="en-US" sz="1200" dirty="0" smtClean="0"/>
+              <a:t>Bulb Lights</a:t>
+            </a:r>
+          </a:p>
+        </p:txBody>
+      </p:sp>
+      <p:sp>
+        <p:nvSpPr>
+          <p:cNvPr id="13" name="Tekstvak 87"/>
+          <p:cNvSpPr txBox="1"/>
+          <p:nvPr/>
+        </p:nvSpPr>
+        <p:spPr>
+          <a:xfrm>
+            <a:off x="1951287" y="4028121"/>
+            <a:ext cx="1106636" cy="830997"/>
+          </a:xfrm>
+          <a:prstGeom prst="rect">
+            <a:avLst/>
+          </a:prstGeom>
+          <a:noFill/>
+        </p:spPr>
+        <p:txBody>
+          <a:bodyPr wrap="square" rtlCol="0">
+            <a:spAutoFit/>
+          </a:bodyPr>
+          <a:lstStyle/>
+          <a:p>
+            <a:pPr algn="ctr"/>
+            <a:r>
+              <a:rPr lang="en-US" sz="1200" dirty="0" smtClean="0"/>
+              <a:t>Movement</a:t>
+            </a:r>
+          </a:p>
+          <a:p>
+            <a:pPr algn="ctr"/>
+            <a:r>
+              <a:rPr lang="en-US" sz="1200" dirty="0" smtClean="0"/>
+              <a:t>Or </a:t>
+            </a:r>
+          </a:p>
+          <a:p>
+            <a:pPr algn="ctr"/>
+            <a:r>
+              <a:rPr lang="en-US" sz="1200" dirty="0" smtClean="0"/>
+              <a:t>Vibration</a:t>
+            </a:r>
+          </a:p>
+          <a:p>
+            <a:pPr algn="ctr"/>
+            <a:r>
+              <a:rPr lang="en-US" sz="1200" dirty="0" smtClean="0"/>
+              <a:t>Alarm</a:t>
+            </a:r>
+          </a:p>
+        </p:txBody>
+      </p:sp>
+      <p:sp>
+        <p:nvSpPr>
+          <p:cNvPr id="14" name="Tekstvak 87"/>
+          <p:cNvSpPr txBox="1"/>
+          <p:nvPr/>
+        </p:nvSpPr>
+        <p:spPr>
+          <a:xfrm>
+            <a:off x="4692576" y="2700357"/>
+            <a:ext cx="1106636" cy="830997"/>
+          </a:xfrm>
+          <a:prstGeom prst="rect">
+            <a:avLst/>
+          </a:prstGeom>
+          <a:noFill/>
+        </p:spPr>
+        <p:txBody>
+          <a:bodyPr wrap="square" rtlCol="0">
+            <a:spAutoFit/>
+          </a:bodyPr>
+          <a:lstStyle/>
+          <a:p>
+            <a:pPr algn="ctr"/>
+            <a:r>
+              <a:rPr lang="en-US" sz="1200" dirty="0"/>
+              <a:t>Activate</a:t>
+            </a:r>
+          </a:p>
+          <a:p>
+            <a:pPr algn="ctr"/>
+            <a:r>
+              <a:rPr lang="en-US" sz="1200" dirty="0"/>
+              <a:t>Base </a:t>
+            </a:r>
+          </a:p>
+          <a:p>
+            <a:pPr algn="ctr"/>
+            <a:r>
+              <a:rPr lang="en-US" sz="1200" dirty="0"/>
+              <a:t>Ground</a:t>
+            </a:r>
+          </a:p>
+          <a:p>
+            <a:pPr algn="ctr"/>
+            <a:r>
+              <a:rPr lang="en-US" sz="1200" dirty="0" smtClean="0"/>
+              <a:t>Light Bulbs</a:t>
+            </a:r>
+            <a:endParaRPr lang="en-US" sz="1200" dirty="0"/>
+          </a:p>
+        </p:txBody>
+      </p:sp>
+      <p:cxnSp>
+        <p:nvCxnSpPr>
+          <p:cNvPr id="41" name="Straight Arrow Connector 40"/>
+          <p:cNvCxnSpPr/>
+          <p:nvPr/>
+        </p:nvCxnSpPr>
+        <p:spPr>
+          <a:xfrm flipV="1">
+            <a:off x="4254149" y="3810649"/>
+            <a:ext cx="3342187" cy="608637"/>
+          </a:xfrm>
+          <a:prstGeom prst="straightConnector1">
+            <a:avLst/>
+          </a:prstGeom>
+          <a:ln w="38100" cmpd="sng">
+            <a:tailEnd type="arrow"/>
+          </a:ln>
+        </p:spPr>
+        <p:style>
+          <a:lnRef idx="1">
+            <a:schemeClr val="accent1"/>
+          </a:lnRef>
+          <a:fillRef idx="0">
+            <a:schemeClr val="accent1"/>
+          </a:fillRef>
+          <a:effectRef idx="0">
+            <a:schemeClr val="accent1"/>
+          </a:effectRef>
+          <a:fontRef idx="minor">
+            <a:schemeClr val="tx1"/>
+          </a:fontRef>
+        </p:style>
+      </p:cxnSp>
+      <p:pic>
+        <p:nvPicPr>
+          <p:cNvPr id="47" name="Picture 9"/>
+          <p:cNvPicPr>
+            <a:picLocks noChangeAspect="1" noChangeArrowheads="1"/>
+          </p:cNvPicPr>
+          <p:nvPr/>
+        </p:nvPicPr>
+        <p:blipFill>
+          <a:blip r:embed="rId3" cstate="print">
+            <a:extLst>
+              <a:ext uri="{28A0092B-C50C-407E-A947-70E740481C1C}">
+                <a14:useLocalDpi xmlns:a14="http://schemas.microsoft.com/office/drawing/2010/main" val="0"/>
+              </a:ext>
+            </a:extLst>
+          </a:blip>
+          <a:srcRect/>
+          <a:stretch>
+            <a:fillRect/>
+          </a:stretch>
+        </p:blipFill>
+        <p:spPr bwMode="auto">
+          <a:xfrm>
+            <a:off x="1321667" y="2911112"/>
+            <a:ext cx="715167" cy="689421"/>
+          </a:xfrm>
+          <a:prstGeom prst="rect">
+            <a:avLst/>
+          </a:prstGeom>
+          <a:noFill/>
+          <a:ln>
+            <a:noFill/>
+          </a:ln>
+          <a:extLst>
+            <a:ext uri="{909E8E84-426E-40DD-AFC4-6F175D3DCCD1}">
+              <a14:hiddenFill xmlns:a14="http://schemas.microsoft.com/office/drawing/2010/main">
+                <a:solidFill>
+                  <a:schemeClr val="accent1"/>
+                </a:solidFill>
+              </a14:hiddenFill>
+            </a:ext>
+            <a:ext uri="{91240B29-F687-4F45-9708-019B960494DF}">
+              <a14:hiddenLine xmlns:a14="http://schemas.microsoft.com/office/drawing/2010/main" w="9525">
+                <a:solidFill>
+                  <a:schemeClr val="tx1"/>
+                </a:solidFill>
+                <a:miter lim="800000"/>
+                <a:headEnd/>
+                <a:tailEnd/>
+              </a14:hiddenLine>
+            </a:ext>
+          </a:extLst>
+        </p:spPr>
+      </p:pic>
+      <p:sp>
+        <p:nvSpPr>
+          <p:cNvPr id="48" name="Tekstvak 87"/>
+          <p:cNvSpPr txBox="1"/>
+          <p:nvPr/>
+        </p:nvSpPr>
+        <p:spPr>
+          <a:xfrm>
+            <a:off x="410693" y="2865529"/>
+            <a:ext cx="880470" cy="646331"/>
+          </a:xfrm>
+          <a:prstGeom prst="rect">
+            <a:avLst/>
+          </a:prstGeom>
+          <a:noFill/>
+        </p:spPr>
+        <p:txBody>
+          <a:bodyPr wrap="square" rtlCol="0">
+            <a:spAutoFit/>
+          </a:bodyPr>
+          <a:lstStyle/>
+          <a:p>
+            <a:pPr algn="ctr"/>
+            <a:r>
+              <a:rPr lang="en-US" sz="1200" dirty="0" smtClean="0"/>
+              <a:t>Garage</a:t>
+            </a:r>
+          </a:p>
+          <a:p>
+            <a:pPr algn="ctr"/>
+            <a:r>
+              <a:rPr lang="en-US" sz="1200" dirty="0" smtClean="0"/>
+              <a:t>IR</a:t>
+            </a:r>
+          </a:p>
+          <a:p>
+            <a:pPr algn="ctr"/>
+            <a:r>
+              <a:rPr lang="en-US" sz="1200" dirty="0" smtClean="0"/>
+              <a:t>Detector</a:t>
+            </a:r>
+          </a:p>
+        </p:txBody>
+      </p:sp>
+      <p:sp>
+        <p:nvSpPr>
+          <p:cNvPr id="49" name="Tekstvak 87"/>
+          <p:cNvSpPr txBox="1"/>
+          <p:nvPr/>
+        </p:nvSpPr>
+        <p:spPr>
+          <a:xfrm>
+            <a:off x="275782" y="3810649"/>
+            <a:ext cx="880470" cy="646331"/>
+          </a:xfrm>
+          <a:prstGeom prst="rect">
+            <a:avLst/>
+          </a:prstGeom>
+          <a:noFill/>
+        </p:spPr>
+        <p:txBody>
+          <a:bodyPr wrap="square" rtlCol="0">
+            <a:spAutoFit/>
+          </a:bodyPr>
+          <a:lstStyle/>
+          <a:p>
+            <a:pPr algn="ctr"/>
+            <a:r>
+              <a:rPr lang="en-US" sz="1200" dirty="0" smtClean="0"/>
+              <a:t>Kitchen</a:t>
+            </a:r>
+          </a:p>
+          <a:p>
+            <a:pPr algn="ctr"/>
+            <a:r>
+              <a:rPr lang="en-US" sz="1200" dirty="0" smtClean="0"/>
+              <a:t>IR</a:t>
+            </a:r>
+          </a:p>
+          <a:p>
+            <a:pPr algn="ctr"/>
+            <a:r>
+              <a:rPr lang="en-US" sz="1200" dirty="0" smtClean="0"/>
+              <a:t>Detector</a:t>
+            </a:r>
+          </a:p>
+        </p:txBody>
+      </p:sp>
+      <p:sp>
+        <p:nvSpPr>
+          <p:cNvPr id="50" name="Tekstvak 87"/>
+          <p:cNvSpPr txBox="1"/>
+          <p:nvPr/>
+        </p:nvSpPr>
+        <p:spPr>
+          <a:xfrm>
+            <a:off x="275782" y="4798746"/>
+            <a:ext cx="880470" cy="646331"/>
+          </a:xfrm>
+          <a:prstGeom prst="rect">
+            <a:avLst/>
+          </a:prstGeom>
+          <a:noFill/>
+        </p:spPr>
+        <p:txBody>
+          <a:bodyPr wrap="square" rtlCol="0">
+            <a:spAutoFit/>
+          </a:bodyPr>
+          <a:lstStyle/>
+          <a:p>
+            <a:pPr algn="ctr"/>
+            <a:r>
+              <a:rPr lang="en-US" sz="1200" dirty="0" smtClean="0"/>
+              <a:t>Hall</a:t>
+            </a:r>
+          </a:p>
+          <a:p>
+            <a:pPr algn="ctr"/>
+            <a:r>
+              <a:rPr lang="en-US" sz="1200" dirty="0" smtClean="0"/>
+              <a:t>IR</a:t>
+            </a:r>
+          </a:p>
+          <a:p>
+            <a:pPr algn="ctr"/>
+            <a:r>
+              <a:rPr lang="en-US" sz="1200" dirty="0" smtClean="0"/>
+              <a:t>Detector</a:t>
+            </a:r>
+          </a:p>
+        </p:txBody>
+      </p:sp>
+      <p:sp>
+        <p:nvSpPr>
+          <p:cNvPr id="51" name="Tekstvak 87"/>
+          <p:cNvSpPr txBox="1"/>
+          <p:nvPr/>
+        </p:nvSpPr>
+        <p:spPr>
+          <a:xfrm>
+            <a:off x="485776" y="5781903"/>
+            <a:ext cx="1106095" cy="646331"/>
+          </a:xfrm>
+          <a:prstGeom prst="rect">
+            <a:avLst/>
+          </a:prstGeom>
+          <a:noFill/>
+        </p:spPr>
+        <p:txBody>
+          <a:bodyPr wrap="square" rtlCol="0">
+            <a:spAutoFit/>
+          </a:bodyPr>
+          <a:lstStyle/>
+          <a:p>
+            <a:pPr algn="ctr"/>
+            <a:r>
+              <a:rPr lang="en-US" sz="1200" dirty="0" smtClean="0"/>
+              <a:t>Living  Room</a:t>
+            </a:r>
+          </a:p>
+          <a:p>
+            <a:pPr algn="ctr"/>
+            <a:r>
+              <a:rPr lang="en-US" sz="1200" dirty="0" smtClean="0"/>
+              <a:t>IR</a:t>
+            </a:r>
+          </a:p>
+          <a:p>
+            <a:pPr algn="ctr"/>
+            <a:r>
+              <a:rPr lang="en-US" sz="1200" dirty="0" smtClean="0"/>
+              <a:t>Detector</a:t>
+            </a:r>
+          </a:p>
+        </p:txBody>
+      </p:sp>
+      <p:pic>
+        <p:nvPicPr>
+          <p:cNvPr id="52" name="Picture 9"/>
+          <p:cNvPicPr>
+            <a:picLocks noChangeAspect="1" noChangeArrowheads="1"/>
+          </p:cNvPicPr>
+          <p:nvPr/>
+        </p:nvPicPr>
+        <p:blipFill>
+          <a:blip r:embed="rId3" cstate="print">
+            <a:extLst>
+              <a:ext uri="{28A0092B-C50C-407E-A947-70E740481C1C}">
+                <a14:useLocalDpi xmlns:a14="http://schemas.microsoft.com/office/drawing/2010/main" val="0"/>
+              </a:ext>
+            </a:extLst>
+          </a:blip>
+          <a:srcRect/>
+          <a:stretch>
+            <a:fillRect/>
+          </a:stretch>
+        </p:blipFill>
+        <p:spPr bwMode="auto">
+          <a:xfrm>
+            <a:off x="1156252" y="3877671"/>
+            <a:ext cx="715167" cy="689421"/>
+          </a:xfrm>
+          <a:prstGeom prst="rect">
+            <a:avLst/>
+          </a:prstGeom>
+          <a:noFill/>
+          <a:ln>
+            <a:noFill/>
+          </a:ln>
+          <a:extLst>
+            <a:ext uri="{909E8E84-426E-40DD-AFC4-6F175D3DCCD1}">
+              <a14:hiddenFill xmlns:a14="http://schemas.microsoft.com/office/drawing/2010/main">
+                <a:solidFill>
+                  <a:schemeClr val="accent1"/>
+                </a:solidFill>
+              </a14:hiddenFill>
+            </a:ext>
+            <a:ext uri="{91240B29-F687-4F45-9708-019B960494DF}">
+              <a14:hiddenLine xmlns:a14="http://schemas.microsoft.com/office/drawing/2010/main" w="9525">
+                <a:solidFill>
+                  <a:schemeClr val="tx1"/>
+                </a:solidFill>
+                <a:miter lim="800000"/>
+                <a:headEnd/>
+                <a:tailEnd/>
+              </a14:hiddenLine>
+            </a:ext>
+          </a:extLst>
+        </p:spPr>
+      </p:pic>
+      <p:pic>
+        <p:nvPicPr>
+          <p:cNvPr id="53" name="Picture 9"/>
+          <p:cNvPicPr>
+            <a:picLocks noChangeAspect="1" noChangeArrowheads="1"/>
+          </p:cNvPicPr>
+          <p:nvPr/>
+        </p:nvPicPr>
+        <p:blipFill>
+          <a:blip r:embed="rId3" cstate="print">
+            <a:extLst>
+              <a:ext uri="{28A0092B-C50C-407E-A947-70E740481C1C}">
+                <a14:useLocalDpi xmlns:a14="http://schemas.microsoft.com/office/drawing/2010/main" val="0"/>
+              </a:ext>
+            </a:extLst>
+          </a:blip>
+          <a:srcRect/>
+          <a:stretch>
+            <a:fillRect/>
+          </a:stretch>
+        </p:blipFill>
+        <p:spPr bwMode="auto">
+          <a:xfrm>
+            <a:off x="1153884" y="4751931"/>
+            <a:ext cx="715167" cy="689421"/>
+          </a:xfrm>
+          <a:prstGeom prst="rect">
+            <a:avLst/>
+          </a:prstGeom>
+          <a:noFill/>
+          <a:ln>
+            <a:noFill/>
+          </a:ln>
+          <a:extLst>
+            <a:ext uri="{909E8E84-426E-40DD-AFC4-6F175D3DCCD1}">
+              <a14:hiddenFill xmlns:a14="http://schemas.microsoft.com/office/drawing/2010/main">
+                <a:solidFill>
+                  <a:schemeClr val="accent1"/>
+                </a:solidFill>
+              </a14:hiddenFill>
+            </a:ext>
+            <a:ext uri="{91240B29-F687-4F45-9708-019B960494DF}">
+              <a14:hiddenLine xmlns:a14="http://schemas.microsoft.com/office/drawing/2010/main" w="9525">
+                <a:solidFill>
+                  <a:schemeClr val="tx1"/>
+                </a:solidFill>
+                <a:miter lim="800000"/>
+                <a:headEnd/>
+                <a:tailEnd/>
+              </a14:hiddenLine>
+            </a:ext>
+          </a:extLst>
+        </p:spPr>
+      </p:pic>
+      <p:pic>
+        <p:nvPicPr>
+          <p:cNvPr id="54" name="Picture 9"/>
+          <p:cNvPicPr>
+            <a:picLocks noChangeAspect="1" noChangeArrowheads="1"/>
+          </p:cNvPicPr>
+          <p:nvPr/>
+        </p:nvPicPr>
+        <p:blipFill>
+          <a:blip r:embed="rId3" cstate="print">
+            <a:extLst>
+              <a:ext uri="{28A0092B-C50C-407E-A947-70E740481C1C}">
+                <a14:useLocalDpi xmlns:a14="http://schemas.microsoft.com/office/drawing/2010/main" val="0"/>
+              </a:ext>
+            </a:extLst>
+          </a:blip>
+          <a:srcRect/>
+          <a:stretch>
+            <a:fillRect/>
+          </a:stretch>
+        </p:blipFill>
+        <p:spPr bwMode="auto">
+          <a:xfrm>
+            <a:off x="1617909" y="5691825"/>
+            <a:ext cx="715167" cy="689421"/>
+          </a:xfrm>
+          <a:prstGeom prst="rect">
+            <a:avLst/>
+          </a:prstGeom>
+          <a:noFill/>
+          <a:ln>
+            <a:noFill/>
+          </a:ln>
+          <a:extLst>
+            <a:ext uri="{909E8E84-426E-40DD-AFC4-6F175D3DCCD1}">
+              <a14:hiddenFill xmlns:a14="http://schemas.microsoft.com/office/drawing/2010/main">
+                <a:solidFill>
+                  <a:schemeClr val="accent1"/>
+                </a:solidFill>
+              </a14:hiddenFill>
+            </a:ext>
+            <a:ext uri="{91240B29-F687-4F45-9708-019B960494DF}">
+              <a14:hiddenLine xmlns:a14="http://schemas.microsoft.com/office/drawing/2010/main" w="9525">
+                <a:solidFill>
+                  <a:schemeClr val="tx1"/>
+                </a:solidFill>
+                <a:miter lim="800000"/>
+                <a:headEnd/>
+                <a:tailEnd/>
+              </a14:hiddenLine>
+            </a:ext>
+          </a:extLst>
+        </p:spPr>
+      </p:pic>
+      <p:pic>
+        <p:nvPicPr>
+          <p:cNvPr id="55" name="Picture 3"/>
+          <p:cNvPicPr>
+            <a:picLocks noChangeAspect="1" noChangeArrowheads="1"/>
+          </p:cNvPicPr>
+          <p:nvPr/>
+        </p:nvPicPr>
+        <p:blipFill>
+          <a:blip r:embed="rId4" cstate="print"/>
+          <a:srcRect/>
+          <a:stretch>
+            <a:fillRect/>
+          </a:stretch>
+        </p:blipFill>
+        <p:spPr bwMode="auto">
+          <a:xfrm>
+            <a:off x="1410219" y="1725530"/>
+            <a:ext cx="832567" cy="935037"/>
+          </a:xfrm>
+          <a:prstGeom prst="rect">
+            <a:avLst/>
+          </a:prstGeom>
+          <a:noFill/>
+          <a:ln w="9525">
+            <a:noFill/>
+            <a:miter lim="800000"/>
+            <a:headEnd/>
+            <a:tailEnd/>
+          </a:ln>
+        </p:spPr>
+      </p:pic>
+      <p:sp>
+        <p:nvSpPr>
+          <p:cNvPr id="56" name="Tekstvak 87"/>
+          <p:cNvSpPr txBox="1"/>
+          <p:nvPr/>
+        </p:nvSpPr>
+        <p:spPr>
+          <a:xfrm>
+            <a:off x="478246" y="1789587"/>
+            <a:ext cx="977484" cy="461665"/>
+          </a:xfrm>
+          <a:prstGeom prst="rect">
+            <a:avLst/>
+          </a:prstGeom>
+          <a:noFill/>
+        </p:spPr>
+        <p:txBody>
+          <a:bodyPr wrap="square" rtlCol="0">
+            <a:spAutoFit/>
+          </a:bodyPr>
+          <a:lstStyle/>
+          <a:p>
+            <a:pPr algn="ctr"/>
+            <a:r>
+              <a:rPr lang="en-US" sz="1200" dirty="0" smtClean="0"/>
+              <a:t>Webcam</a:t>
+            </a:r>
+          </a:p>
+          <a:p>
+            <a:pPr algn="ctr"/>
+            <a:r>
+              <a:rPr lang="en-US" sz="1200" dirty="0" smtClean="0"/>
+              <a:t>Front door</a:t>
+            </a:r>
+          </a:p>
+        </p:txBody>
+      </p:sp>
+      <p:sp>
+        <p:nvSpPr>
+          <p:cNvPr id="57" name="Tekstvak 87"/>
+          <p:cNvSpPr txBox="1"/>
+          <p:nvPr/>
+        </p:nvSpPr>
+        <p:spPr>
+          <a:xfrm>
+            <a:off x="1239015" y="978618"/>
+            <a:ext cx="880470" cy="461665"/>
+          </a:xfrm>
+          <a:prstGeom prst="rect">
+            <a:avLst/>
+          </a:prstGeom>
+          <a:noFill/>
+        </p:spPr>
+        <p:txBody>
+          <a:bodyPr wrap="square" rtlCol="0">
+            <a:spAutoFit/>
+          </a:bodyPr>
+          <a:lstStyle/>
+          <a:p>
+            <a:pPr algn="ctr"/>
+            <a:r>
+              <a:rPr lang="en-US" sz="1200" dirty="0" smtClean="0"/>
+              <a:t>Webcam</a:t>
+            </a:r>
+          </a:p>
+          <a:p>
+            <a:pPr algn="ctr"/>
+            <a:r>
+              <a:rPr lang="en-US" sz="1200" dirty="0" smtClean="0"/>
+              <a:t>Garden</a:t>
+            </a:r>
+          </a:p>
+        </p:txBody>
+      </p:sp>
+      <p:pic>
+        <p:nvPicPr>
+          <p:cNvPr id="58" name="Picture 3"/>
+          <p:cNvPicPr>
+            <a:picLocks noChangeAspect="1" noChangeArrowheads="1"/>
+          </p:cNvPicPr>
+          <p:nvPr/>
+        </p:nvPicPr>
+        <p:blipFill>
+          <a:blip r:embed="rId4" cstate="print"/>
+          <a:srcRect/>
+          <a:stretch>
+            <a:fillRect/>
+          </a:stretch>
+        </p:blipFill>
+        <p:spPr bwMode="auto">
+          <a:xfrm>
+            <a:off x="2163489" y="994813"/>
+            <a:ext cx="832567" cy="935037"/>
+          </a:xfrm>
+          <a:prstGeom prst="rect">
+            <a:avLst/>
+          </a:prstGeom>
+          <a:noFill/>
+          <a:ln w="9525">
+            <a:noFill/>
+            <a:miter lim="800000"/>
+            <a:headEnd/>
+            <a:tailEnd/>
+          </a:ln>
+        </p:spPr>
+      </p:pic>
+      <p:pic>
+        <p:nvPicPr>
+          <p:cNvPr id="61" name="Picture 6" descr="http://www.wink.com/img/product/philips-hue-single-light-bulb/variants/046677426361/hero_01.png"/>
+          <p:cNvPicPr>
+            <a:picLocks noChangeAspect="1" noChangeArrowheads="1"/>
+          </p:cNvPicPr>
+          <p:nvPr/>
+        </p:nvPicPr>
+        <p:blipFill>
+          <a:blip r:embed="rId5" cstate="print">
+            <a:extLst>
+              <a:ext uri="{28A0092B-C50C-407E-A947-70E740481C1C}">
+                <a14:useLocalDpi xmlns:a14="http://schemas.microsoft.com/office/drawing/2010/main" val="0"/>
+              </a:ext>
+            </a:extLst>
+          </a:blip>
+          <a:srcRect/>
+          <a:stretch>
+            <a:fillRect/>
+          </a:stretch>
+        </p:blipFill>
+        <p:spPr bwMode="auto">
+          <a:xfrm>
+            <a:off x="4594210" y="1440284"/>
+            <a:ext cx="872708" cy="872708"/>
+          </a:xfrm>
+          <a:prstGeom prst="rect">
+            <a:avLst/>
+          </a:prstGeom>
+          <a:noFill/>
+          <a:extLst>
+            <a:ext uri="{909E8E84-426E-40DD-AFC4-6F175D3DCCD1}">
+              <a14:hiddenFill xmlns:a14="http://schemas.microsoft.com/office/drawing/2010/main">
+                <a:solidFill>
+                  <a:srgbClr val="FFFFFF"/>
+                </a:solidFill>
+              </a14:hiddenFill>
+            </a:ext>
+          </a:extLst>
+        </p:spPr>
+      </p:pic>
+      <p:pic>
+        <p:nvPicPr>
+          <p:cNvPr id="62" name="Picture 6" descr="http://www.wink.com/img/product/philips-hue-single-light-bulb/variants/046677426361/hero_01.png"/>
+          <p:cNvPicPr>
+            <a:picLocks noChangeAspect="1" noChangeArrowheads="1"/>
+          </p:cNvPicPr>
+          <p:nvPr/>
+        </p:nvPicPr>
+        <p:blipFill>
+          <a:blip r:embed="rId6" cstate="print">
+            <a:extLst>
+              <a:ext uri="{28A0092B-C50C-407E-A947-70E740481C1C}">
+                <a14:useLocalDpi xmlns:a14="http://schemas.microsoft.com/office/drawing/2010/main" val="0"/>
+              </a:ext>
+            </a:extLst>
+          </a:blip>
+          <a:srcRect/>
+          <a:stretch>
+            <a:fillRect/>
+          </a:stretch>
+        </p:blipFill>
+        <p:spPr bwMode="auto">
+          <a:xfrm>
+            <a:off x="3975523" y="1446330"/>
+            <a:ext cx="838155" cy="838155"/>
+          </a:xfrm>
+          <a:prstGeom prst="rect">
+            <a:avLst/>
+          </a:prstGeom>
+          <a:noFill/>
+          <a:extLst>
+            <a:ext uri="{909E8E84-426E-40DD-AFC4-6F175D3DCCD1}">
+              <a14:hiddenFill xmlns:a14="http://schemas.microsoft.com/office/drawing/2010/main">
+                <a:solidFill>
+                  <a:srgbClr val="FFFFFF"/>
+                </a:solidFill>
+              </a14:hiddenFill>
+            </a:ext>
+          </a:extLst>
+        </p:spPr>
+      </p:pic>
+      <p:pic>
+        <p:nvPicPr>
+          <p:cNvPr id="63" name="Picture 6" descr="http://www.wink.com/img/product/philips-hue-single-light-bulb/variants/046677426361/hero_01.png"/>
+          <p:cNvPicPr>
+            <a:picLocks noChangeAspect="1" noChangeArrowheads="1"/>
+          </p:cNvPicPr>
+          <p:nvPr/>
+        </p:nvPicPr>
+        <p:blipFill>
+          <a:blip r:embed="rId7" cstate="print">
+            <a:extLst>
+              <a:ext uri="{28A0092B-C50C-407E-A947-70E740481C1C}">
+                <a14:useLocalDpi xmlns:a14="http://schemas.microsoft.com/office/drawing/2010/main" val="0"/>
+              </a:ext>
+            </a:extLst>
+          </a:blip>
+          <a:srcRect/>
+          <a:stretch>
+            <a:fillRect/>
+          </a:stretch>
+        </p:blipFill>
+        <p:spPr bwMode="auto">
+          <a:xfrm>
+            <a:off x="5173828" y="1400707"/>
+            <a:ext cx="883778" cy="883778"/>
+          </a:xfrm>
+          <a:prstGeom prst="rect">
+            <a:avLst/>
+          </a:prstGeom>
+          <a:noFill/>
+          <a:extLst>
+            <a:ext uri="{909E8E84-426E-40DD-AFC4-6F175D3DCCD1}">
+              <a14:hiddenFill xmlns:a14="http://schemas.microsoft.com/office/drawing/2010/main">
+                <a:solidFill>
+                  <a:srgbClr val="FFFFFF"/>
+                </a:solidFill>
+              </a14:hiddenFill>
+            </a:ext>
+          </a:extLst>
+        </p:spPr>
+      </p:pic>
+      <p:cxnSp>
+        <p:nvCxnSpPr>
+          <p:cNvPr id="70" name="Straight Arrow Connector 69"/>
+          <p:cNvCxnSpPr/>
+          <p:nvPr/>
+        </p:nvCxnSpPr>
+        <p:spPr>
+          <a:xfrm>
+            <a:off x="2333076" y="2371509"/>
+            <a:ext cx="800641" cy="1656612"/>
+          </a:xfrm>
+          <a:prstGeom prst="straightConnector1">
+            <a:avLst/>
+          </a:prstGeom>
+          <a:ln w="38100" cmpd="sng">
+            <a:solidFill>
+              <a:srgbClr val="FF0000"/>
+            </a:solidFill>
+            <a:prstDash val="sysDash"/>
+            <a:tailEnd type="arrow"/>
+          </a:ln>
+        </p:spPr>
+        <p:style>
+          <a:lnRef idx="1">
+            <a:schemeClr val="accent1"/>
+          </a:lnRef>
+          <a:fillRef idx="0">
+            <a:schemeClr val="accent1"/>
+          </a:fillRef>
+          <a:effectRef idx="0">
+            <a:schemeClr val="accent1"/>
+          </a:effectRef>
+          <a:fontRef idx="minor">
+            <a:schemeClr val="tx1"/>
+          </a:fontRef>
+        </p:style>
+      </p:cxnSp>
+      <p:sp>
+        <p:nvSpPr>
+          <p:cNvPr id="71" name="Tekstvak 87"/>
+          <p:cNvSpPr txBox="1"/>
+          <p:nvPr/>
+        </p:nvSpPr>
+        <p:spPr>
+          <a:xfrm>
+            <a:off x="2442738" y="2592915"/>
+            <a:ext cx="1106636" cy="461665"/>
+          </a:xfrm>
+          <a:prstGeom prst="rect">
+            <a:avLst/>
+          </a:prstGeom>
+          <a:noFill/>
+        </p:spPr>
+        <p:txBody>
+          <a:bodyPr wrap="square" rtlCol="0">
+            <a:spAutoFit/>
+          </a:bodyPr>
+          <a:lstStyle/>
+          <a:p>
+            <a:pPr algn="ctr"/>
+            <a:r>
+              <a:rPr lang="en-US" sz="1200" dirty="0" smtClean="0"/>
+              <a:t>Movement</a:t>
+            </a:r>
+          </a:p>
+          <a:p>
+            <a:pPr algn="ctr"/>
+            <a:r>
+              <a:rPr lang="en-US" sz="1200" dirty="0" smtClean="0"/>
+              <a:t>Detected</a:t>
+            </a:r>
+          </a:p>
+        </p:txBody>
+      </p:sp>
+      <p:pic>
+        <p:nvPicPr>
+          <p:cNvPr id="98" name="Picture 2"/>
+          <p:cNvPicPr>
+            <a:picLocks noChangeAspect="1" noChangeArrowheads="1"/>
+          </p:cNvPicPr>
+          <p:nvPr/>
+        </p:nvPicPr>
+        <p:blipFill>
+          <a:blip r:embed="rId8" cstate="print">
+            <a:extLst>
+              <a:ext uri="{28A0092B-C50C-407E-A947-70E740481C1C}">
+                <a14:useLocalDpi xmlns:a14="http://schemas.microsoft.com/office/drawing/2010/main" val="0"/>
+              </a:ext>
+            </a:extLst>
+          </a:blip>
+          <a:srcRect/>
+          <a:stretch>
+            <a:fillRect/>
+          </a:stretch>
+        </p:blipFill>
+        <p:spPr bwMode="auto">
+          <a:xfrm>
+            <a:off x="7725161" y="3094373"/>
+            <a:ext cx="663263" cy="1039441"/>
+          </a:xfrm>
+          <a:prstGeom prst="rect">
+            <a:avLst/>
+          </a:prstGeom>
+          <a:noFill/>
+          <a:ln>
+            <a:noFill/>
+          </a:ln>
+          <a:extLst>
+            <a:ext uri="{909E8E84-426E-40DD-AFC4-6F175D3DCCD1}">
+              <a14:hiddenFill xmlns:a14="http://schemas.microsoft.com/office/drawing/2010/main">
+                <a:solidFill>
+                  <a:schemeClr val="accent1"/>
+                </a:solidFill>
+              </a14:hiddenFill>
+            </a:ext>
+            <a:ext uri="{91240B29-F687-4F45-9708-019B960494DF}">
+              <a14:hiddenLine xmlns:a14="http://schemas.microsoft.com/office/drawing/2010/main" w="9525">
+                <a:solidFill>
+                  <a:schemeClr val="tx1"/>
+                </a:solidFill>
+                <a:miter lim="800000"/>
+                <a:headEnd/>
+                <a:tailEnd/>
+              </a14:hiddenLine>
+            </a:ext>
+          </a:extLst>
+        </p:spPr>
+      </p:pic>
+      <p:sp>
+        <p:nvSpPr>
+          <p:cNvPr id="100" name="Tekstvak 87"/>
+          <p:cNvSpPr txBox="1"/>
+          <p:nvPr/>
+        </p:nvSpPr>
+        <p:spPr>
+          <a:xfrm>
+            <a:off x="7780133" y="4142287"/>
+            <a:ext cx="553318" cy="276999"/>
+          </a:xfrm>
+          <a:prstGeom prst="rect">
+            <a:avLst/>
+          </a:prstGeom>
+          <a:noFill/>
+        </p:spPr>
+        <p:txBody>
+          <a:bodyPr wrap="square" rtlCol="0">
+            <a:spAutoFit/>
+          </a:bodyPr>
+          <a:lstStyle/>
+          <a:p>
+            <a:pPr algn="ctr"/>
+            <a:r>
+              <a:rPr lang="en-US" sz="1200" dirty="0" smtClean="0"/>
+              <a:t>Horn</a:t>
+            </a:r>
+          </a:p>
+        </p:txBody>
+      </p:sp>
+      <p:sp>
+        <p:nvSpPr>
+          <p:cNvPr id="104" name="Tekstvak 87"/>
+          <p:cNvSpPr txBox="1"/>
+          <p:nvPr/>
+        </p:nvSpPr>
+        <p:spPr>
+          <a:xfrm>
+            <a:off x="5627285" y="4105427"/>
+            <a:ext cx="1464942" cy="461665"/>
+          </a:xfrm>
+          <a:prstGeom prst="rect">
+            <a:avLst/>
+          </a:prstGeom>
+          <a:noFill/>
+        </p:spPr>
+        <p:txBody>
+          <a:bodyPr wrap="square" rtlCol="0">
+            <a:spAutoFit/>
+          </a:bodyPr>
+          <a:lstStyle/>
+          <a:p>
+            <a:pPr algn="ctr"/>
+            <a:r>
+              <a:rPr lang="en-US" sz="1200" dirty="0" smtClean="0"/>
+              <a:t>Activate </a:t>
+            </a:r>
+          </a:p>
+          <a:p>
+            <a:pPr algn="ctr"/>
+            <a:r>
+              <a:rPr lang="en-US" sz="1200" dirty="0" smtClean="0"/>
+              <a:t>Horn </a:t>
+            </a:r>
+          </a:p>
+        </p:txBody>
+      </p:sp>
+      <p:cxnSp>
+        <p:nvCxnSpPr>
+          <p:cNvPr id="37" name="Straight Arrow Connector 36"/>
+          <p:cNvCxnSpPr/>
+          <p:nvPr/>
+        </p:nvCxnSpPr>
+        <p:spPr>
+          <a:xfrm>
+            <a:off x="4318635" y="5049931"/>
+            <a:ext cx="730609" cy="555189"/>
+          </a:xfrm>
+          <a:prstGeom prst="straightConnector1">
+            <a:avLst/>
+          </a:prstGeom>
+          <a:ln w="38100" cmpd="sng">
+            <a:tailEnd type="arrow"/>
+          </a:ln>
+        </p:spPr>
+        <p:style>
+          <a:lnRef idx="1">
+            <a:schemeClr val="accent1"/>
+          </a:lnRef>
+          <a:fillRef idx="0">
+            <a:schemeClr val="accent1"/>
+          </a:fillRef>
+          <a:effectRef idx="0">
+            <a:schemeClr val="accent1"/>
+          </a:effectRef>
+          <a:fontRef idx="minor">
+            <a:schemeClr val="tx1"/>
+          </a:fontRef>
+        </p:style>
+      </p:cxnSp>
+      <p:cxnSp>
+        <p:nvCxnSpPr>
+          <p:cNvPr id="38" name="Straight Arrow Connector 37"/>
+          <p:cNvCxnSpPr/>
+          <p:nvPr/>
+        </p:nvCxnSpPr>
+        <p:spPr>
+          <a:xfrm>
+            <a:off x="4296659" y="5260959"/>
+            <a:ext cx="602339" cy="520944"/>
+          </a:xfrm>
+          <a:prstGeom prst="straightConnector1">
+            <a:avLst/>
+          </a:prstGeom>
+          <a:ln w="38100" cmpd="sng">
+            <a:solidFill>
+              <a:srgbClr val="FF0000"/>
+            </a:solidFill>
+            <a:prstDash val="sysDash"/>
+            <a:tailEnd type="arrow"/>
+          </a:ln>
+        </p:spPr>
+        <p:style>
+          <a:lnRef idx="1">
+            <a:schemeClr val="accent1"/>
+          </a:lnRef>
+          <a:fillRef idx="0">
+            <a:schemeClr val="accent1"/>
+          </a:fillRef>
+          <a:effectRef idx="0">
+            <a:schemeClr val="accent1"/>
+          </a:effectRef>
+          <a:fontRef idx="minor">
+            <a:schemeClr val="tx1"/>
+          </a:fontRef>
+        </p:style>
+      </p:cxnSp>
+      <p:pic>
+        <p:nvPicPr>
+          <p:cNvPr id="39" name="Picture 4" descr="http://www.calldrdave.com/wp/wp-content/uploads/2013/12/world_wide_web.png"/>
+          <p:cNvPicPr>
+            <a:picLocks noChangeAspect="1" noChangeArrowheads="1"/>
+          </p:cNvPicPr>
+          <p:nvPr/>
+        </p:nvPicPr>
+        <p:blipFill>
+          <a:blip r:embed="rId9" cstate="print">
+            <a:extLst>
+              <a:ext uri="{28A0092B-C50C-407E-A947-70E740481C1C}">
+                <a14:useLocalDpi xmlns:a14="http://schemas.microsoft.com/office/drawing/2010/main" val="0"/>
+              </a:ext>
+            </a:extLst>
+          </a:blip>
+          <a:srcRect/>
+          <a:stretch>
+            <a:fillRect/>
+          </a:stretch>
+        </p:blipFill>
+        <p:spPr bwMode="auto">
+          <a:xfrm>
+            <a:off x="4806969" y="5522582"/>
+            <a:ext cx="1617496" cy="1057438"/>
+          </a:xfrm>
+          <a:prstGeom prst="rect">
+            <a:avLst/>
+          </a:prstGeom>
+          <a:noFill/>
+          <a:extLst>
+            <a:ext uri="{909E8E84-426E-40DD-AFC4-6F175D3DCCD1}">
+              <a14:hiddenFill xmlns:a14="http://schemas.microsoft.com/office/drawing/2010/main">
+                <a:solidFill>
+                  <a:srgbClr val="FFFFFF"/>
+                </a:solidFill>
+              </a14:hiddenFill>
+            </a:ext>
+          </a:extLst>
+        </p:spPr>
+      </p:pic>
+      <p:sp>
+        <p:nvSpPr>
+          <p:cNvPr id="42" name="Tekstvak 87"/>
+          <p:cNvSpPr txBox="1"/>
+          <p:nvPr/>
+        </p:nvSpPr>
+        <p:spPr>
+          <a:xfrm>
+            <a:off x="4730042" y="6580020"/>
+            <a:ext cx="1737390" cy="276999"/>
+          </a:xfrm>
+          <a:prstGeom prst="rect">
+            <a:avLst/>
+          </a:prstGeom>
+          <a:noFill/>
+        </p:spPr>
+        <p:txBody>
+          <a:bodyPr wrap="square" rtlCol="0">
+            <a:spAutoFit/>
+          </a:bodyPr>
+          <a:lstStyle/>
+          <a:p>
+            <a:pPr algn="ctr"/>
+            <a:r>
+              <a:rPr lang="en-US" sz="1200" dirty="0" err="1" smtClean="0"/>
+              <a:t>Cloub</a:t>
+            </a:r>
+            <a:r>
+              <a:rPr lang="en-US" sz="1200" dirty="0" smtClean="0"/>
+              <a:t> Storage</a:t>
+            </a:r>
+            <a:endParaRPr lang="en-US" sz="1200" dirty="0" smtClean="0"/>
+          </a:p>
+        </p:txBody>
+      </p:sp>
+      <p:sp>
+        <p:nvSpPr>
+          <p:cNvPr id="43" name="Tekstvak 87"/>
+          <p:cNvSpPr txBox="1"/>
+          <p:nvPr/>
+        </p:nvSpPr>
+        <p:spPr>
+          <a:xfrm>
+            <a:off x="4093871" y="5553325"/>
+            <a:ext cx="732471" cy="461665"/>
+          </a:xfrm>
+          <a:prstGeom prst="rect">
+            <a:avLst/>
+          </a:prstGeom>
+          <a:noFill/>
+        </p:spPr>
+        <p:txBody>
+          <a:bodyPr wrap="square" rtlCol="0">
+            <a:spAutoFit/>
+          </a:bodyPr>
+          <a:lstStyle/>
+          <a:p>
+            <a:pPr algn="ctr"/>
+            <a:r>
+              <a:rPr lang="en-US" sz="1200" dirty="0" smtClean="0"/>
+              <a:t>Video</a:t>
+            </a:r>
+          </a:p>
+          <a:p>
+            <a:pPr algn="ctr"/>
+            <a:r>
+              <a:rPr lang="en-US" sz="1200" dirty="0" smtClean="0"/>
+              <a:t>Stream</a:t>
+            </a:r>
+            <a:endParaRPr lang="en-US" sz="1200" dirty="0" smtClean="0"/>
+          </a:p>
+        </p:txBody>
+      </p:sp>
+      <p:sp>
+        <p:nvSpPr>
+          <p:cNvPr id="44" name="Tekstvak 87"/>
+          <p:cNvSpPr txBox="1"/>
+          <p:nvPr/>
+        </p:nvSpPr>
+        <p:spPr>
+          <a:xfrm>
+            <a:off x="4447442" y="4913023"/>
+            <a:ext cx="732471" cy="461665"/>
+          </a:xfrm>
+          <a:prstGeom prst="rect">
+            <a:avLst/>
+          </a:prstGeom>
+          <a:noFill/>
+        </p:spPr>
+        <p:txBody>
+          <a:bodyPr wrap="square" rtlCol="0">
+            <a:spAutoFit/>
+          </a:bodyPr>
+          <a:lstStyle/>
+          <a:p>
+            <a:pPr algn="ctr"/>
+            <a:r>
+              <a:rPr lang="en-US" sz="1200" dirty="0" smtClean="0"/>
+              <a:t>Event</a:t>
+            </a:r>
+          </a:p>
+          <a:p>
+            <a:pPr algn="ctr"/>
+            <a:r>
+              <a:rPr lang="en-US" sz="1200" dirty="0" smtClean="0"/>
+              <a:t>Data</a:t>
+            </a:r>
+            <a:endParaRPr lang="en-US" sz="1200" dirty="0" smtClean="0"/>
+          </a:p>
+        </p:txBody>
+      </p:sp>
     </p:spTree>
     <p:extLst>
       <p:ext uri="{BB962C8B-B14F-4D97-AF65-F5344CB8AC3E}">
-        <p14:creationId xmlns:p14="http://schemas.microsoft.com/office/powerpoint/2010/main" val="2630413852"/>
+        <p14:creationId xmlns:p14="http://schemas.microsoft.com/office/powerpoint/2010/main" val="657390324"/>
       </p:ext>
     </p:extLst>
   </p:cSld>
@@ -3991,16 +5439,48 @@
           <a:chExt cx="0" cy="0"/>
         </a:xfrm>
       </p:grpSpPr>
+      <p:sp>
+        <p:nvSpPr>
+          <p:cNvPr id="4" name="Title 1"/>
+          <p:cNvSpPr>
+            <a:spLocks noGrp="1"/>
+          </p:cNvSpPr>
+          <p:nvPr>
+            <p:ph type="title"/>
+          </p:nvPr>
+        </p:nvSpPr>
+        <p:spPr>
+          <a:xfrm>
+            <a:off x="457200" y="0"/>
+            <a:ext cx="8229600" cy="908720"/>
+          </a:xfrm>
+        </p:spPr>
+        <p:txBody>
+          <a:bodyPr/>
+          <a:lstStyle/>
+          <a:p>
+            <a:r>
+              <a:rPr lang="nl-NL" sz="4400" dirty="0" smtClean="0"/>
+              <a:t>Scenario – </a:t>
+            </a:r>
+            <a:r>
+              <a:rPr lang="nl-NL" sz="4400" dirty="0" err="1" smtClean="0"/>
+              <a:t>Away</a:t>
+            </a:r>
+            <a:endParaRPr lang="nl-NL" sz="4400" dirty="0"/>
+          </a:p>
+        </p:txBody>
+      </p:sp>
       <p:pic>
         <p:nvPicPr>
-          <p:cNvPr id="3074" name="Picture 2" descr="C:\sources\plaatsoft\plaatprotect.git\screenshots\zwave-page-screenshot.jpg"/>
+          <p:cNvPr id="6" name="Picture 9"/>
           <p:cNvPicPr>
             <a:picLocks noChangeAspect="1" noChangeArrowheads="1"/>
           </p:cNvPicPr>
           <p:nvPr/>
         </p:nvPicPr>
         <p:blipFill>
-          <a:blip r:embed="rId2">
+          <a:blip r:embed="rId3" cstate="print">
             <a:extLst>
               <a:ext uri="{28A0092B-C50C-407E-A947-70E740481C1C}">
                 <a14:useLocalDpi xmlns:a14="http://schemas.microsoft.com/office/drawing/2010/main" val="0"/>
@@ -4014,8 +5494,644 @@
         </p:blipFill>
         <p:spPr bwMode="auto">
           <a:xfrm>
-            <a:off x="0" y="0"/>
-            <a:ext cx="9144000" cy="6957392"/>
+            <a:off x="1321667" y="2911112"/>
+            <a:ext cx="715167" cy="689421"/>
+          </a:xfrm>
+          <a:prstGeom prst="rect">
+            <a:avLst/>
+          </a:prstGeom>
+          <a:noFill/>
+          <a:ln>
+            <a:noFill/>
+          </a:ln>
+          <a:extLst>
+            <a:ext uri="{909E8E84-426E-40DD-AFC4-6F175D3DCCD1}">
+              <a14:hiddenFill xmlns:a14="http://schemas.microsoft.com/office/drawing/2010/main">
+                <a:solidFill>
+                  <a:schemeClr val="accent1"/>
+                </a:solidFill>
+              </a14:hiddenFill>
+            </a:ext>
+            <a:ext uri="{91240B29-F687-4F45-9708-019B960494DF}">
+              <a14:hiddenLine xmlns:a14="http://schemas.microsoft.com/office/drawing/2010/main" w="9525">
+                <a:solidFill>
+                  <a:schemeClr val="tx1"/>
+                </a:solidFill>
+                <a:miter lim="800000"/>
+                <a:headEnd/>
+                <a:tailEnd/>
+              </a14:hiddenLine>
+            </a:ext>
+          </a:extLst>
+        </p:spPr>
+      </p:pic>
+      <p:pic>
+        <p:nvPicPr>
+          <p:cNvPr id="7" name="Picture 3"/>
+          <p:cNvPicPr>
+            <a:picLocks noChangeAspect="1" noChangeArrowheads="1"/>
+          </p:cNvPicPr>
+          <p:nvPr/>
+        </p:nvPicPr>
+        <p:blipFill>
+          <a:blip r:embed="rId4" cstate="print">
+            <a:extLst>
+              <a:ext uri="{28A0092B-C50C-407E-A947-70E740481C1C}">
+                <a14:useLocalDpi xmlns:a14="http://schemas.microsoft.com/office/drawing/2010/main" val="0"/>
+              </a:ext>
+            </a:extLst>
+          </a:blip>
+          <a:srcRect/>
+          <a:stretch>
+            <a:fillRect/>
+          </a:stretch>
+        </p:blipFill>
+        <p:spPr bwMode="auto">
+          <a:xfrm>
+            <a:off x="3133717" y="4157614"/>
+            <a:ext cx="1120432" cy="1069079"/>
+          </a:xfrm>
+          <a:prstGeom prst="rect">
+            <a:avLst/>
+          </a:prstGeom>
+          <a:noFill/>
+          <a:ln>
+            <a:noFill/>
+          </a:ln>
+          <a:extLst>
+            <a:ext uri="{909E8E84-426E-40DD-AFC4-6F175D3DCCD1}">
+              <a14:hiddenFill xmlns:a14="http://schemas.microsoft.com/office/drawing/2010/main">
+                <a:solidFill>
+                  <a:schemeClr val="accent1"/>
+                </a:solidFill>
+              </a14:hiddenFill>
+            </a:ext>
+            <a:ext uri="{91240B29-F687-4F45-9708-019B960494DF}">
+              <a14:hiddenLine xmlns:a14="http://schemas.microsoft.com/office/drawing/2010/main" w="9525">
+                <a:solidFill>
+                  <a:schemeClr val="tx1"/>
+                </a:solidFill>
+                <a:miter lim="800000"/>
+                <a:headEnd/>
+                <a:tailEnd/>
+              </a14:hiddenLine>
+            </a:ext>
+          </a:extLst>
+        </p:spPr>
+      </p:pic>
+      <p:cxnSp>
+        <p:nvCxnSpPr>
+          <p:cNvPr id="9" name="Straight Arrow Connector 8"/>
+          <p:cNvCxnSpPr/>
+          <p:nvPr/>
+        </p:nvCxnSpPr>
+        <p:spPr>
+          <a:xfrm flipV="1">
+            <a:off x="4254149" y="2477528"/>
+            <a:ext cx="795095" cy="1400143"/>
+          </a:xfrm>
+          <a:prstGeom prst="straightConnector1">
+            <a:avLst/>
+          </a:prstGeom>
+          <a:ln w="38100" cmpd="sng">
+            <a:tailEnd type="arrow"/>
+          </a:ln>
+        </p:spPr>
+        <p:style>
+          <a:lnRef idx="1">
+            <a:schemeClr val="accent1"/>
+          </a:lnRef>
+          <a:fillRef idx="0">
+            <a:schemeClr val="accent1"/>
+          </a:fillRef>
+          <a:effectRef idx="0">
+            <a:schemeClr val="accent1"/>
+          </a:effectRef>
+          <a:fontRef idx="minor">
+            <a:schemeClr val="tx1"/>
+          </a:fontRef>
+        </p:style>
+      </p:cxnSp>
+      <p:sp>
+        <p:nvSpPr>
+          <p:cNvPr id="10" name="Tekstvak 87"/>
+          <p:cNvSpPr txBox="1"/>
+          <p:nvPr/>
+        </p:nvSpPr>
+        <p:spPr>
+          <a:xfrm>
+            <a:off x="410693" y="2865529"/>
+            <a:ext cx="880470" cy="646331"/>
+          </a:xfrm>
+          <a:prstGeom prst="rect">
+            <a:avLst/>
+          </a:prstGeom>
+          <a:noFill/>
+        </p:spPr>
+        <p:txBody>
+          <a:bodyPr wrap="square" rtlCol="0">
+            <a:spAutoFit/>
+          </a:bodyPr>
+          <a:lstStyle/>
+          <a:p>
+            <a:pPr algn="ctr"/>
+            <a:r>
+              <a:rPr lang="en-US" sz="1200" dirty="0" smtClean="0"/>
+              <a:t>Garage</a:t>
+            </a:r>
+          </a:p>
+          <a:p>
+            <a:pPr algn="ctr"/>
+            <a:r>
+              <a:rPr lang="en-US" sz="1200" dirty="0" smtClean="0"/>
+              <a:t>IR</a:t>
+            </a:r>
+          </a:p>
+          <a:p>
+            <a:pPr algn="ctr"/>
+            <a:r>
+              <a:rPr lang="en-US" sz="1200" dirty="0" smtClean="0"/>
+              <a:t>Detector</a:t>
+            </a:r>
+          </a:p>
+        </p:txBody>
+      </p:sp>
+      <p:sp>
+        <p:nvSpPr>
+          <p:cNvPr id="11" name="Tekstvak 87"/>
+          <p:cNvSpPr txBox="1"/>
+          <p:nvPr/>
+        </p:nvSpPr>
+        <p:spPr>
+          <a:xfrm>
+            <a:off x="3099137" y="5226693"/>
+            <a:ext cx="1106636" cy="276999"/>
+          </a:xfrm>
+          <a:prstGeom prst="rect">
+            <a:avLst/>
+          </a:prstGeom>
+          <a:noFill/>
+        </p:spPr>
+        <p:txBody>
+          <a:bodyPr wrap="square" rtlCol="0">
+            <a:spAutoFit/>
+          </a:bodyPr>
+          <a:lstStyle/>
+          <a:p>
+            <a:pPr algn="ctr"/>
+            <a:r>
+              <a:rPr lang="en-US" sz="1200" dirty="0" smtClean="0"/>
+              <a:t>PlaatProtect</a:t>
+            </a:r>
+          </a:p>
+        </p:txBody>
+      </p:sp>
+      <p:sp>
+        <p:nvSpPr>
+          <p:cNvPr id="14" name="Tekstvak 87"/>
+          <p:cNvSpPr txBox="1"/>
+          <p:nvPr/>
+        </p:nvSpPr>
+        <p:spPr>
+          <a:xfrm>
+            <a:off x="3660508" y="2549605"/>
+            <a:ext cx="1106636" cy="830997"/>
+          </a:xfrm>
+          <a:prstGeom prst="rect">
+            <a:avLst/>
+          </a:prstGeom>
+          <a:noFill/>
+        </p:spPr>
+        <p:txBody>
+          <a:bodyPr wrap="square" rtlCol="0">
+            <a:spAutoFit/>
+          </a:bodyPr>
+          <a:lstStyle/>
+          <a:p>
+            <a:pPr algn="ctr"/>
+            <a:r>
+              <a:rPr lang="en-US" sz="1200" dirty="0" smtClean="0"/>
+              <a:t>Activate</a:t>
+            </a:r>
+          </a:p>
+          <a:p>
+            <a:pPr algn="ctr"/>
+            <a:r>
+              <a:rPr lang="en-US" sz="1200" dirty="0" smtClean="0"/>
+              <a:t>all</a:t>
+            </a:r>
+          </a:p>
+          <a:p>
+            <a:pPr algn="ctr"/>
+            <a:r>
+              <a:rPr lang="en-US" sz="1200" dirty="0" smtClean="0"/>
+              <a:t>Light Bulbs</a:t>
+            </a:r>
+          </a:p>
+          <a:p>
+            <a:pPr algn="ctr"/>
+            <a:r>
+              <a:rPr lang="en-US" sz="1200" dirty="0" smtClean="0"/>
+              <a:t>in House</a:t>
+            </a:r>
+          </a:p>
+        </p:txBody>
+      </p:sp>
+      <p:sp>
+        <p:nvSpPr>
+          <p:cNvPr id="21" name="Tekstvak 87"/>
+          <p:cNvSpPr txBox="1"/>
+          <p:nvPr/>
+        </p:nvSpPr>
+        <p:spPr>
+          <a:xfrm>
+            <a:off x="275782" y="3810649"/>
+            <a:ext cx="880470" cy="646331"/>
+          </a:xfrm>
+          <a:prstGeom prst="rect">
+            <a:avLst/>
+          </a:prstGeom>
+          <a:noFill/>
+        </p:spPr>
+        <p:txBody>
+          <a:bodyPr wrap="square" rtlCol="0">
+            <a:spAutoFit/>
+          </a:bodyPr>
+          <a:lstStyle/>
+          <a:p>
+            <a:pPr algn="ctr"/>
+            <a:r>
+              <a:rPr lang="en-US" sz="1200" dirty="0" smtClean="0"/>
+              <a:t>Kitchen</a:t>
+            </a:r>
+          </a:p>
+          <a:p>
+            <a:pPr algn="ctr"/>
+            <a:r>
+              <a:rPr lang="en-US" sz="1200" dirty="0" smtClean="0"/>
+              <a:t>IR</a:t>
+            </a:r>
+          </a:p>
+          <a:p>
+            <a:pPr algn="ctr"/>
+            <a:r>
+              <a:rPr lang="en-US" sz="1200" dirty="0" smtClean="0"/>
+              <a:t>Detector</a:t>
+            </a:r>
+          </a:p>
+        </p:txBody>
+      </p:sp>
+      <p:sp>
+        <p:nvSpPr>
+          <p:cNvPr id="22" name="Tekstvak 87"/>
+          <p:cNvSpPr txBox="1"/>
+          <p:nvPr/>
+        </p:nvSpPr>
+        <p:spPr>
+          <a:xfrm>
+            <a:off x="275782" y="4798746"/>
+            <a:ext cx="880470" cy="646331"/>
+          </a:xfrm>
+          <a:prstGeom prst="rect">
+            <a:avLst/>
+          </a:prstGeom>
+          <a:noFill/>
+        </p:spPr>
+        <p:txBody>
+          <a:bodyPr wrap="square" rtlCol="0">
+            <a:spAutoFit/>
+          </a:bodyPr>
+          <a:lstStyle/>
+          <a:p>
+            <a:pPr algn="ctr"/>
+            <a:r>
+              <a:rPr lang="en-US" sz="1200" dirty="0" smtClean="0"/>
+              <a:t>Hall</a:t>
+            </a:r>
+          </a:p>
+          <a:p>
+            <a:pPr algn="ctr"/>
+            <a:r>
+              <a:rPr lang="en-US" sz="1200" dirty="0" smtClean="0"/>
+              <a:t>IR</a:t>
+            </a:r>
+          </a:p>
+          <a:p>
+            <a:pPr algn="ctr"/>
+            <a:r>
+              <a:rPr lang="en-US" sz="1200" dirty="0" smtClean="0"/>
+              <a:t>Detector</a:t>
+            </a:r>
+          </a:p>
+        </p:txBody>
+      </p:sp>
+      <p:sp>
+        <p:nvSpPr>
+          <p:cNvPr id="23" name="Tekstvak 87"/>
+          <p:cNvSpPr txBox="1"/>
+          <p:nvPr/>
+        </p:nvSpPr>
+        <p:spPr>
+          <a:xfrm>
+            <a:off x="485776" y="5781903"/>
+            <a:ext cx="1106095" cy="646331"/>
+          </a:xfrm>
+          <a:prstGeom prst="rect">
+            <a:avLst/>
+          </a:prstGeom>
+          <a:noFill/>
+        </p:spPr>
+        <p:txBody>
+          <a:bodyPr wrap="square" rtlCol="0">
+            <a:spAutoFit/>
+          </a:bodyPr>
+          <a:lstStyle/>
+          <a:p>
+            <a:pPr algn="ctr"/>
+            <a:r>
+              <a:rPr lang="en-US" sz="1200" dirty="0" smtClean="0"/>
+              <a:t>Living  Room</a:t>
+            </a:r>
+          </a:p>
+          <a:p>
+            <a:pPr algn="ctr"/>
+            <a:r>
+              <a:rPr lang="en-US" sz="1200" dirty="0" smtClean="0"/>
+              <a:t>IR</a:t>
+            </a:r>
+          </a:p>
+          <a:p>
+            <a:pPr algn="ctr"/>
+            <a:r>
+              <a:rPr lang="en-US" sz="1200" dirty="0" smtClean="0"/>
+              <a:t>Detector</a:t>
+            </a:r>
+          </a:p>
+        </p:txBody>
+      </p:sp>
+      <p:pic>
+        <p:nvPicPr>
+          <p:cNvPr id="26" name="Picture 2"/>
+          <p:cNvPicPr>
+            <a:picLocks noChangeAspect="1" noChangeArrowheads="1"/>
+          </p:cNvPicPr>
+          <p:nvPr/>
+        </p:nvPicPr>
+        <p:blipFill>
+          <a:blip r:embed="rId5" cstate="print">
+            <a:extLst>
+              <a:ext uri="{28A0092B-C50C-407E-A947-70E740481C1C}">
+                <a14:useLocalDpi xmlns:a14="http://schemas.microsoft.com/office/drawing/2010/main" val="0"/>
+              </a:ext>
+            </a:extLst>
+          </a:blip>
+          <a:srcRect/>
+          <a:stretch>
+            <a:fillRect/>
+          </a:stretch>
+        </p:blipFill>
+        <p:spPr bwMode="auto">
+          <a:xfrm>
+            <a:off x="7768090" y="405256"/>
+            <a:ext cx="608554" cy="1135967"/>
+          </a:xfrm>
+          <a:prstGeom prst="rect">
+            <a:avLst/>
+          </a:prstGeom>
+          <a:noFill/>
+          <a:ln>
+            <a:noFill/>
+          </a:ln>
+          <a:extLst>
+            <a:ext uri="{909E8E84-426E-40DD-AFC4-6F175D3DCCD1}">
+              <a14:hiddenFill xmlns:a14="http://schemas.microsoft.com/office/drawing/2010/main">
+                <a:solidFill>
+                  <a:schemeClr val="accent1"/>
+                </a:solidFill>
+              </a14:hiddenFill>
+            </a:ext>
+            <a:ext uri="{91240B29-F687-4F45-9708-019B960494DF}">
+              <a14:hiddenLine xmlns:a14="http://schemas.microsoft.com/office/drawing/2010/main" w="9525">
+                <a:solidFill>
+                  <a:schemeClr val="tx1"/>
+                </a:solidFill>
+                <a:miter lim="800000"/>
+                <a:headEnd/>
+                <a:tailEnd/>
+              </a14:hiddenLine>
+            </a:ext>
+          </a:extLst>
+        </p:spPr>
+      </p:pic>
+      <p:cxnSp>
+        <p:nvCxnSpPr>
+          <p:cNvPr id="28" name="Straight Arrow Connector 27"/>
+          <p:cNvCxnSpPr/>
+          <p:nvPr/>
+        </p:nvCxnSpPr>
+        <p:spPr>
+          <a:xfrm flipV="1">
+            <a:off x="4350849" y="1070951"/>
+            <a:ext cx="3323305" cy="2957170"/>
+          </a:xfrm>
+          <a:prstGeom prst="straightConnector1">
+            <a:avLst/>
+          </a:prstGeom>
+          <a:ln w="38100" cmpd="sng">
+            <a:tailEnd type="arrow"/>
+          </a:ln>
+        </p:spPr>
+        <p:style>
+          <a:lnRef idx="1">
+            <a:schemeClr val="accent1"/>
+          </a:lnRef>
+          <a:fillRef idx="0">
+            <a:schemeClr val="accent1"/>
+          </a:fillRef>
+          <a:effectRef idx="0">
+            <a:schemeClr val="accent1"/>
+          </a:effectRef>
+          <a:fontRef idx="minor">
+            <a:schemeClr val="tx1"/>
+          </a:fontRef>
+        </p:style>
+      </p:cxnSp>
+      <p:sp>
+        <p:nvSpPr>
+          <p:cNvPr id="29" name="Tekstvak 87"/>
+          <p:cNvSpPr txBox="1"/>
+          <p:nvPr/>
+        </p:nvSpPr>
+        <p:spPr>
+          <a:xfrm>
+            <a:off x="6024601" y="2024091"/>
+            <a:ext cx="1730294" cy="646331"/>
+          </a:xfrm>
+          <a:prstGeom prst="rect">
+            <a:avLst/>
+          </a:prstGeom>
+          <a:noFill/>
+        </p:spPr>
+        <p:txBody>
+          <a:bodyPr wrap="square" rtlCol="0">
+            <a:spAutoFit/>
+          </a:bodyPr>
+          <a:lstStyle/>
+          <a:p>
+            <a:pPr algn="ctr"/>
+            <a:r>
+              <a:rPr lang="en-US" sz="1200" dirty="0" smtClean="0"/>
+              <a:t>Send</a:t>
+            </a:r>
+          </a:p>
+          <a:p>
+            <a:pPr algn="ctr"/>
+            <a:r>
+              <a:rPr lang="en-US" sz="1200" dirty="0"/>
+              <a:t>p</a:t>
+            </a:r>
+            <a:r>
+              <a:rPr lang="en-US" sz="1200" dirty="0" smtClean="0"/>
+              <a:t>ush message </a:t>
+            </a:r>
+          </a:p>
+          <a:p>
+            <a:pPr algn="ctr"/>
+            <a:r>
+              <a:rPr lang="en-US" sz="1200" dirty="0" smtClean="0"/>
+              <a:t>to mobile(s)</a:t>
+            </a:r>
+          </a:p>
+        </p:txBody>
+      </p:sp>
+      <p:cxnSp>
+        <p:nvCxnSpPr>
+          <p:cNvPr id="30" name="Straight Arrow Connector 29"/>
+          <p:cNvCxnSpPr/>
+          <p:nvPr/>
+        </p:nvCxnSpPr>
+        <p:spPr>
+          <a:xfrm flipV="1">
+            <a:off x="4394600" y="2660568"/>
+            <a:ext cx="3186545" cy="1553842"/>
+          </a:xfrm>
+          <a:prstGeom prst="straightConnector1">
+            <a:avLst/>
+          </a:prstGeom>
+          <a:ln w="38100" cmpd="sng">
+            <a:tailEnd type="arrow"/>
+          </a:ln>
+        </p:spPr>
+        <p:style>
+          <a:lnRef idx="1">
+            <a:schemeClr val="accent1"/>
+          </a:lnRef>
+          <a:fillRef idx="0">
+            <a:schemeClr val="accent1"/>
+          </a:fillRef>
+          <a:effectRef idx="0">
+            <a:schemeClr val="accent1"/>
+          </a:effectRef>
+          <a:fontRef idx="minor">
+            <a:schemeClr val="tx1"/>
+          </a:fontRef>
+        </p:style>
+      </p:cxnSp>
+      <p:cxnSp>
+        <p:nvCxnSpPr>
+          <p:cNvPr id="31" name="Straight Arrow Connector 30"/>
+          <p:cNvCxnSpPr/>
+          <p:nvPr/>
+        </p:nvCxnSpPr>
+        <p:spPr>
+          <a:xfrm flipV="1">
+            <a:off x="4460107" y="3676230"/>
+            <a:ext cx="3121038" cy="733795"/>
+          </a:xfrm>
+          <a:prstGeom prst="straightConnector1">
+            <a:avLst/>
+          </a:prstGeom>
+          <a:ln w="38100" cmpd="sng">
+            <a:tailEnd type="arrow"/>
+          </a:ln>
+        </p:spPr>
+        <p:style>
+          <a:lnRef idx="1">
+            <a:schemeClr val="accent1"/>
+          </a:lnRef>
+          <a:fillRef idx="0">
+            <a:schemeClr val="accent1"/>
+          </a:fillRef>
+          <a:effectRef idx="0">
+            <a:schemeClr val="accent1"/>
+          </a:effectRef>
+          <a:fontRef idx="minor">
+            <a:schemeClr val="tx1"/>
+          </a:fontRef>
+        </p:style>
+      </p:cxnSp>
+      <p:sp>
+        <p:nvSpPr>
+          <p:cNvPr id="32" name="Tekstvak 87"/>
+          <p:cNvSpPr txBox="1"/>
+          <p:nvPr/>
+        </p:nvSpPr>
+        <p:spPr>
+          <a:xfrm>
+            <a:off x="5773623" y="3226837"/>
+            <a:ext cx="1730294" cy="461665"/>
+          </a:xfrm>
+          <a:prstGeom prst="rect">
+            <a:avLst/>
+          </a:prstGeom>
+          <a:noFill/>
+        </p:spPr>
+        <p:txBody>
+          <a:bodyPr wrap="square" rtlCol="0">
+            <a:spAutoFit/>
+          </a:bodyPr>
+          <a:lstStyle/>
+          <a:p>
+            <a:pPr algn="ctr"/>
+            <a:r>
+              <a:rPr lang="en-US" sz="1200" dirty="0" smtClean="0"/>
+              <a:t>Send</a:t>
+            </a:r>
+          </a:p>
+          <a:p>
+            <a:pPr algn="ctr"/>
+            <a:r>
+              <a:rPr lang="en-US" sz="1200" dirty="0" smtClean="0"/>
+              <a:t>Email</a:t>
+            </a:r>
+          </a:p>
+        </p:txBody>
+      </p:sp>
+      <p:pic>
+        <p:nvPicPr>
+          <p:cNvPr id="33" name="Picture 2" descr="http://signupin.com/wp-content/uploads/2015/01/email.jpg"/>
+          <p:cNvPicPr>
+            <a:picLocks noChangeAspect="1" noChangeArrowheads="1"/>
+          </p:cNvPicPr>
+          <p:nvPr/>
+        </p:nvPicPr>
+        <p:blipFill>
+          <a:blip r:embed="rId6" cstate="print">
+            <a:extLst>
+              <a:ext uri="{28A0092B-C50C-407E-A947-70E740481C1C}">
+                <a14:useLocalDpi xmlns:a14="http://schemas.microsoft.com/office/drawing/2010/main" val="0"/>
+              </a:ext>
+            </a:extLst>
+          </a:blip>
+          <a:srcRect/>
+          <a:stretch>
+            <a:fillRect/>
+          </a:stretch>
+        </p:blipFill>
+        <p:spPr bwMode="auto">
+          <a:xfrm>
+            <a:off x="7674154" y="2019163"/>
+            <a:ext cx="765276" cy="670042"/>
           </a:xfrm>
           <a:prstGeom prst="rect">
             <a:avLst/>
@@ -4032,10 +6148,1483 @@
           </a:extLst>
         </p:spPr>
       </p:pic>
+      <p:pic>
+        <p:nvPicPr>
+          <p:cNvPr id="34" name="Picture 2"/>
+          <p:cNvPicPr>
+            <a:picLocks noChangeAspect="1" noChangeArrowheads="1"/>
+          </p:cNvPicPr>
+          <p:nvPr/>
+        </p:nvPicPr>
+        <p:blipFill>
+          <a:blip r:embed="rId7" cstate="print">
+            <a:extLst>
+              <a:ext uri="{28A0092B-C50C-407E-A947-70E740481C1C}">
+                <a14:useLocalDpi xmlns:a14="http://schemas.microsoft.com/office/drawing/2010/main" val="0"/>
+              </a:ext>
+            </a:extLst>
+          </a:blip>
+          <a:srcRect/>
+          <a:stretch>
+            <a:fillRect/>
+          </a:stretch>
+        </p:blipFill>
+        <p:spPr bwMode="auto">
+          <a:xfrm>
+            <a:off x="7725161" y="3094373"/>
+            <a:ext cx="663263" cy="1039441"/>
+          </a:xfrm>
+          <a:prstGeom prst="rect">
+            <a:avLst/>
+          </a:prstGeom>
+          <a:noFill/>
+          <a:ln>
+            <a:noFill/>
+          </a:ln>
+          <a:extLst>
+            <a:ext uri="{909E8E84-426E-40DD-AFC4-6F175D3DCCD1}">
+              <a14:hiddenFill xmlns:a14="http://schemas.microsoft.com/office/drawing/2010/main">
+                <a:solidFill>
+                  <a:schemeClr val="accent1"/>
+                </a:solidFill>
+              </a14:hiddenFill>
+            </a:ext>
+            <a:ext uri="{91240B29-F687-4F45-9708-019B960494DF}">
+              <a14:hiddenLine xmlns:a14="http://schemas.microsoft.com/office/drawing/2010/main" w="9525">
+                <a:solidFill>
+                  <a:schemeClr val="tx1"/>
+                </a:solidFill>
+                <a:miter lim="800000"/>
+                <a:headEnd/>
+                <a:tailEnd/>
+              </a14:hiddenLine>
+            </a:ext>
+          </a:extLst>
+        </p:spPr>
+      </p:pic>
+      <p:sp>
+        <p:nvSpPr>
+          <p:cNvPr id="35" name="Tekstvak 87"/>
+          <p:cNvSpPr txBox="1"/>
+          <p:nvPr/>
+        </p:nvSpPr>
+        <p:spPr>
+          <a:xfrm>
+            <a:off x="5738461" y="4028121"/>
+            <a:ext cx="1464942" cy="461665"/>
+          </a:xfrm>
+          <a:prstGeom prst="rect">
+            <a:avLst/>
+          </a:prstGeom>
+          <a:noFill/>
+        </p:spPr>
+        <p:txBody>
+          <a:bodyPr wrap="square" rtlCol="0">
+            <a:spAutoFit/>
+          </a:bodyPr>
+          <a:lstStyle/>
+          <a:p>
+            <a:pPr algn="ctr"/>
+            <a:r>
+              <a:rPr lang="en-US" sz="1200" dirty="0" smtClean="0"/>
+              <a:t>Activate </a:t>
+            </a:r>
+          </a:p>
+          <a:p>
+            <a:pPr algn="ctr"/>
+            <a:r>
+              <a:rPr lang="en-US" sz="1200" dirty="0" smtClean="0"/>
+              <a:t>Horn </a:t>
+            </a:r>
+          </a:p>
+        </p:txBody>
+      </p:sp>
+      <p:pic>
+        <p:nvPicPr>
+          <p:cNvPr id="36" name="Picture 3"/>
+          <p:cNvPicPr>
+            <a:picLocks noChangeAspect="1" noChangeArrowheads="1"/>
+          </p:cNvPicPr>
+          <p:nvPr/>
+        </p:nvPicPr>
+        <p:blipFill>
+          <a:blip r:embed="rId8" cstate="print"/>
+          <a:srcRect/>
+          <a:stretch>
+            <a:fillRect/>
+          </a:stretch>
+        </p:blipFill>
+        <p:spPr bwMode="auto">
+          <a:xfrm>
+            <a:off x="1410219" y="1725530"/>
+            <a:ext cx="832567" cy="935037"/>
+          </a:xfrm>
+          <a:prstGeom prst="rect">
+            <a:avLst/>
+          </a:prstGeom>
+          <a:noFill/>
+          <a:ln w="9525">
+            <a:noFill/>
+            <a:miter lim="800000"/>
+            <a:headEnd/>
+            <a:tailEnd/>
+          </a:ln>
+        </p:spPr>
+      </p:pic>
+      <p:sp>
+        <p:nvSpPr>
+          <p:cNvPr id="39" name="Tekstvak 87"/>
+          <p:cNvSpPr txBox="1"/>
+          <p:nvPr/>
+        </p:nvSpPr>
+        <p:spPr>
+          <a:xfrm>
+            <a:off x="478246" y="1789587"/>
+            <a:ext cx="977484" cy="461665"/>
+          </a:xfrm>
+          <a:prstGeom prst="rect">
+            <a:avLst/>
+          </a:prstGeom>
+          <a:noFill/>
+        </p:spPr>
+        <p:txBody>
+          <a:bodyPr wrap="square" rtlCol="0">
+            <a:spAutoFit/>
+          </a:bodyPr>
+          <a:lstStyle/>
+          <a:p>
+            <a:pPr algn="ctr"/>
+            <a:r>
+              <a:rPr lang="en-US" sz="1200" dirty="0" smtClean="0"/>
+              <a:t>Webcam</a:t>
+            </a:r>
+          </a:p>
+          <a:p>
+            <a:pPr algn="ctr"/>
+            <a:r>
+              <a:rPr lang="en-US" sz="1200" dirty="0" smtClean="0"/>
+              <a:t>Front door</a:t>
+            </a:r>
+          </a:p>
+        </p:txBody>
+      </p:sp>
+      <p:sp>
+        <p:nvSpPr>
+          <p:cNvPr id="40" name="Tekstvak 87"/>
+          <p:cNvSpPr txBox="1"/>
+          <p:nvPr/>
+        </p:nvSpPr>
+        <p:spPr>
+          <a:xfrm>
+            <a:off x="1239015" y="978618"/>
+            <a:ext cx="880470" cy="461665"/>
+          </a:xfrm>
+          <a:prstGeom prst="rect">
+            <a:avLst/>
+          </a:prstGeom>
+          <a:noFill/>
+        </p:spPr>
+        <p:txBody>
+          <a:bodyPr wrap="square" rtlCol="0">
+            <a:spAutoFit/>
+          </a:bodyPr>
+          <a:lstStyle/>
+          <a:p>
+            <a:pPr algn="ctr"/>
+            <a:r>
+              <a:rPr lang="en-US" sz="1200" dirty="0" smtClean="0"/>
+              <a:t>Webcam</a:t>
+            </a:r>
+          </a:p>
+          <a:p>
+            <a:pPr algn="ctr"/>
+            <a:r>
+              <a:rPr lang="en-US" sz="1200" dirty="0" smtClean="0"/>
+              <a:t>Garden</a:t>
+            </a:r>
+          </a:p>
+        </p:txBody>
+      </p:sp>
+      <p:pic>
+        <p:nvPicPr>
+          <p:cNvPr id="41" name="Picture 9"/>
+          <p:cNvPicPr>
+            <a:picLocks noChangeAspect="1" noChangeArrowheads="1"/>
+          </p:cNvPicPr>
+          <p:nvPr/>
+        </p:nvPicPr>
+        <p:blipFill>
+          <a:blip r:embed="rId3" cstate="print">
+            <a:extLst>
+              <a:ext uri="{28A0092B-C50C-407E-A947-70E740481C1C}">
+                <a14:useLocalDpi xmlns:a14="http://schemas.microsoft.com/office/drawing/2010/main" val="0"/>
+              </a:ext>
+            </a:extLst>
+          </a:blip>
+          <a:srcRect/>
+          <a:stretch>
+            <a:fillRect/>
+          </a:stretch>
+        </p:blipFill>
+        <p:spPr bwMode="auto">
+          <a:xfrm>
+            <a:off x="1156252" y="3877671"/>
+            <a:ext cx="715167" cy="689421"/>
+          </a:xfrm>
+          <a:prstGeom prst="rect">
+            <a:avLst/>
+          </a:prstGeom>
+          <a:noFill/>
+          <a:ln>
+            <a:noFill/>
+          </a:ln>
+          <a:extLst>
+            <a:ext uri="{909E8E84-426E-40DD-AFC4-6F175D3DCCD1}">
+              <a14:hiddenFill xmlns:a14="http://schemas.microsoft.com/office/drawing/2010/main">
+                <a:solidFill>
+                  <a:schemeClr val="accent1"/>
+                </a:solidFill>
+              </a14:hiddenFill>
+            </a:ext>
+            <a:ext uri="{91240B29-F687-4F45-9708-019B960494DF}">
+              <a14:hiddenLine xmlns:a14="http://schemas.microsoft.com/office/drawing/2010/main" w="9525">
+                <a:solidFill>
+                  <a:schemeClr val="tx1"/>
+                </a:solidFill>
+                <a:miter lim="800000"/>
+                <a:headEnd/>
+                <a:tailEnd/>
+              </a14:hiddenLine>
+            </a:ext>
+          </a:extLst>
+        </p:spPr>
+      </p:pic>
+      <p:pic>
+        <p:nvPicPr>
+          <p:cNvPr id="42" name="Picture 9"/>
+          <p:cNvPicPr>
+            <a:picLocks noChangeAspect="1" noChangeArrowheads="1"/>
+          </p:cNvPicPr>
+          <p:nvPr/>
+        </p:nvPicPr>
+        <p:blipFill>
+          <a:blip r:embed="rId3" cstate="print">
+            <a:extLst>
+              <a:ext uri="{28A0092B-C50C-407E-A947-70E740481C1C}">
+                <a14:useLocalDpi xmlns:a14="http://schemas.microsoft.com/office/drawing/2010/main" val="0"/>
+              </a:ext>
+            </a:extLst>
+          </a:blip>
+          <a:srcRect/>
+          <a:stretch>
+            <a:fillRect/>
+          </a:stretch>
+        </p:blipFill>
+        <p:spPr bwMode="auto">
+          <a:xfrm>
+            <a:off x="1153884" y="4751931"/>
+            <a:ext cx="715167" cy="689421"/>
+          </a:xfrm>
+          <a:prstGeom prst="rect">
+            <a:avLst/>
+          </a:prstGeom>
+          <a:noFill/>
+          <a:ln>
+            <a:noFill/>
+          </a:ln>
+          <a:extLst>
+            <a:ext uri="{909E8E84-426E-40DD-AFC4-6F175D3DCCD1}">
+              <a14:hiddenFill xmlns:a14="http://schemas.microsoft.com/office/drawing/2010/main">
+                <a:solidFill>
+                  <a:schemeClr val="accent1"/>
+                </a:solidFill>
+              </a14:hiddenFill>
+            </a:ext>
+            <a:ext uri="{91240B29-F687-4F45-9708-019B960494DF}">
+              <a14:hiddenLine xmlns:a14="http://schemas.microsoft.com/office/drawing/2010/main" w="9525">
+                <a:solidFill>
+                  <a:schemeClr val="tx1"/>
+                </a:solidFill>
+                <a:miter lim="800000"/>
+                <a:headEnd/>
+                <a:tailEnd/>
+              </a14:hiddenLine>
+            </a:ext>
+          </a:extLst>
+        </p:spPr>
+      </p:pic>
+      <p:pic>
+        <p:nvPicPr>
+          <p:cNvPr id="43" name="Picture 9"/>
+          <p:cNvPicPr>
+            <a:picLocks noChangeAspect="1" noChangeArrowheads="1"/>
+          </p:cNvPicPr>
+          <p:nvPr/>
+        </p:nvPicPr>
+        <p:blipFill>
+          <a:blip r:embed="rId3" cstate="print">
+            <a:extLst>
+              <a:ext uri="{28A0092B-C50C-407E-A947-70E740481C1C}">
+                <a14:useLocalDpi xmlns:a14="http://schemas.microsoft.com/office/drawing/2010/main" val="0"/>
+              </a:ext>
+            </a:extLst>
+          </a:blip>
+          <a:srcRect/>
+          <a:stretch>
+            <a:fillRect/>
+          </a:stretch>
+        </p:blipFill>
+        <p:spPr bwMode="auto">
+          <a:xfrm>
+            <a:off x="1617909" y="5691825"/>
+            <a:ext cx="715167" cy="689421"/>
+          </a:xfrm>
+          <a:prstGeom prst="rect">
+            <a:avLst/>
+          </a:prstGeom>
+          <a:noFill/>
+          <a:ln>
+            <a:noFill/>
+          </a:ln>
+          <a:extLst>
+            <a:ext uri="{909E8E84-426E-40DD-AFC4-6F175D3DCCD1}">
+              <a14:hiddenFill xmlns:a14="http://schemas.microsoft.com/office/drawing/2010/main">
+                <a:solidFill>
+                  <a:schemeClr val="accent1"/>
+                </a:solidFill>
+              </a14:hiddenFill>
+            </a:ext>
+            <a:ext uri="{91240B29-F687-4F45-9708-019B960494DF}">
+              <a14:hiddenLine xmlns:a14="http://schemas.microsoft.com/office/drawing/2010/main" w="9525">
+                <a:solidFill>
+                  <a:schemeClr val="tx1"/>
+                </a:solidFill>
+                <a:miter lim="800000"/>
+                <a:headEnd/>
+                <a:tailEnd/>
+              </a14:hiddenLine>
+            </a:ext>
+          </a:extLst>
+        </p:spPr>
+      </p:pic>
+      <p:pic>
+        <p:nvPicPr>
+          <p:cNvPr id="44" name="Picture 3"/>
+          <p:cNvPicPr>
+            <a:picLocks noChangeAspect="1" noChangeArrowheads="1"/>
+          </p:cNvPicPr>
+          <p:nvPr/>
+        </p:nvPicPr>
+        <p:blipFill>
+          <a:blip r:embed="rId8" cstate="print"/>
+          <a:srcRect/>
+          <a:stretch>
+            <a:fillRect/>
+          </a:stretch>
+        </p:blipFill>
+        <p:spPr bwMode="auto">
+          <a:xfrm>
+            <a:off x="2163489" y="994813"/>
+            <a:ext cx="832567" cy="935037"/>
+          </a:xfrm>
+          <a:prstGeom prst="rect">
+            <a:avLst/>
+          </a:prstGeom>
+          <a:noFill/>
+          <a:ln w="9525">
+            <a:noFill/>
+            <a:miter lim="800000"/>
+            <a:headEnd/>
+            <a:tailEnd/>
+          </a:ln>
+        </p:spPr>
+      </p:pic>
+      <p:sp>
+        <p:nvSpPr>
+          <p:cNvPr id="76" name="Tekstvak 87"/>
+          <p:cNvSpPr txBox="1"/>
+          <p:nvPr/>
+        </p:nvSpPr>
+        <p:spPr>
+          <a:xfrm>
+            <a:off x="4479736" y="834739"/>
+            <a:ext cx="1106636" cy="276999"/>
+          </a:xfrm>
+          <a:prstGeom prst="rect">
+            <a:avLst/>
+          </a:prstGeom>
+          <a:noFill/>
+        </p:spPr>
+        <p:txBody>
+          <a:bodyPr wrap="square" rtlCol="0">
+            <a:spAutoFit/>
+          </a:bodyPr>
+          <a:lstStyle/>
+          <a:p>
+            <a:pPr algn="ctr"/>
+            <a:r>
+              <a:rPr lang="en-US" sz="1200" dirty="0" smtClean="0"/>
+              <a:t>Bulb Lights</a:t>
+            </a:r>
+          </a:p>
+        </p:txBody>
+      </p:sp>
+      <p:pic>
+        <p:nvPicPr>
+          <p:cNvPr id="77" name="Picture 6" descr="http://www.wink.com/img/product/philips-hue-single-light-bulb/variants/046677426361/hero_01.png"/>
+          <p:cNvPicPr>
+            <a:picLocks noChangeAspect="1" noChangeArrowheads="1"/>
+          </p:cNvPicPr>
+          <p:nvPr/>
+        </p:nvPicPr>
+        <p:blipFill>
+          <a:blip r:embed="rId9" cstate="print">
+            <a:extLst>
+              <a:ext uri="{28A0092B-C50C-407E-A947-70E740481C1C}">
+                <a14:useLocalDpi xmlns:a14="http://schemas.microsoft.com/office/drawing/2010/main" val="0"/>
+              </a:ext>
+            </a:extLst>
+          </a:blip>
+          <a:srcRect/>
+          <a:stretch>
+            <a:fillRect/>
+          </a:stretch>
+        </p:blipFill>
+        <p:spPr bwMode="auto">
+          <a:xfrm>
+            <a:off x="4594210" y="1440284"/>
+            <a:ext cx="872708" cy="872708"/>
+          </a:xfrm>
+          <a:prstGeom prst="rect">
+            <a:avLst/>
+          </a:prstGeom>
+          <a:noFill/>
+          <a:extLst>
+            <a:ext uri="{909E8E84-426E-40DD-AFC4-6F175D3DCCD1}">
+              <a14:hiddenFill xmlns:a14="http://schemas.microsoft.com/office/drawing/2010/main">
+                <a:solidFill>
+                  <a:srgbClr val="FFFFFF"/>
+                </a:solidFill>
+              </a14:hiddenFill>
+            </a:ext>
+          </a:extLst>
+        </p:spPr>
+      </p:pic>
+      <p:pic>
+        <p:nvPicPr>
+          <p:cNvPr id="78" name="Picture 6" descr="http://www.wink.com/img/product/philips-hue-single-light-bulb/variants/046677426361/hero_01.png"/>
+          <p:cNvPicPr>
+            <a:picLocks noChangeAspect="1" noChangeArrowheads="1"/>
+          </p:cNvPicPr>
+          <p:nvPr/>
+        </p:nvPicPr>
+        <p:blipFill>
+          <a:blip r:embed="rId10" cstate="print">
+            <a:extLst>
+              <a:ext uri="{28A0092B-C50C-407E-A947-70E740481C1C}">
+                <a14:useLocalDpi xmlns:a14="http://schemas.microsoft.com/office/drawing/2010/main" val="0"/>
+              </a:ext>
+            </a:extLst>
+          </a:blip>
+          <a:srcRect/>
+          <a:stretch>
+            <a:fillRect/>
+          </a:stretch>
+        </p:blipFill>
+        <p:spPr bwMode="auto">
+          <a:xfrm>
+            <a:off x="3975523" y="1440283"/>
+            <a:ext cx="838155" cy="838155"/>
+          </a:xfrm>
+          <a:prstGeom prst="rect">
+            <a:avLst/>
+          </a:prstGeom>
+          <a:noFill/>
+          <a:extLst>
+            <a:ext uri="{909E8E84-426E-40DD-AFC4-6F175D3DCCD1}">
+              <a14:hiddenFill xmlns:a14="http://schemas.microsoft.com/office/drawing/2010/main">
+                <a:solidFill>
+                  <a:srgbClr val="FFFFFF"/>
+                </a:solidFill>
+              </a14:hiddenFill>
+            </a:ext>
+          </a:extLst>
+        </p:spPr>
+      </p:pic>
+      <p:pic>
+        <p:nvPicPr>
+          <p:cNvPr id="79" name="Picture 6" descr="http://www.wink.com/img/product/philips-hue-single-light-bulb/variants/046677426361/hero_01.png"/>
+          <p:cNvPicPr>
+            <a:picLocks noChangeAspect="1" noChangeArrowheads="1"/>
+          </p:cNvPicPr>
+          <p:nvPr/>
+        </p:nvPicPr>
+        <p:blipFill>
+          <a:blip r:embed="rId11" cstate="print">
+            <a:extLst>
+              <a:ext uri="{28A0092B-C50C-407E-A947-70E740481C1C}">
+                <a14:useLocalDpi xmlns:a14="http://schemas.microsoft.com/office/drawing/2010/main" val="0"/>
+              </a:ext>
+            </a:extLst>
+          </a:blip>
+          <a:srcRect/>
+          <a:stretch>
+            <a:fillRect/>
+          </a:stretch>
+        </p:blipFill>
+        <p:spPr bwMode="auto">
+          <a:xfrm>
+            <a:off x="5173828" y="1400707"/>
+            <a:ext cx="883778" cy="883778"/>
+          </a:xfrm>
+          <a:prstGeom prst="rect">
+            <a:avLst/>
+          </a:prstGeom>
+          <a:noFill/>
+          <a:extLst>
+            <a:ext uri="{909E8E84-426E-40DD-AFC4-6F175D3DCCD1}">
+              <a14:hiddenFill xmlns:a14="http://schemas.microsoft.com/office/drawing/2010/main">
+                <a:solidFill>
+                  <a:srgbClr val="FFFFFF"/>
+                </a:solidFill>
+              </a14:hiddenFill>
+            </a:ext>
+          </a:extLst>
+        </p:spPr>
+      </p:pic>
+      <p:sp>
+        <p:nvSpPr>
+          <p:cNvPr id="90" name="Tekstvak 87"/>
+          <p:cNvSpPr txBox="1"/>
+          <p:nvPr/>
+        </p:nvSpPr>
+        <p:spPr>
+          <a:xfrm>
+            <a:off x="7503474" y="1541223"/>
+            <a:ext cx="1106636" cy="276999"/>
+          </a:xfrm>
+          <a:prstGeom prst="rect">
+            <a:avLst/>
+          </a:prstGeom>
+          <a:noFill/>
+        </p:spPr>
+        <p:txBody>
+          <a:bodyPr wrap="square" rtlCol="0">
+            <a:spAutoFit/>
+          </a:bodyPr>
+          <a:lstStyle/>
+          <a:p>
+            <a:pPr algn="ctr"/>
+            <a:r>
+              <a:rPr lang="en-US" sz="1200" dirty="0" smtClean="0"/>
+              <a:t>Mobile</a:t>
+            </a:r>
+          </a:p>
+        </p:txBody>
+      </p:sp>
+      <p:sp>
+        <p:nvSpPr>
+          <p:cNvPr id="91" name="Tekstvak 87"/>
+          <p:cNvSpPr txBox="1"/>
+          <p:nvPr/>
+        </p:nvSpPr>
+        <p:spPr>
+          <a:xfrm>
+            <a:off x="7503474" y="4171499"/>
+            <a:ext cx="1106636" cy="276999"/>
+          </a:xfrm>
+          <a:prstGeom prst="rect">
+            <a:avLst/>
+          </a:prstGeom>
+          <a:noFill/>
+        </p:spPr>
+        <p:txBody>
+          <a:bodyPr wrap="square" rtlCol="0">
+            <a:spAutoFit/>
+          </a:bodyPr>
+          <a:lstStyle/>
+          <a:p>
+            <a:pPr algn="ctr"/>
+            <a:r>
+              <a:rPr lang="en-US" sz="1200" dirty="0" smtClean="0"/>
+              <a:t>Horn</a:t>
+            </a:r>
+          </a:p>
+        </p:txBody>
+      </p:sp>
+      <p:sp>
+        <p:nvSpPr>
+          <p:cNvPr id="92" name="Tekstvak 87"/>
+          <p:cNvSpPr txBox="1"/>
+          <p:nvPr/>
+        </p:nvSpPr>
+        <p:spPr>
+          <a:xfrm>
+            <a:off x="7503474" y="2680199"/>
+            <a:ext cx="1106636" cy="276999"/>
+          </a:xfrm>
+          <a:prstGeom prst="rect">
+            <a:avLst/>
+          </a:prstGeom>
+          <a:noFill/>
+        </p:spPr>
+        <p:txBody>
+          <a:bodyPr wrap="square" rtlCol="0">
+            <a:spAutoFit/>
+          </a:bodyPr>
+          <a:lstStyle/>
+          <a:p>
+            <a:pPr algn="ctr"/>
+            <a:r>
+              <a:rPr lang="en-US" sz="1200" smtClean="0"/>
+              <a:t>Email</a:t>
+            </a:r>
+            <a:endParaRPr lang="en-US" sz="1200" dirty="0" smtClean="0"/>
+          </a:p>
+        </p:txBody>
+      </p:sp>
+      <p:cxnSp>
+        <p:nvCxnSpPr>
+          <p:cNvPr id="98" name="Straight Arrow Connector 97"/>
+          <p:cNvCxnSpPr/>
+          <p:nvPr/>
+        </p:nvCxnSpPr>
+        <p:spPr>
+          <a:xfrm>
+            <a:off x="4318635" y="5049931"/>
+            <a:ext cx="730609" cy="555189"/>
+          </a:xfrm>
+          <a:prstGeom prst="straightConnector1">
+            <a:avLst/>
+          </a:prstGeom>
+          <a:ln w="38100" cmpd="sng">
+            <a:tailEnd type="arrow"/>
+          </a:ln>
+        </p:spPr>
+        <p:style>
+          <a:lnRef idx="1">
+            <a:schemeClr val="accent1"/>
+          </a:lnRef>
+          <a:fillRef idx="0">
+            <a:schemeClr val="accent1"/>
+          </a:fillRef>
+          <a:effectRef idx="0">
+            <a:schemeClr val="accent1"/>
+          </a:effectRef>
+          <a:fontRef idx="minor">
+            <a:schemeClr val="tx1"/>
+          </a:fontRef>
+        </p:style>
+      </p:cxnSp>
+      <p:cxnSp>
+        <p:nvCxnSpPr>
+          <p:cNvPr id="100" name="Straight Arrow Connector 99"/>
+          <p:cNvCxnSpPr/>
+          <p:nvPr/>
+        </p:nvCxnSpPr>
+        <p:spPr>
+          <a:xfrm>
+            <a:off x="4296659" y="5260959"/>
+            <a:ext cx="602339" cy="520944"/>
+          </a:xfrm>
+          <a:prstGeom prst="straightConnector1">
+            <a:avLst/>
+          </a:prstGeom>
+          <a:ln w="38100" cmpd="sng">
+            <a:solidFill>
+              <a:srgbClr val="FF0000"/>
+            </a:solidFill>
+            <a:prstDash val="sysDash"/>
+            <a:tailEnd type="arrow"/>
+          </a:ln>
+        </p:spPr>
+        <p:style>
+          <a:lnRef idx="1">
+            <a:schemeClr val="accent1"/>
+          </a:lnRef>
+          <a:fillRef idx="0">
+            <a:schemeClr val="accent1"/>
+          </a:fillRef>
+          <a:effectRef idx="0">
+            <a:schemeClr val="accent1"/>
+          </a:effectRef>
+          <a:fontRef idx="minor">
+            <a:schemeClr val="tx1"/>
+          </a:fontRef>
+        </p:style>
+      </p:cxnSp>
+      <p:sp>
+        <p:nvSpPr>
+          <p:cNvPr id="102" name="Tekstvak 87"/>
+          <p:cNvSpPr txBox="1"/>
+          <p:nvPr/>
+        </p:nvSpPr>
+        <p:spPr>
+          <a:xfrm>
+            <a:off x="1951287" y="4028121"/>
+            <a:ext cx="1106636" cy="830997"/>
+          </a:xfrm>
+          <a:prstGeom prst="rect">
+            <a:avLst/>
+          </a:prstGeom>
+          <a:noFill/>
+        </p:spPr>
+        <p:txBody>
+          <a:bodyPr wrap="square" rtlCol="0">
+            <a:spAutoFit/>
+          </a:bodyPr>
+          <a:lstStyle/>
+          <a:p>
+            <a:pPr algn="ctr"/>
+            <a:r>
+              <a:rPr lang="en-US" sz="1200" dirty="0" smtClean="0"/>
+              <a:t>Movement</a:t>
+            </a:r>
+          </a:p>
+          <a:p>
+            <a:pPr algn="ctr"/>
+            <a:r>
+              <a:rPr lang="en-US" sz="1200" dirty="0" smtClean="0"/>
+              <a:t>Or </a:t>
+            </a:r>
+          </a:p>
+          <a:p>
+            <a:pPr algn="ctr"/>
+            <a:r>
+              <a:rPr lang="en-US" sz="1200" dirty="0" smtClean="0"/>
+              <a:t>Vibration</a:t>
+            </a:r>
+          </a:p>
+          <a:p>
+            <a:pPr algn="ctr"/>
+            <a:r>
+              <a:rPr lang="en-US" sz="1200" dirty="0" smtClean="0"/>
+              <a:t>Alarm</a:t>
+            </a:r>
+          </a:p>
+        </p:txBody>
+      </p:sp>
+      <p:cxnSp>
+        <p:nvCxnSpPr>
+          <p:cNvPr id="103" name="Straight Arrow Connector 102"/>
+          <p:cNvCxnSpPr/>
+          <p:nvPr/>
+        </p:nvCxnSpPr>
+        <p:spPr>
+          <a:xfrm>
+            <a:off x="1910073" y="4400765"/>
+            <a:ext cx="1189064" cy="18521"/>
+          </a:xfrm>
+          <a:prstGeom prst="straightConnector1">
+            <a:avLst/>
+          </a:prstGeom>
+          <a:ln w="38100" cmpd="sng">
+            <a:tailEnd type="arrow"/>
+          </a:ln>
+        </p:spPr>
+        <p:style>
+          <a:lnRef idx="1">
+            <a:schemeClr val="accent1"/>
+          </a:lnRef>
+          <a:fillRef idx="0">
+            <a:schemeClr val="accent1"/>
+          </a:fillRef>
+          <a:effectRef idx="0">
+            <a:schemeClr val="accent1"/>
+          </a:effectRef>
+          <a:fontRef idx="minor">
+            <a:schemeClr val="tx1"/>
+          </a:fontRef>
+        </p:style>
+      </p:cxnSp>
+      <p:sp>
+        <p:nvSpPr>
+          <p:cNvPr id="108" name="AutoShape 2" descr="Image result for drone"/>
+          <p:cNvSpPr>
+            <a:spLocks noChangeAspect="1" noChangeArrowheads="1"/>
+          </p:cNvSpPr>
+          <p:nvPr/>
+        </p:nvSpPr>
+        <p:spPr bwMode="auto">
+          <a:xfrm>
+            <a:off x="155575" y="-144463"/>
+            <a:ext cx="304800" cy="304801"/>
+          </a:xfrm>
+          <a:prstGeom prst="rect">
+            <a:avLst/>
+          </a:prstGeom>
+          <a:noFill/>
+          <a:extLst>
+            <a:ext uri="{909E8E84-426E-40DD-AFC4-6F175D3DCCD1}">
+              <a14:hiddenFill xmlns:a14="http://schemas.microsoft.com/office/drawing/2010/main">
+                <a:solidFill>
+                  <a:srgbClr val="FFFFFF"/>
+                </a:solidFill>
+              </a14:hiddenFill>
+            </a:ext>
+          </a:extLst>
+        </p:spPr>
+        <p:txBody>
+          <a:bodyPr vert="horz" wrap="square" lIns="91440" tIns="45720" rIns="91440" bIns="45720" numCol="1" anchor="t" anchorCtr="0" compatLnSpc="1">
+            <a:prstTxWarp prst="textNoShape">
+              <a:avLst/>
+            </a:prstTxWarp>
+          </a:bodyPr>
+          <a:lstStyle/>
+          <a:p>
+            <a:endParaRPr lang="nl-NL"/>
+          </a:p>
+        </p:txBody>
+      </p:sp>
+      <p:sp>
+        <p:nvSpPr>
+          <p:cNvPr id="109" name="AutoShape 4" descr="Image result for drone"/>
+          <p:cNvSpPr>
+            <a:spLocks noChangeAspect="1" noChangeArrowheads="1"/>
+          </p:cNvSpPr>
+          <p:nvPr/>
+        </p:nvSpPr>
+        <p:spPr bwMode="auto">
+          <a:xfrm>
+            <a:off x="307975" y="7937"/>
+            <a:ext cx="304800" cy="304801"/>
+          </a:xfrm>
+          <a:prstGeom prst="rect">
+            <a:avLst/>
+          </a:prstGeom>
+          <a:noFill/>
+          <a:extLst>
+            <a:ext uri="{909E8E84-426E-40DD-AFC4-6F175D3DCCD1}">
+              <a14:hiddenFill xmlns:a14="http://schemas.microsoft.com/office/drawing/2010/main">
+                <a:solidFill>
+                  <a:srgbClr val="FFFFFF"/>
+                </a:solidFill>
+              </a14:hiddenFill>
+            </a:ext>
+          </a:extLst>
+        </p:spPr>
+        <p:txBody>
+          <a:bodyPr vert="horz" wrap="square" lIns="91440" tIns="45720" rIns="91440" bIns="45720" numCol="1" anchor="t" anchorCtr="0" compatLnSpc="1">
+            <a:prstTxWarp prst="textNoShape">
+              <a:avLst/>
+            </a:prstTxWarp>
+          </a:bodyPr>
+          <a:lstStyle/>
+          <a:p>
+            <a:endParaRPr lang="nl-NL"/>
+          </a:p>
+        </p:txBody>
+      </p:sp>
+      <p:pic>
+        <p:nvPicPr>
+          <p:cNvPr id="120" name="Picture 2" descr="https://www.piborg.org/images/DiddyBorg/PiBorg%20DiddyBorg%20Clear%20Raspberry%20Pi%20Robot%20front%201440.JPG"/>
+          <p:cNvPicPr>
+            <a:picLocks noChangeAspect="1" noChangeArrowheads="1"/>
+          </p:cNvPicPr>
+          <p:nvPr/>
+        </p:nvPicPr>
+        <p:blipFill>
+          <a:blip r:embed="rId12" cstate="print">
+            <a:extLst>
+              <a:ext uri="{28A0092B-C50C-407E-A947-70E740481C1C}">
+                <a14:useLocalDpi xmlns:a14="http://schemas.microsoft.com/office/drawing/2010/main" val="0"/>
+              </a:ext>
+            </a:extLst>
+          </a:blip>
+          <a:srcRect/>
+          <a:stretch>
+            <a:fillRect/>
+          </a:stretch>
+        </p:blipFill>
+        <p:spPr bwMode="auto">
+          <a:xfrm>
+            <a:off x="7313305" y="4719450"/>
+            <a:ext cx="1486973" cy="1154470"/>
+          </a:xfrm>
+          <a:prstGeom prst="rect">
+            <a:avLst/>
+          </a:prstGeom>
+          <a:noFill/>
+          <a:extLst>
+            <a:ext uri="{909E8E84-426E-40DD-AFC4-6F175D3DCCD1}">
+              <a14:hiddenFill xmlns:a14="http://schemas.microsoft.com/office/drawing/2010/main">
+                <a:solidFill>
+                  <a:srgbClr val="FFFFFF"/>
+                </a:solidFill>
+              </a14:hiddenFill>
+            </a:ext>
+          </a:extLst>
+        </p:spPr>
+      </p:pic>
+      <p:cxnSp>
+        <p:nvCxnSpPr>
+          <p:cNvPr id="121" name="Straight Arrow Connector 120"/>
+          <p:cNvCxnSpPr/>
+          <p:nvPr/>
+        </p:nvCxnSpPr>
+        <p:spPr>
+          <a:xfrm>
+            <a:off x="4460107" y="4567092"/>
+            <a:ext cx="2728375" cy="231655"/>
+          </a:xfrm>
+          <a:prstGeom prst="straightConnector1">
+            <a:avLst/>
+          </a:prstGeom>
+          <a:ln w="38100" cmpd="sng">
+            <a:tailEnd type="arrow"/>
+          </a:ln>
+        </p:spPr>
+        <p:style>
+          <a:lnRef idx="1">
+            <a:schemeClr val="accent1"/>
+          </a:lnRef>
+          <a:fillRef idx="0">
+            <a:schemeClr val="accent1"/>
+          </a:fillRef>
+          <a:effectRef idx="0">
+            <a:schemeClr val="accent1"/>
+          </a:effectRef>
+          <a:fontRef idx="minor">
+            <a:schemeClr val="tx1"/>
+          </a:fontRef>
+        </p:style>
+      </p:cxnSp>
+      <p:sp>
+        <p:nvSpPr>
+          <p:cNvPr id="127" name="Tekstvak 87"/>
+          <p:cNvSpPr txBox="1"/>
+          <p:nvPr/>
+        </p:nvSpPr>
+        <p:spPr>
+          <a:xfrm>
+            <a:off x="5173349" y="4719450"/>
+            <a:ext cx="1464942" cy="461665"/>
+          </a:xfrm>
+          <a:prstGeom prst="rect">
+            <a:avLst/>
+          </a:prstGeom>
+          <a:noFill/>
+        </p:spPr>
+        <p:txBody>
+          <a:bodyPr wrap="square" rtlCol="0">
+            <a:spAutoFit/>
+          </a:bodyPr>
+          <a:lstStyle/>
+          <a:p>
+            <a:pPr algn="ctr"/>
+            <a:r>
+              <a:rPr lang="en-US" sz="1200" dirty="0" smtClean="0"/>
+              <a:t>Activate  Drone</a:t>
+            </a:r>
+          </a:p>
+          <a:p>
+            <a:pPr algn="ctr"/>
+            <a:r>
+              <a:rPr lang="en-US" sz="1200" dirty="0" smtClean="0"/>
+              <a:t>“Search and …..”</a:t>
+            </a:r>
+          </a:p>
+        </p:txBody>
+      </p:sp>
+      <p:sp>
+        <p:nvSpPr>
+          <p:cNvPr id="129" name="Tekstvak 87"/>
+          <p:cNvSpPr txBox="1"/>
+          <p:nvPr/>
+        </p:nvSpPr>
+        <p:spPr>
+          <a:xfrm>
+            <a:off x="7519049" y="5911870"/>
+            <a:ext cx="1106636" cy="276999"/>
+          </a:xfrm>
+          <a:prstGeom prst="rect">
+            <a:avLst/>
+          </a:prstGeom>
+          <a:noFill/>
+        </p:spPr>
+        <p:txBody>
+          <a:bodyPr wrap="square" rtlCol="0">
+            <a:spAutoFit/>
+          </a:bodyPr>
+          <a:lstStyle/>
+          <a:p>
+            <a:pPr algn="ctr"/>
+            <a:r>
+              <a:rPr lang="en-US" sz="1200" dirty="0" err="1" smtClean="0"/>
+              <a:t>PiZorg</a:t>
+            </a:r>
+            <a:endParaRPr lang="en-US" sz="1200" dirty="0" smtClean="0"/>
+          </a:p>
+        </p:txBody>
+      </p:sp>
+      <p:pic>
+        <p:nvPicPr>
+          <p:cNvPr id="138" name="Picture 6" descr="http://www.wink.com/img/product/philips-hue-single-light-bulb/variants/046677426361/hero_01.png"/>
+          <p:cNvPicPr>
+            <a:picLocks noChangeAspect="1" noChangeArrowheads="1"/>
+          </p:cNvPicPr>
+          <p:nvPr/>
+        </p:nvPicPr>
+        <p:blipFill>
+          <a:blip r:embed="rId10" cstate="print">
+            <a:extLst>
+              <a:ext uri="{28A0092B-C50C-407E-A947-70E740481C1C}">
+                <a14:useLocalDpi xmlns:a14="http://schemas.microsoft.com/office/drawing/2010/main" val="0"/>
+              </a:ext>
+            </a:extLst>
+          </a:blip>
+          <a:srcRect/>
+          <a:stretch>
+            <a:fillRect/>
+          </a:stretch>
+        </p:blipFill>
+        <p:spPr bwMode="auto">
+          <a:xfrm>
+            <a:off x="3556445" y="1173605"/>
+            <a:ext cx="838155" cy="838155"/>
+          </a:xfrm>
+          <a:prstGeom prst="rect">
+            <a:avLst/>
+          </a:prstGeom>
+          <a:noFill/>
+          <a:extLst>
+            <a:ext uri="{909E8E84-426E-40DD-AFC4-6F175D3DCCD1}">
+              <a14:hiddenFill xmlns:a14="http://schemas.microsoft.com/office/drawing/2010/main">
+                <a:solidFill>
+                  <a:srgbClr val="FFFFFF"/>
+                </a:solidFill>
+              </a14:hiddenFill>
+            </a:ext>
+          </a:extLst>
+        </p:spPr>
+      </p:pic>
+      <p:pic>
+        <p:nvPicPr>
+          <p:cNvPr id="139" name="Picture 6" descr="http://www.wink.com/img/product/philips-hue-single-light-bulb/variants/046677426361/hero_01.png"/>
+          <p:cNvPicPr>
+            <a:picLocks noChangeAspect="1" noChangeArrowheads="1"/>
+          </p:cNvPicPr>
+          <p:nvPr/>
+        </p:nvPicPr>
+        <p:blipFill>
+          <a:blip r:embed="rId10" cstate="print">
+            <a:extLst>
+              <a:ext uri="{28A0092B-C50C-407E-A947-70E740481C1C}">
+                <a14:useLocalDpi xmlns:a14="http://schemas.microsoft.com/office/drawing/2010/main" val="0"/>
+              </a:ext>
+            </a:extLst>
+          </a:blip>
+          <a:srcRect/>
+          <a:stretch>
+            <a:fillRect/>
+          </a:stretch>
+        </p:blipFill>
+        <p:spPr bwMode="auto">
+          <a:xfrm>
+            <a:off x="4350849" y="1122145"/>
+            <a:ext cx="838155" cy="838155"/>
+          </a:xfrm>
+          <a:prstGeom prst="rect">
+            <a:avLst/>
+          </a:prstGeom>
+          <a:noFill/>
+          <a:extLst>
+            <a:ext uri="{909E8E84-426E-40DD-AFC4-6F175D3DCCD1}">
+              <a14:hiddenFill xmlns:a14="http://schemas.microsoft.com/office/drawing/2010/main">
+                <a:solidFill>
+                  <a:srgbClr val="FFFFFF"/>
+                </a:solidFill>
+              </a14:hiddenFill>
+            </a:ext>
+          </a:extLst>
+        </p:spPr>
+      </p:pic>
+      <p:pic>
+        <p:nvPicPr>
+          <p:cNvPr id="140" name="Picture 6" descr="http://www.wink.com/img/product/philips-hue-single-light-bulb/variants/046677426361/hero_01.png"/>
+          <p:cNvPicPr>
+            <a:picLocks noChangeAspect="1" noChangeArrowheads="1"/>
+          </p:cNvPicPr>
+          <p:nvPr/>
+        </p:nvPicPr>
+        <p:blipFill>
+          <a:blip r:embed="rId10" cstate="print">
+            <a:extLst>
+              <a:ext uri="{28A0092B-C50C-407E-A947-70E740481C1C}">
+                <a14:useLocalDpi xmlns:a14="http://schemas.microsoft.com/office/drawing/2010/main" val="0"/>
+              </a:ext>
+            </a:extLst>
+          </a:blip>
+          <a:srcRect/>
+          <a:stretch>
+            <a:fillRect/>
+          </a:stretch>
+        </p:blipFill>
+        <p:spPr bwMode="auto">
+          <a:xfrm>
+            <a:off x="5001631" y="1100002"/>
+            <a:ext cx="838155" cy="838155"/>
+          </a:xfrm>
+          <a:prstGeom prst="rect">
+            <a:avLst/>
+          </a:prstGeom>
+          <a:noFill/>
+          <a:extLst>
+            <a:ext uri="{909E8E84-426E-40DD-AFC4-6F175D3DCCD1}">
+              <a14:hiddenFill xmlns:a14="http://schemas.microsoft.com/office/drawing/2010/main">
+                <a:solidFill>
+                  <a:srgbClr val="FFFFFF"/>
+                </a:solidFill>
+              </a14:hiddenFill>
+            </a:ext>
+          </a:extLst>
+        </p:spPr>
+      </p:pic>
+      <p:pic>
+        <p:nvPicPr>
+          <p:cNvPr id="141" name="Picture 6" descr="http://www.wink.com/img/product/philips-hue-single-light-bulb/variants/046677426361/hero_01.png"/>
+          <p:cNvPicPr>
+            <a:picLocks noChangeAspect="1" noChangeArrowheads="1"/>
+          </p:cNvPicPr>
+          <p:nvPr/>
+        </p:nvPicPr>
+        <p:blipFill>
+          <a:blip r:embed="rId10" cstate="print">
+            <a:extLst>
+              <a:ext uri="{28A0092B-C50C-407E-A947-70E740481C1C}">
+                <a14:useLocalDpi xmlns:a14="http://schemas.microsoft.com/office/drawing/2010/main" val="0"/>
+              </a:ext>
+            </a:extLst>
+          </a:blip>
+          <a:srcRect/>
+          <a:stretch>
+            <a:fillRect/>
+          </a:stretch>
+        </p:blipFill>
+        <p:spPr bwMode="auto">
+          <a:xfrm>
+            <a:off x="5486742" y="1173604"/>
+            <a:ext cx="838155" cy="838155"/>
+          </a:xfrm>
+          <a:prstGeom prst="rect">
+            <a:avLst/>
+          </a:prstGeom>
+          <a:noFill/>
+          <a:extLst>
+            <a:ext uri="{909E8E84-426E-40DD-AFC4-6F175D3DCCD1}">
+              <a14:hiddenFill xmlns:a14="http://schemas.microsoft.com/office/drawing/2010/main">
+                <a:solidFill>
+                  <a:srgbClr val="FFFFFF"/>
+                </a:solidFill>
+              </a14:hiddenFill>
+            </a:ext>
+          </a:extLst>
+        </p:spPr>
+      </p:pic>
+      <p:cxnSp>
+        <p:nvCxnSpPr>
+          <p:cNvPr id="142" name="Straight Arrow Connector 141"/>
+          <p:cNvCxnSpPr/>
+          <p:nvPr/>
+        </p:nvCxnSpPr>
+        <p:spPr>
+          <a:xfrm>
+            <a:off x="2333076" y="2371509"/>
+            <a:ext cx="800641" cy="1656612"/>
+          </a:xfrm>
+          <a:prstGeom prst="straightConnector1">
+            <a:avLst/>
+          </a:prstGeom>
+          <a:ln w="38100" cmpd="sng">
+            <a:solidFill>
+              <a:srgbClr val="FF0000"/>
+            </a:solidFill>
+            <a:prstDash val="sysDash"/>
+            <a:tailEnd type="arrow"/>
+          </a:ln>
+        </p:spPr>
+        <p:style>
+          <a:lnRef idx="1">
+            <a:schemeClr val="accent1"/>
+          </a:lnRef>
+          <a:fillRef idx="0">
+            <a:schemeClr val="accent1"/>
+          </a:fillRef>
+          <a:effectRef idx="0">
+            <a:schemeClr val="accent1"/>
+          </a:effectRef>
+          <a:fontRef idx="minor">
+            <a:schemeClr val="tx1"/>
+          </a:fontRef>
+        </p:style>
+      </p:cxnSp>
+      <p:sp>
+        <p:nvSpPr>
+          <p:cNvPr id="143" name="Tekstvak 87"/>
+          <p:cNvSpPr txBox="1"/>
+          <p:nvPr/>
+        </p:nvSpPr>
+        <p:spPr>
+          <a:xfrm>
+            <a:off x="2442738" y="2592915"/>
+            <a:ext cx="1106636" cy="461665"/>
+          </a:xfrm>
+          <a:prstGeom prst="rect">
+            <a:avLst/>
+          </a:prstGeom>
+          <a:noFill/>
+        </p:spPr>
+        <p:txBody>
+          <a:bodyPr wrap="square" rtlCol="0">
+            <a:spAutoFit/>
+          </a:bodyPr>
+          <a:lstStyle/>
+          <a:p>
+            <a:pPr algn="ctr"/>
+            <a:r>
+              <a:rPr lang="en-US" sz="1200" dirty="0" smtClean="0"/>
+              <a:t>Movement</a:t>
+            </a:r>
+          </a:p>
+          <a:p>
+            <a:pPr algn="ctr"/>
+            <a:r>
+              <a:rPr lang="en-US" sz="1200" dirty="0" smtClean="0"/>
+              <a:t>Detected</a:t>
+            </a:r>
+          </a:p>
+        </p:txBody>
+      </p:sp>
+      <p:sp>
+        <p:nvSpPr>
+          <p:cNvPr id="146" name="TextBox 145"/>
+          <p:cNvSpPr txBox="1"/>
+          <p:nvPr/>
+        </p:nvSpPr>
+        <p:spPr>
+          <a:xfrm>
+            <a:off x="7286107" y="4856668"/>
+            <a:ext cx="1541368" cy="830997"/>
+          </a:xfrm>
+          <a:prstGeom prst="rect">
+            <a:avLst/>
+          </a:prstGeom>
+          <a:noFill/>
+        </p:spPr>
+        <p:txBody>
+          <a:bodyPr wrap="square" rtlCol="0">
+            <a:spAutoFit/>
+          </a:bodyPr>
+          <a:lstStyle/>
+          <a:p>
+            <a:pPr algn="ctr"/>
+            <a:r>
+              <a:rPr lang="en-US" sz="2400" b="1" dirty="0" smtClean="0">
+                <a:solidFill>
+                  <a:srgbClr val="FF0000"/>
+                </a:solidFill>
+                <a:effectLst>
+                  <a:outerShdw blurRad="38100" dist="38100" dir="2700000" algn="tl">
+                    <a:srgbClr val="000000">
+                      <a:alpha val="43137"/>
+                    </a:srgbClr>
+                  </a:outerShdw>
+                </a:effectLst>
+                <a:latin typeface="Arial Black" panose="020B0A04020102020204" pitchFamily="34" charset="0"/>
+              </a:rPr>
+              <a:t>TOP</a:t>
+            </a:r>
+          </a:p>
+          <a:p>
+            <a:pPr algn="ctr"/>
+            <a:r>
+              <a:rPr lang="en-US" sz="2400" b="1" dirty="0" smtClean="0">
+                <a:solidFill>
+                  <a:srgbClr val="FF0000"/>
+                </a:solidFill>
+                <a:effectLst>
+                  <a:outerShdw blurRad="38100" dist="38100" dir="2700000" algn="tl">
+                    <a:srgbClr val="000000">
+                      <a:alpha val="43137"/>
+                    </a:srgbClr>
+                  </a:outerShdw>
+                </a:effectLst>
+                <a:latin typeface="Arial Black" panose="020B0A04020102020204" pitchFamily="34" charset="0"/>
+              </a:rPr>
+              <a:t>SECRET</a:t>
+            </a:r>
+            <a:endParaRPr lang="nl-NL" sz="2400" b="1" dirty="0">
+              <a:solidFill>
+                <a:srgbClr val="FF0000"/>
+              </a:solidFill>
+              <a:effectLst>
+                <a:outerShdw blurRad="38100" dist="38100" dir="2700000" algn="tl">
+                  <a:srgbClr val="000000">
+                    <a:alpha val="43137"/>
+                  </a:srgbClr>
+                </a:outerShdw>
+              </a:effectLst>
+              <a:latin typeface="Arial Black" panose="020B0A04020102020204" pitchFamily="34" charset="0"/>
+            </a:endParaRPr>
+          </a:p>
+        </p:txBody>
+      </p:sp>
+      <p:pic>
+        <p:nvPicPr>
+          <p:cNvPr id="1028" name="Picture 4" descr="http://www.calldrdave.com/wp/wp-content/uploads/2013/12/world_wide_web.png"/>
+          <p:cNvPicPr>
+            <a:picLocks noChangeAspect="1" noChangeArrowheads="1"/>
+          </p:cNvPicPr>
+          <p:nvPr/>
+        </p:nvPicPr>
+        <p:blipFill>
+          <a:blip r:embed="rId13" cstate="print">
+            <a:extLst>
+              <a:ext uri="{28A0092B-C50C-407E-A947-70E740481C1C}">
+                <a14:useLocalDpi xmlns:a14="http://schemas.microsoft.com/office/drawing/2010/main" val="0"/>
+              </a:ext>
+            </a:extLst>
+          </a:blip>
+          <a:srcRect/>
+          <a:stretch>
+            <a:fillRect/>
+          </a:stretch>
+        </p:blipFill>
+        <p:spPr bwMode="auto">
+          <a:xfrm>
+            <a:off x="4806969" y="5522582"/>
+            <a:ext cx="1617496" cy="1057438"/>
+          </a:xfrm>
+          <a:prstGeom prst="rect">
+            <a:avLst/>
+          </a:prstGeom>
+          <a:noFill/>
+          <a:extLst>
+            <a:ext uri="{909E8E84-426E-40DD-AFC4-6F175D3DCCD1}">
+              <a14:hiddenFill xmlns:a14="http://schemas.microsoft.com/office/drawing/2010/main">
+                <a:solidFill>
+                  <a:srgbClr val="FFFFFF"/>
+                </a:solidFill>
+              </a14:hiddenFill>
+            </a:ext>
+          </a:extLst>
+        </p:spPr>
+      </p:pic>
+      <p:sp>
+        <p:nvSpPr>
+          <p:cNvPr id="71" name="Tekstvak 87"/>
+          <p:cNvSpPr txBox="1"/>
+          <p:nvPr/>
+        </p:nvSpPr>
+        <p:spPr>
+          <a:xfrm>
+            <a:off x="4093871" y="5553325"/>
+            <a:ext cx="732471" cy="461665"/>
+          </a:xfrm>
+          <a:prstGeom prst="rect">
+            <a:avLst/>
+          </a:prstGeom>
+          <a:noFill/>
+        </p:spPr>
+        <p:txBody>
+          <a:bodyPr wrap="square" rtlCol="0">
+            <a:spAutoFit/>
+          </a:bodyPr>
+          <a:lstStyle/>
+          <a:p>
+            <a:pPr algn="ctr"/>
+            <a:r>
+              <a:rPr lang="en-US" sz="1200" dirty="0" smtClean="0"/>
+              <a:t>Video</a:t>
+            </a:r>
+          </a:p>
+          <a:p>
+            <a:pPr algn="ctr"/>
+            <a:r>
+              <a:rPr lang="en-US" sz="1200" dirty="0" smtClean="0"/>
+              <a:t>Stream</a:t>
+            </a:r>
+            <a:endParaRPr lang="en-US" sz="1200" dirty="0" smtClean="0"/>
+          </a:p>
+        </p:txBody>
+      </p:sp>
+      <p:sp>
+        <p:nvSpPr>
+          <p:cNvPr id="72" name="Tekstvak 87"/>
+          <p:cNvSpPr txBox="1"/>
+          <p:nvPr/>
+        </p:nvSpPr>
+        <p:spPr>
+          <a:xfrm>
+            <a:off x="4730042" y="6580020"/>
+            <a:ext cx="1737390" cy="276999"/>
+          </a:xfrm>
+          <a:prstGeom prst="rect">
+            <a:avLst/>
+          </a:prstGeom>
+          <a:noFill/>
+        </p:spPr>
+        <p:txBody>
+          <a:bodyPr wrap="square" rtlCol="0">
+            <a:spAutoFit/>
+          </a:bodyPr>
+          <a:lstStyle/>
+          <a:p>
+            <a:pPr algn="ctr"/>
+            <a:r>
+              <a:rPr lang="en-US" sz="1200" dirty="0" err="1" smtClean="0"/>
+              <a:t>Cloub</a:t>
+            </a:r>
+            <a:r>
+              <a:rPr lang="en-US" sz="1200" dirty="0" smtClean="0"/>
+              <a:t> Storage</a:t>
+            </a:r>
+            <a:endParaRPr lang="en-US" sz="1200" dirty="0" smtClean="0"/>
+          </a:p>
+        </p:txBody>
+      </p:sp>
+      <p:sp>
+        <p:nvSpPr>
+          <p:cNvPr id="74" name="Tekstvak 87"/>
+          <p:cNvSpPr txBox="1"/>
+          <p:nvPr/>
+        </p:nvSpPr>
+        <p:spPr>
+          <a:xfrm>
+            <a:off x="4458764" y="4891078"/>
+            <a:ext cx="732471" cy="461665"/>
+          </a:xfrm>
+          <a:prstGeom prst="rect">
+            <a:avLst/>
+          </a:prstGeom>
+          <a:noFill/>
+        </p:spPr>
+        <p:txBody>
+          <a:bodyPr wrap="square" rtlCol="0">
+            <a:spAutoFit/>
+          </a:bodyPr>
+          <a:lstStyle/>
+          <a:p>
+            <a:pPr algn="ctr"/>
+            <a:r>
+              <a:rPr lang="en-US" sz="1200" dirty="0" smtClean="0"/>
+              <a:t>Event</a:t>
+            </a:r>
+          </a:p>
+          <a:p>
+            <a:pPr algn="ctr"/>
+            <a:r>
+              <a:rPr lang="en-US" sz="1200" dirty="0" smtClean="0"/>
+              <a:t>Data</a:t>
+            </a:r>
+            <a:endParaRPr lang="en-US" sz="1200" dirty="0" smtClean="0"/>
+          </a:p>
+        </p:txBody>
+      </p:sp>
     </p:spTree>
     <p:extLst>
       <p:ext uri="{BB962C8B-B14F-4D97-AF65-F5344CB8AC3E}">
-        <p14:creationId xmlns:p14="http://schemas.microsoft.com/office/powerpoint/2010/main" val="1523747780"/>
+        <p14:creationId xmlns:p14="http://schemas.microsoft.com/office/powerpoint/2010/main" val="4006115353"/>
       </p:ext>
     </p:extLst>
   </p:cSld>
@@ -4071,7 +7660,7 @@
       </p:grpSpPr>
       <p:pic>
         <p:nvPicPr>
-          <p:cNvPr id="2050" name="Picture 2" descr="C:\sources\plaatsoft\plaatprotect.git\screenshots\hue-page-screenshot.jpg"/>
+          <p:cNvPr id="1026" name="Picture 2" descr="C:\sources\plaatsoft\plaatprotect.git\screenshots\home-page-screenshot.jpg"/>
           <p:cNvPicPr>
             <a:picLocks noChangeAspect="1" noChangeArrowheads="1"/>
           </p:cNvPicPr>
@@ -4113,7 +7702,7 @@
     </p:spTree>
     <p:extLst>
       <p:ext uri="{BB962C8B-B14F-4D97-AF65-F5344CB8AC3E}">
-        <p14:creationId xmlns:p14="http://schemas.microsoft.com/office/powerpoint/2010/main" val="3149831481"/>
+        <p14:creationId xmlns:p14="http://schemas.microsoft.com/office/powerpoint/2010/main" val="3825243507"/>
       </p:ext>
     </p:extLst>
   </p:cSld>
@@ -4149,6 +7738,253 @@
       </p:grpSpPr>
       <p:pic>
         <p:nvPicPr>
+          <p:cNvPr id="1026" name="Picture 2"/>
+          <p:cNvPicPr>
+            <a:picLocks noChangeAspect="1" noChangeArrowheads="1"/>
+          </p:cNvPicPr>
+          <p:nvPr/>
+        </p:nvPicPr>
+        <p:blipFill>
+          <a:blip r:embed="rId2">
+            <a:extLst>
+              <a:ext uri="{28A0092B-C50C-407E-A947-70E740481C1C}">
+                <a14:useLocalDpi xmlns:a14="http://schemas.microsoft.com/office/drawing/2010/main" val="0"/>
+              </a:ext>
+            </a:extLst>
+          </a:blip>
+          <a:srcRect/>
+          <a:stretch>
+            <a:fillRect/>
+          </a:stretch>
+        </p:blipFill>
+        <p:spPr bwMode="auto">
+          <a:xfrm>
+            <a:off x="0" y="0"/>
+            <a:ext cx="9163050" cy="6857999"/>
+          </a:xfrm>
+          <a:prstGeom prst="rect">
+            <a:avLst/>
+          </a:prstGeom>
+          <a:noFill/>
+          <a:ln>
+            <a:noFill/>
+          </a:ln>
+          <a:extLst>
+            <a:ext uri="{909E8E84-426E-40DD-AFC4-6F175D3DCCD1}">
+              <a14:hiddenFill xmlns:a14="http://schemas.microsoft.com/office/drawing/2010/main">
+                <a:solidFill>
+                  <a:schemeClr val="accent1"/>
+                </a:solidFill>
+              </a14:hiddenFill>
+            </a:ext>
+            <a:ext uri="{91240B29-F687-4F45-9708-019B960494DF}">
+              <a14:hiddenLine xmlns:a14="http://schemas.microsoft.com/office/drawing/2010/main" w="9525">
+                <a:solidFill>
+                  <a:schemeClr val="tx1"/>
+                </a:solidFill>
+                <a:miter lim="800000"/>
+                <a:headEnd/>
+                <a:tailEnd/>
+              </a14:hiddenLine>
+            </a:ext>
+          </a:extLst>
+        </p:spPr>
+      </p:pic>
+    </p:spTree>
+    <p:extLst>
+      <p:ext uri="{BB962C8B-B14F-4D97-AF65-F5344CB8AC3E}">
+        <p14:creationId xmlns:p14="http://schemas.microsoft.com/office/powerpoint/2010/main" val="2630413852"/>
+      </p:ext>
+    </p:extLst>
+  </p:cSld>
+  <p:clrMapOvr>
+    <a:masterClrMapping/>
+  </p:clrMapOvr>
+  <p:timing>
+    <p:tnLst>
+      <p:par>
+        <p:cTn id="1" dur="indefinite" restart="never" nodeType="tmRoot"/>
+      </p:par>
+    </p:tnLst>
+  </p:timing>
+</p:sld>
+</file>
+
+<file path=ppt/slides/slide14.xml><?xml version="1.0" encoding="utf-8"?>
+<p:sld xmlns:a="http://schemas.openxmlformats.org/drawingml/2006/main" xmlns:r="http://schemas.openxmlformats.org/officeDocument/2006/relationships" xmlns:p="http://schemas.openxmlformats.org/presentationml/2006/main">
+  <p:cSld>
+    <p:spTree>
+      <p:nvGrpSpPr>
+        <p:cNvPr id="1" name=""/>
+        <p:cNvGrpSpPr/>
+        <p:nvPr/>
+      </p:nvGrpSpPr>
+      <p:grpSpPr>
+        <a:xfrm>
+          <a:off x="0" y="0"/>
+          <a:ext cx="0" cy="0"/>
+          <a:chOff x="0" y="0"/>
+          <a:chExt cx="0" cy="0"/>
+        </a:xfrm>
+      </p:grpSpPr>
+      <p:pic>
+        <p:nvPicPr>
+          <p:cNvPr id="3074" name="Picture 2" descr="C:\sources\plaatsoft\plaatprotect.git\screenshots\zwave-page-screenshot.jpg"/>
+          <p:cNvPicPr>
+            <a:picLocks noChangeAspect="1" noChangeArrowheads="1"/>
+          </p:cNvPicPr>
+          <p:nvPr/>
+        </p:nvPicPr>
+        <p:blipFill>
+          <a:blip r:embed="rId2">
+            <a:extLst>
+              <a:ext uri="{28A0092B-C50C-407E-A947-70E740481C1C}">
+                <a14:useLocalDpi xmlns:a14="http://schemas.microsoft.com/office/drawing/2010/main" val="0"/>
+              </a:ext>
+            </a:extLst>
+          </a:blip>
+          <a:srcRect/>
+          <a:stretch>
+            <a:fillRect/>
+          </a:stretch>
+        </p:blipFill>
+        <p:spPr bwMode="auto">
+          <a:xfrm>
+            <a:off x="0" y="0"/>
+            <a:ext cx="9144000" cy="6957392"/>
+          </a:xfrm>
+          <a:prstGeom prst="rect">
+            <a:avLst/>
+          </a:prstGeom>
+          <a:noFill/>
+          <a:extLst>
+            <a:ext uri="{909E8E84-426E-40DD-AFC4-6F175D3DCCD1}">
+              <a14:hiddenFill xmlns:a14="http://schemas.microsoft.com/office/drawing/2010/main">
+                <a:solidFill>
+                  <a:srgbClr val="FFFFFF"/>
+                </a:solidFill>
+              </a14:hiddenFill>
+            </a:ext>
+          </a:extLst>
+        </p:spPr>
+      </p:pic>
+    </p:spTree>
+    <p:extLst>
+      <p:ext uri="{BB962C8B-B14F-4D97-AF65-F5344CB8AC3E}">
+        <p14:creationId xmlns:p14="http://schemas.microsoft.com/office/powerpoint/2010/main" val="1523747780"/>
+      </p:ext>
+    </p:extLst>
+  </p:cSld>
+  <p:clrMapOvr>
+    <a:masterClrMapping/>
+  </p:clrMapOvr>
+  <p:timing>
+    <p:tnLst>
+      <p:par>
+        <p:cTn id="1" dur="indefinite" restart="never" nodeType="tmRoot"/>
+      </p:par>
+    </p:tnLst>
+  </p:timing>
+</p:sld>
+</file>
+
+<file path=ppt/slides/slide15.xml><?xml version="1.0" encoding="utf-8"?>
+<p:sld xmlns:a="http://schemas.openxmlformats.org/drawingml/2006/main" xmlns:r="http://schemas.openxmlformats.org/officeDocument/2006/relationships" xmlns:p="http://schemas.openxmlformats.org/presentationml/2006/main">
+  <p:cSld>
+    <p:spTree>
+      <p:nvGrpSpPr>
+        <p:cNvPr id="1" name=""/>
+        <p:cNvGrpSpPr/>
+        <p:nvPr/>
+      </p:nvGrpSpPr>
+      <p:grpSpPr>
+        <a:xfrm>
+          <a:off x="0" y="0"/>
+          <a:ext cx="0" cy="0"/>
+          <a:chOff x="0" y="0"/>
+          <a:chExt cx="0" cy="0"/>
+        </a:xfrm>
+      </p:grpSpPr>
+      <p:pic>
+        <p:nvPicPr>
+          <p:cNvPr id="2050" name="Picture 2" descr="C:\sources\plaatsoft\plaatprotect.git\screenshots\hue-page-screenshot.jpg"/>
+          <p:cNvPicPr>
+            <a:picLocks noChangeAspect="1" noChangeArrowheads="1"/>
+          </p:cNvPicPr>
+          <p:nvPr/>
+        </p:nvPicPr>
+        <p:blipFill>
+          <a:blip r:embed="rId2">
+            <a:extLst>
+              <a:ext uri="{28A0092B-C50C-407E-A947-70E740481C1C}">
+                <a14:useLocalDpi xmlns:a14="http://schemas.microsoft.com/office/drawing/2010/main" val="0"/>
+              </a:ext>
+            </a:extLst>
+          </a:blip>
+          <a:srcRect/>
+          <a:stretch>
+            <a:fillRect/>
+          </a:stretch>
+        </p:blipFill>
+        <p:spPr bwMode="auto">
+          <a:xfrm>
+            <a:off x="0" y="0"/>
+            <a:ext cx="9144000" cy="6858000"/>
+          </a:xfrm>
+          <a:prstGeom prst="rect">
+            <a:avLst/>
+          </a:prstGeom>
+          <a:noFill/>
+          <a:extLst>
+            <a:ext uri="{909E8E84-426E-40DD-AFC4-6F175D3DCCD1}">
+              <a14:hiddenFill xmlns:a14="http://schemas.microsoft.com/office/drawing/2010/main">
+                <a:solidFill>
+                  <a:srgbClr val="FFFFFF"/>
+                </a:solidFill>
+              </a14:hiddenFill>
+            </a:ext>
+          </a:extLst>
+        </p:spPr>
+      </p:pic>
+    </p:spTree>
+    <p:extLst>
+      <p:ext uri="{BB962C8B-B14F-4D97-AF65-F5344CB8AC3E}">
+        <p14:creationId xmlns:p14="http://schemas.microsoft.com/office/powerpoint/2010/main" val="3149831481"/>
+      </p:ext>
+    </p:extLst>
+  </p:cSld>
+  <p:clrMapOvr>
+    <a:masterClrMapping/>
+  </p:clrMapOvr>
+  <p:timing>
+    <p:tnLst>
+      <p:par>
+        <p:cTn id="1" dur="indefinite" restart="never" nodeType="tmRoot"/>
+      </p:par>
+    </p:tnLst>
+  </p:timing>
+</p:sld>
+</file>
+
+<file path=ppt/slides/slide16.xml><?xml version="1.0" encoding="utf-8"?>
+<p:sld xmlns:a="http://schemas.openxmlformats.org/drawingml/2006/main" xmlns:r="http://schemas.openxmlformats.org/officeDocument/2006/relationships" xmlns:p="http://schemas.openxmlformats.org/presentationml/2006/main">
+  <p:cSld>
+    <p:spTree>
+      <p:nvGrpSpPr>
+        <p:cNvPr id="1" name=""/>
+        <p:cNvGrpSpPr/>
+        <p:nvPr/>
+      </p:nvGrpSpPr>
+      <p:grpSpPr>
+        <a:xfrm>
+          <a:off x="0" y="0"/>
+          <a:ext cx="0" cy="0"/>
+          <a:chOff x="0" y="0"/>
+          <a:chExt cx="0" cy="0"/>
+        </a:xfrm>
+      </p:grpSpPr>
+      <p:pic>
+        <p:nvPicPr>
           <p:cNvPr id="4098" name="Picture 2" descr="C:\sources\plaatsoft\plaatprotect.git\screenshots\notification-page-screenshot.jpg"/>
           <p:cNvPicPr>
             <a:picLocks noChangeAspect="1" noChangeArrowheads="1"/>
@@ -4208,7 +8044,7 @@
 </p:sld>
 </file>
 
-<file path=ppt/slides/slide14.xml><?xml version="1.0" encoding="utf-8"?>
+<file path=ppt/slides/slide17.xml><?xml version="1.0" encoding="utf-8"?>
 <p:sld xmlns:a="http://schemas.openxmlformats.org/drawingml/2006/main" xmlns:r="http://schemas.openxmlformats.org/officeDocument/2006/relationships" xmlns:p="http://schemas.openxmlformats.org/presentationml/2006/main">
   <p:cSld>
     <p:spTree>
@@ -4589,13 +8425,13 @@
           <a:p>
             <a:r>
               <a:rPr lang="en-US" sz="2800" dirty="0" smtClean="0"/>
-              <a:t>How can I protect my family  against burglars?</a:t>
+              <a:t>How can I protect my family  and house against burglars?</a:t>
             </a:r>
           </a:p>
           <a:p>
             <a:r>
               <a:rPr lang="en-US" sz="2800" dirty="0" smtClean="0"/>
-              <a:t>How can I protect my family against fire?</a:t>
+              <a:t>How can I protect my family and house against fire?</a:t>
             </a:r>
           </a:p>
           <a:p>
@@ -4751,16 +8587,8 @@
           </a:p>
           <a:p>
             <a:r>
-              <a:rPr lang="en-US" sz="2800" smtClean="0"/>
-              <a:t>Control </a:t>
-            </a:r>
-            <a:r>
-              <a:rPr lang="en-US" sz="2800" smtClean="0"/>
-              <a:t>the system </a:t>
-            </a:r>
-            <a:r>
               <a:rPr lang="en-US" sz="2800" dirty="0" smtClean="0"/>
-              <a:t>around the world</a:t>
+              <a:t>Web enabled</a:t>
             </a:r>
           </a:p>
           <a:p>
@@ -5053,13 +8881,6 @@
             </a:r>
           </a:p>
           <a:p>
-            <a:pPr lvl="2"/>
-            <a:r>
-              <a:rPr lang="en-US" sz="3800" dirty="0" smtClean="0"/>
-              <a:t>Keypad</a:t>
-            </a:r>
-          </a:p>
-          <a:p>
             <a:pPr lvl="1"/>
             <a:r>
               <a:rPr lang="en-US" sz="4400" dirty="0" smtClean="0"/>
@@ -6603,7 +10424,7 @@
             </a:r>
             <a:r>
               <a:rPr lang="en-US" sz="2400" dirty="0" smtClean="0"/>
-              <a:t>IR detector</a:t>
+              <a:t>IR detectors</a:t>
             </a:r>
           </a:p>
           <a:p>
@@ -6646,7 +10467,7 @@
         </p:blipFill>
         <p:spPr bwMode="auto">
           <a:xfrm>
-            <a:off x="6523246" y="3070665"/>
+            <a:off x="6825061" y="3070665"/>
             <a:ext cx="1512168" cy="967788"/>
           </a:xfrm>
           <a:prstGeom prst="rect">
@@ -7054,7 +10875,7 @@
         </p:blipFill>
         <p:spPr bwMode="auto">
           <a:xfrm>
-            <a:off x="4627368" y="2699824"/>
+            <a:off x="4764540" y="2699824"/>
             <a:ext cx="1791584" cy="1709470"/>
           </a:xfrm>
           <a:prstGeom prst="rect">
@@ -11416,16 +15237,44 @@
           <a:chExt cx="0" cy="0"/>
         </a:xfrm>
       </p:grpSpPr>
+      <p:sp>
+        <p:nvSpPr>
+          <p:cNvPr id="2" name="Title 1"/>
+          <p:cNvSpPr>
+            <a:spLocks noGrp="1"/>
+          </p:cNvSpPr>
+          <p:nvPr>
+            <p:ph type="title"/>
+          </p:nvPr>
+        </p:nvSpPr>
+        <p:spPr>
+          <a:xfrm>
+            <a:off x="457200" y="0"/>
+            <a:ext cx="8229600" cy="908720"/>
+          </a:xfrm>
+        </p:spPr>
+        <p:txBody>
+          <a:bodyPr/>
+          <a:lstStyle/>
+          <a:p>
+            <a:r>
+              <a:rPr lang="nl-NL" sz="4400" dirty="0" smtClean="0"/>
+              <a:t>Scenario – Home</a:t>
+            </a:r>
+            <a:endParaRPr lang="nl-NL" sz="4400" dirty="0"/>
+          </a:p>
+        </p:txBody>
+      </p:sp>
       <p:pic>
         <p:nvPicPr>
-          <p:cNvPr id="1026" name="Picture 2" descr="C:\sources\plaatsoft\plaatprotect.git\screenshots\home-page-screenshot.jpg"/>
+          <p:cNvPr id="6" name="Picture 6" descr="http://www.wink.com/img/product/philips-hue-single-light-bulb/variants/046677426361/hero_01.png"/>
           <p:cNvPicPr>
             <a:picLocks noChangeAspect="1" noChangeArrowheads="1"/>
           </p:cNvPicPr>
           <p:nvPr/>
         </p:nvPicPr>
         <p:blipFill>
-          <a:blip r:embed="rId2">
+          <a:blip r:embed="rId2" cstate="print">
             <a:extLst>
               <a:ext uri="{28A0092B-C50C-407E-A947-70E740481C1C}">
                 <a14:useLocalDpi xmlns:a14="http://schemas.microsoft.com/office/drawing/2010/main" val="0"/>
@@ -11439,8 +15288,8 @@
         </p:blipFill>
         <p:spPr bwMode="auto">
           <a:xfrm>
-            <a:off x="0" y="0"/>
-            <a:ext cx="9144000" cy="6858000"/>
+            <a:off x="4229837" y="1305226"/>
+            <a:ext cx="1328709" cy="1328709"/>
           </a:xfrm>
           <a:prstGeom prst="rect">
             <a:avLst/>
@@ -11457,10 +15306,487 @@
           </a:extLst>
         </p:spPr>
       </p:pic>
+      <p:pic>
+        <p:nvPicPr>
+          <p:cNvPr id="7" name="Picture 9"/>
+          <p:cNvPicPr>
+            <a:picLocks noChangeAspect="1" noChangeArrowheads="1"/>
+          </p:cNvPicPr>
+          <p:nvPr/>
+        </p:nvPicPr>
+        <p:blipFill>
+          <a:blip r:embed="rId3" cstate="print">
+            <a:extLst>
+              <a:ext uri="{28A0092B-C50C-407E-A947-70E740481C1C}">
+                <a14:useLocalDpi xmlns:a14="http://schemas.microsoft.com/office/drawing/2010/main" val="0"/>
+              </a:ext>
+            </a:extLst>
+          </a:blip>
+          <a:srcRect/>
+          <a:stretch>
+            <a:fillRect/>
+          </a:stretch>
+        </p:blipFill>
+        <p:spPr bwMode="auto">
+          <a:xfrm>
+            <a:off x="1621267" y="1411162"/>
+            <a:ext cx="1099139" cy="1059569"/>
+          </a:xfrm>
+          <a:prstGeom prst="rect">
+            <a:avLst/>
+          </a:prstGeom>
+          <a:noFill/>
+          <a:ln>
+            <a:noFill/>
+          </a:ln>
+          <a:extLst>
+            <a:ext uri="{909E8E84-426E-40DD-AFC4-6F175D3DCCD1}">
+              <a14:hiddenFill xmlns:a14="http://schemas.microsoft.com/office/drawing/2010/main">
+                <a:solidFill>
+                  <a:schemeClr val="accent1"/>
+                </a:solidFill>
+              </a14:hiddenFill>
+            </a:ext>
+            <a:ext uri="{91240B29-F687-4F45-9708-019B960494DF}">
+              <a14:hiddenLine xmlns:a14="http://schemas.microsoft.com/office/drawing/2010/main" w="9525">
+                <a:solidFill>
+                  <a:schemeClr val="tx1"/>
+                </a:solidFill>
+                <a:miter lim="800000"/>
+                <a:headEnd/>
+                <a:tailEnd/>
+              </a14:hiddenLine>
+            </a:ext>
+          </a:extLst>
+        </p:spPr>
+      </p:pic>
+      <p:pic>
+        <p:nvPicPr>
+          <p:cNvPr id="8" name="Picture 3"/>
+          <p:cNvPicPr>
+            <a:picLocks noChangeAspect="1" noChangeArrowheads="1"/>
+          </p:cNvPicPr>
+          <p:nvPr/>
+        </p:nvPicPr>
+        <p:blipFill>
+          <a:blip r:embed="rId4" cstate="print">
+            <a:extLst>
+              <a:ext uri="{28A0092B-C50C-407E-A947-70E740481C1C}">
+                <a14:useLocalDpi xmlns:a14="http://schemas.microsoft.com/office/drawing/2010/main" val="0"/>
+              </a:ext>
+            </a:extLst>
+          </a:blip>
+          <a:srcRect/>
+          <a:stretch>
+            <a:fillRect/>
+          </a:stretch>
+        </p:blipFill>
+        <p:spPr bwMode="auto">
+          <a:xfrm>
+            <a:off x="3133717" y="4157614"/>
+            <a:ext cx="1120432" cy="1069079"/>
+          </a:xfrm>
+          <a:prstGeom prst="rect">
+            <a:avLst/>
+          </a:prstGeom>
+          <a:noFill/>
+          <a:ln>
+            <a:noFill/>
+          </a:ln>
+          <a:extLst>
+            <a:ext uri="{909E8E84-426E-40DD-AFC4-6F175D3DCCD1}">
+              <a14:hiddenFill xmlns:a14="http://schemas.microsoft.com/office/drawing/2010/main">
+                <a:solidFill>
+                  <a:schemeClr val="accent1"/>
+                </a:solidFill>
+              </a14:hiddenFill>
+            </a:ext>
+            <a:ext uri="{91240B29-F687-4F45-9708-019B960494DF}">
+              <a14:hiddenLine xmlns:a14="http://schemas.microsoft.com/office/drawing/2010/main" w="9525">
+                <a:solidFill>
+                  <a:schemeClr val="tx1"/>
+                </a:solidFill>
+                <a:miter lim="800000"/>
+                <a:headEnd/>
+                <a:tailEnd/>
+              </a14:hiddenLine>
+            </a:ext>
+          </a:extLst>
+        </p:spPr>
+      </p:pic>
+      <p:cxnSp>
+        <p:nvCxnSpPr>
+          <p:cNvPr id="5" name="Straight Arrow Connector 4"/>
+          <p:cNvCxnSpPr/>
+          <p:nvPr/>
+        </p:nvCxnSpPr>
+        <p:spPr>
+          <a:xfrm>
+            <a:off x="2341347" y="2504603"/>
+            <a:ext cx="792370" cy="1728192"/>
+          </a:xfrm>
+          <a:prstGeom prst="straightConnector1">
+            <a:avLst/>
+          </a:prstGeom>
+          <a:ln w="38100" cmpd="sng">
+            <a:tailEnd type="arrow"/>
+          </a:ln>
+        </p:spPr>
+        <p:style>
+          <a:lnRef idx="1">
+            <a:schemeClr val="accent1"/>
+          </a:lnRef>
+          <a:fillRef idx="0">
+            <a:schemeClr val="accent1"/>
+          </a:fillRef>
+          <a:effectRef idx="0">
+            <a:schemeClr val="accent1"/>
+          </a:effectRef>
+          <a:fontRef idx="minor">
+            <a:schemeClr val="tx1"/>
+          </a:fontRef>
+        </p:style>
+      </p:cxnSp>
+      <p:cxnSp>
+        <p:nvCxnSpPr>
+          <p:cNvPr id="13" name="Straight Arrow Connector 12"/>
+          <p:cNvCxnSpPr/>
+          <p:nvPr/>
+        </p:nvCxnSpPr>
+        <p:spPr>
+          <a:xfrm flipV="1">
+            <a:off x="4069539" y="2731977"/>
+            <a:ext cx="572874" cy="1296144"/>
+          </a:xfrm>
+          <a:prstGeom prst="straightConnector1">
+            <a:avLst/>
+          </a:prstGeom>
+          <a:ln w="38100" cmpd="sng">
+            <a:tailEnd type="arrow"/>
+          </a:ln>
+        </p:spPr>
+        <p:style>
+          <a:lnRef idx="1">
+            <a:schemeClr val="accent1"/>
+          </a:lnRef>
+          <a:fillRef idx="0">
+            <a:schemeClr val="accent1"/>
+          </a:fillRef>
+          <a:effectRef idx="0">
+            <a:schemeClr val="accent1"/>
+          </a:effectRef>
+          <a:fontRef idx="minor">
+            <a:schemeClr val="tx1"/>
+          </a:fontRef>
+        </p:style>
+      </p:cxnSp>
+      <p:sp>
+        <p:nvSpPr>
+          <p:cNvPr id="18" name="Tekstvak 87"/>
+          <p:cNvSpPr txBox="1"/>
+          <p:nvPr/>
+        </p:nvSpPr>
+        <p:spPr>
+          <a:xfrm>
+            <a:off x="2658902" y="1617781"/>
+            <a:ext cx="880470" cy="646331"/>
+          </a:xfrm>
+          <a:prstGeom prst="rect">
+            <a:avLst/>
+          </a:prstGeom>
+          <a:noFill/>
+        </p:spPr>
+        <p:txBody>
+          <a:bodyPr wrap="square" rtlCol="0">
+            <a:spAutoFit/>
+          </a:bodyPr>
+          <a:lstStyle/>
+          <a:p>
+            <a:pPr algn="ctr"/>
+            <a:r>
+              <a:rPr lang="en-US" sz="1200" dirty="0" smtClean="0"/>
+              <a:t>Garage</a:t>
+            </a:r>
+          </a:p>
+          <a:p>
+            <a:pPr algn="ctr"/>
+            <a:r>
+              <a:rPr lang="en-US" sz="1200" dirty="0" smtClean="0"/>
+              <a:t>IR</a:t>
+            </a:r>
+          </a:p>
+          <a:p>
+            <a:pPr algn="ctr"/>
+            <a:r>
+              <a:rPr lang="en-US" sz="1200" dirty="0" smtClean="0"/>
+              <a:t>Detector</a:t>
+            </a:r>
+          </a:p>
+        </p:txBody>
+      </p:sp>
+      <p:sp>
+        <p:nvSpPr>
+          <p:cNvPr id="19" name="Tekstvak 87"/>
+          <p:cNvSpPr txBox="1"/>
+          <p:nvPr/>
+        </p:nvSpPr>
+        <p:spPr>
+          <a:xfrm>
+            <a:off x="3099137" y="5226693"/>
+            <a:ext cx="1106636" cy="276999"/>
+          </a:xfrm>
+          <a:prstGeom prst="rect">
+            <a:avLst/>
+          </a:prstGeom>
+          <a:noFill/>
+        </p:spPr>
+        <p:txBody>
+          <a:bodyPr wrap="square" rtlCol="0">
+            <a:spAutoFit/>
+          </a:bodyPr>
+          <a:lstStyle/>
+          <a:p>
+            <a:pPr algn="ctr"/>
+            <a:r>
+              <a:rPr lang="en-US" sz="1200" dirty="0" smtClean="0"/>
+              <a:t>PlaatProtect</a:t>
+            </a:r>
+          </a:p>
+        </p:txBody>
+      </p:sp>
+      <p:sp>
+        <p:nvSpPr>
+          <p:cNvPr id="20" name="Tekstvak 87"/>
+          <p:cNvSpPr txBox="1"/>
+          <p:nvPr/>
+        </p:nvSpPr>
+        <p:spPr>
+          <a:xfrm>
+            <a:off x="5100397" y="1646414"/>
+            <a:ext cx="1106636" cy="646331"/>
+          </a:xfrm>
+          <a:prstGeom prst="rect">
+            <a:avLst/>
+          </a:prstGeom>
+          <a:noFill/>
+        </p:spPr>
+        <p:txBody>
+          <a:bodyPr wrap="square" rtlCol="0">
+            <a:spAutoFit/>
+          </a:bodyPr>
+          <a:lstStyle/>
+          <a:p>
+            <a:pPr algn="ctr"/>
+            <a:r>
+              <a:rPr lang="en-US" sz="1200" dirty="0" smtClean="0"/>
+              <a:t>Garage </a:t>
+            </a:r>
+          </a:p>
+          <a:p>
+            <a:pPr algn="ctr"/>
+            <a:r>
+              <a:rPr lang="en-US" sz="1200" dirty="0" smtClean="0"/>
+              <a:t>Light</a:t>
+            </a:r>
+          </a:p>
+          <a:p>
+            <a:pPr algn="ctr"/>
+            <a:r>
+              <a:rPr lang="en-US" sz="1200" dirty="0" smtClean="0"/>
+              <a:t>Bulb</a:t>
+            </a:r>
+          </a:p>
+        </p:txBody>
+      </p:sp>
+      <p:sp>
+        <p:nvSpPr>
+          <p:cNvPr id="21" name="Tekstvak 87"/>
+          <p:cNvSpPr txBox="1"/>
+          <p:nvPr/>
+        </p:nvSpPr>
+        <p:spPr>
+          <a:xfrm>
+            <a:off x="1788029" y="3358620"/>
+            <a:ext cx="1106636" cy="461665"/>
+          </a:xfrm>
+          <a:prstGeom prst="rect">
+            <a:avLst/>
+          </a:prstGeom>
+          <a:noFill/>
+        </p:spPr>
+        <p:txBody>
+          <a:bodyPr wrap="square" rtlCol="0">
+            <a:spAutoFit/>
+          </a:bodyPr>
+          <a:lstStyle/>
+          <a:p>
+            <a:pPr algn="ctr"/>
+            <a:r>
+              <a:rPr lang="en-US" sz="1200" dirty="0" smtClean="0"/>
+              <a:t>Movement</a:t>
+            </a:r>
+          </a:p>
+          <a:p>
+            <a:pPr algn="ctr"/>
+            <a:r>
+              <a:rPr lang="en-US" sz="1200" dirty="0" smtClean="0"/>
+              <a:t>Alarm</a:t>
+            </a:r>
+          </a:p>
+        </p:txBody>
+      </p:sp>
+      <p:sp>
+        <p:nvSpPr>
+          <p:cNvPr id="26" name="Tekstvak 87"/>
+          <p:cNvSpPr txBox="1"/>
+          <p:nvPr/>
+        </p:nvSpPr>
+        <p:spPr>
+          <a:xfrm>
+            <a:off x="4292447" y="3354727"/>
+            <a:ext cx="1106636" cy="461665"/>
+          </a:xfrm>
+          <a:prstGeom prst="rect">
+            <a:avLst/>
+          </a:prstGeom>
+          <a:noFill/>
+        </p:spPr>
+        <p:txBody>
+          <a:bodyPr wrap="square" rtlCol="0">
+            <a:spAutoFit/>
+          </a:bodyPr>
+          <a:lstStyle/>
+          <a:p>
+            <a:pPr algn="ctr"/>
+            <a:r>
+              <a:rPr lang="en-US" sz="1200" dirty="0" smtClean="0"/>
+              <a:t>Activate</a:t>
+            </a:r>
+          </a:p>
+          <a:p>
+            <a:pPr algn="ctr"/>
+            <a:r>
+              <a:rPr lang="en-US" sz="1200" dirty="0" smtClean="0"/>
+              <a:t>Bulb</a:t>
+            </a:r>
+          </a:p>
+        </p:txBody>
+      </p:sp>
+      <p:cxnSp>
+        <p:nvCxnSpPr>
+          <p:cNvPr id="32" name="Straight Arrow Connector 31"/>
+          <p:cNvCxnSpPr/>
+          <p:nvPr/>
+        </p:nvCxnSpPr>
+        <p:spPr>
+          <a:xfrm>
+            <a:off x="4333342" y="4862429"/>
+            <a:ext cx="1606810" cy="0"/>
+          </a:xfrm>
+          <a:prstGeom prst="straightConnector1">
+            <a:avLst/>
+          </a:prstGeom>
+          <a:ln w="38100" cmpd="sng">
+            <a:tailEnd type="arrow"/>
+          </a:ln>
+        </p:spPr>
+        <p:style>
+          <a:lnRef idx="1">
+            <a:schemeClr val="accent1"/>
+          </a:lnRef>
+          <a:fillRef idx="0">
+            <a:schemeClr val="accent1"/>
+          </a:fillRef>
+          <a:effectRef idx="0">
+            <a:schemeClr val="accent1"/>
+          </a:effectRef>
+          <a:fontRef idx="minor">
+            <a:schemeClr val="tx1"/>
+          </a:fontRef>
+        </p:style>
+      </p:cxnSp>
+      <p:pic>
+        <p:nvPicPr>
+          <p:cNvPr id="1031" name="Picture 7" descr="http://www.glenn-packer.net/Technology/GetImage/6"/>
+          <p:cNvPicPr>
+            <a:picLocks noChangeAspect="1" noChangeArrowheads="1"/>
+          </p:cNvPicPr>
+          <p:nvPr/>
+        </p:nvPicPr>
+        <p:blipFill>
+          <a:blip r:embed="rId5" cstate="print">
+            <a:extLst>
+              <a:ext uri="{28A0092B-C50C-407E-A947-70E740481C1C}">
+                <a14:useLocalDpi xmlns:a14="http://schemas.microsoft.com/office/drawing/2010/main" val="0"/>
+              </a:ext>
+            </a:extLst>
+          </a:blip>
+          <a:srcRect/>
+          <a:stretch>
+            <a:fillRect/>
+          </a:stretch>
+        </p:blipFill>
+        <p:spPr bwMode="auto">
+          <a:xfrm>
+            <a:off x="6084168" y="4220745"/>
+            <a:ext cx="1055439" cy="1169461"/>
+          </a:xfrm>
+          <a:prstGeom prst="rect">
+            <a:avLst/>
+          </a:prstGeom>
+          <a:noFill/>
+          <a:extLst>
+            <a:ext uri="{909E8E84-426E-40DD-AFC4-6F175D3DCCD1}">
+              <a14:hiddenFill xmlns:a14="http://schemas.microsoft.com/office/drawing/2010/main">
+                <a:solidFill>
+                  <a:srgbClr val="FFFFFF"/>
+                </a:solidFill>
+              </a14:hiddenFill>
+            </a:ext>
+          </a:extLst>
+        </p:spPr>
+      </p:pic>
+      <p:sp>
+        <p:nvSpPr>
+          <p:cNvPr id="39" name="Tekstvak 87"/>
+          <p:cNvSpPr txBox="1"/>
+          <p:nvPr/>
+        </p:nvSpPr>
+        <p:spPr>
+          <a:xfrm>
+            <a:off x="4583429" y="4400764"/>
+            <a:ext cx="1106636" cy="461665"/>
+          </a:xfrm>
+          <a:prstGeom prst="rect">
+            <a:avLst/>
+          </a:prstGeom>
+          <a:noFill/>
+        </p:spPr>
+        <p:txBody>
+          <a:bodyPr wrap="square" rtlCol="0">
+            <a:spAutoFit/>
+          </a:bodyPr>
+          <a:lstStyle/>
+          <a:p>
+            <a:pPr algn="ctr"/>
+            <a:r>
+              <a:rPr lang="en-US" sz="1200" dirty="0" smtClean="0"/>
+              <a:t>Log Event</a:t>
+            </a:r>
+          </a:p>
+          <a:p>
+            <a:pPr algn="ctr"/>
+            <a:r>
+              <a:rPr lang="en-US" sz="1200" dirty="0" smtClean="0"/>
+              <a:t>In Database</a:t>
+            </a:r>
+          </a:p>
+        </p:txBody>
+      </p:sp>
     </p:spTree>
     <p:extLst>
       <p:ext uri="{BB962C8B-B14F-4D97-AF65-F5344CB8AC3E}">
-        <p14:creationId xmlns:p14="http://schemas.microsoft.com/office/powerpoint/2010/main" val="3825243507"/>
+        <p14:creationId xmlns:p14="http://schemas.microsoft.com/office/powerpoint/2010/main" val="3894420859"/>
       </p:ext>
     </p:extLst>
   </p:cSld>

--- a/doc/ppt/PlaatProtect Design.pptx
+++ b/doc/ppt/PlaatProtect Design.pptx
@@ -4191,8 +4191,9 @@
             <a:pPr algn="ctr"/>
             <a:r>
               <a:rPr lang="en-US" sz="1200" dirty="0" smtClean="0"/>
-              <a:t>Bulb Lights</a:t>
-            </a:r>
+              <a:t>Light Bulbs</a:t>
+            </a:r>
+            <a:endParaRPr lang="en-US" sz="1200" dirty="0" smtClean="0"/>
           </a:p>
         </p:txBody>
       </p:sp>
@@ -4255,8 +4256,8 @@
         </p:nvSpPr>
         <p:spPr>
           <a:xfrm>
-            <a:off x="4692576" y="2700357"/>
-            <a:ext cx="1106636" cy="830997"/>
+            <a:off x="4495926" y="3040313"/>
+            <a:ext cx="1106636" cy="646331"/>
           </a:xfrm>
           <a:prstGeom prst="rect">
             <a:avLst/>
@@ -4279,15 +4280,13 @@
             <a:pPr algn="ctr"/>
             <a:r>
               <a:rPr lang="en-US" sz="1200" dirty="0"/>
-              <a:t>Base </a:t>
-            </a:r>
-          </a:p>
-          <a:p>
-            <a:pPr algn="ctr"/>
-            <a:r>
-              <a:rPr lang="en-US" sz="1200" dirty="0"/>
-              <a:t>Ground</a:t>
-            </a:r>
+              <a:t>s</a:t>
+            </a:r>
+            <a:r>
+              <a:rPr lang="en-US" sz="1200" dirty="0" smtClean="0"/>
+              <a:t>ome</a:t>
+            </a:r>
+            <a:endParaRPr lang="en-US" sz="1200" dirty="0"/>
           </a:p>
           <a:p>
             <a:pPr algn="ctr"/>
@@ -4395,7 +4394,7 @@
         <p:spPr>
           <a:xfrm>
             <a:off x="410693" y="2865529"/>
-            <a:ext cx="880470" cy="646331"/>
+            <a:ext cx="880470" cy="461665"/>
           </a:xfrm>
           <a:prstGeom prst="rect">
             <a:avLst/>
@@ -4411,15 +4410,9 @@
             <a:pPr algn="ctr"/>
             <a:r>
               <a:rPr lang="en-US" sz="1200" dirty="0" smtClean="0"/>
-              <a:t>Garage</a:t>
-            </a:r>
-          </a:p>
-          <a:p>
-            <a:pPr algn="ctr"/>
-            <a:r>
-              <a:rPr lang="en-US" sz="1200" dirty="0" smtClean="0"/>
               <a:t>IR</a:t>
             </a:r>
+            <a:endParaRPr lang="en-US" sz="1200" dirty="0" smtClean="0"/>
           </a:p>
           <a:p>
             <a:pPr algn="ctr"/>
@@ -4439,7 +4432,7 @@
         <p:spPr>
           <a:xfrm>
             <a:off x="275782" y="3810649"/>
-            <a:ext cx="880470" cy="646331"/>
+            <a:ext cx="880470" cy="461665"/>
           </a:xfrm>
           <a:prstGeom prst="rect">
             <a:avLst/>
@@ -4455,15 +4448,9 @@
             <a:pPr algn="ctr"/>
             <a:r>
               <a:rPr lang="en-US" sz="1200" dirty="0" smtClean="0"/>
-              <a:t>Kitchen</a:t>
-            </a:r>
-          </a:p>
-          <a:p>
-            <a:pPr algn="ctr"/>
-            <a:r>
-              <a:rPr lang="en-US" sz="1200" dirty="0" smtClean="0"/>
               <a:t>IR</a:t>
             </a:r>
+            <a:endParaRPr lang="en-US" sz="1200" dirty="0" smtClean="0"/>
           </a:p>
           <a:p>
             <a:pPr algn="ctr"/>
@@ -4483,7 +4470,7 @@
         <p:spPr>
           <a:xfrm>
             <a:off x="275782" y="4798746"/>
-            <a:ext cx="880470" cy="646331"/>
+            <a:ext cx="880470" cy="461665"/>
           </a:xfrm>
           <a:prstGeom prst="rect">
             <a:avLst/>
@@ -4499,15 +4486,9 @@
             <a:pPr algn="ctr"/>
             <a:r>
               <a:rPr lang="en-US" sz="1200" dirty="0" smtClean="0"/>
-              <a:t>Hall</a:t>
-            </a:r>
-          </a:p>
-          <a:p>
-            <a:pPr algn="ctr"/>
-            <a:r>
-              <a:rPr lang="en-US" sz="1200" dirty="0" smtClean="0"/>
               <a:t>IR</a:t>
             </a:r>
+            <a:endParaRPr lang="en-US" sz="1200" dirty="0" smtClean="0"/>
           </a:p>
           <a:p>
             <a:pPr algn="ctr"/>
@@ -4527,7 +4508,7 @@
         <p:spPr>
           <a:xfrm>
             <a:off x="485776" y="5781903"/>
-            <a:ext cx="1106095" cy="646331"/>
+            <a:ext cx="1106095" cy="461665"/>
           </a:xfrm>
           <a:prstGeom prst="rect">
             <a:avLst/>
@@ -4543,15 +4524,9 @@
             <a:pPr algn="ctr"/>
             <a:r>
               <a:rPr lang="en-US" sz="1200" dirty="0" smtClean="0"/>
-              <a:t>Living  Room</a:t>
-            </a:r>
-          </a:p>
-          <a:p>
-            <a:pPr algn="ctr"/>
-            <a:r>
-              <a:rPr lang="en-US" sz="1200" dirty="0" smtClean="0"/>
               <a:t>IR</a:t>
             </a:r>
+            <a:endParaRPr lang="en-US" sz="1200" dirty="0" smtClean="0"/>
           </a:p>
           <a:p>
             <a:pPr algn="ctr"/>
@@ -4765,7 +4740,7 @@
         <p:spPr>
           <a:xfrm>
             <a:off x="478246" y="1789587"/>
-            <a:ext cx="977484" cy="461665"/>
+            <a:ext cx="977484" cy="276999"/>
           </a:xfrm>
           <a:prstGeom prst="rect">
             <a:avLst/>
@@ -4783,13 +4758,7 @@
               <a:rPr lang="en-US" sz="1200" dirty="0" smtClean="0"/>
               <a:t>Webcam</a:t>
             </a:r>
-          </a:p>
-          <a:p>
-            <a:pPr algn="ctr"/>
-            <a:r>
-              <a:rPr lang="en-US" sz="1200" dirty="0" smtClean="0"/>
-              <a:t>Front door</a:t>
-            </a:r>
+            <a:endParaRPr lang="en-US" sz="1200" dirty="0" smtClean="0"/>
           </a:p>
         </p:txBody>
       </p:sp>
@@ -4802,7 +4771,7 @@
         <p:spPr>
           <a:xfrm>
             <a:off x="1239015" y="978618"/>
-            <a:ext cx="880470" cy="461665"/>
+            <a:ext cx="880470" cy="276999"/>
           </a:xfrm>
           <a:prstGeom prst="rect">
             <a:avLst/>
@@ -4820,13 +4789,7 @@
               <a:rPr lang="en-US" sz="1200" dirty="0" smtClean="0"/>
               <a:t>Webcam</a:t>
             </a:r>
-          </a:p>
-          <a:p>
-            <a:pPr algn="ctr"/>
-            <a:r>
-              <a:rPr lang="en-US" sz="1200" dirty="0" smtClean="0"/>
-              <a:t>Garden</a:t>
-            </a:r>
+            <a:endParaRPr lang="en-US" sz="1200" dirty="0" smtClean="0"/>
           </a:p>
         </p:txBody>
       </p:sp>
@@ -5315,14 +5278,13 @@
           <a:p>
             <a:pPr algn="ctr"/>
             <a:r>
-              <a:rPr lang="en-US" sz="1200" dirty="0" err="1" smtClean="0"/>
-              <a:t>Cloub</a:t>
-            </a:r>
-            <a:r>
               <a:rPr lang="en-US" sz="1200" dirty="0" smtClean="0"/>
-              <a:t> Storage</a:t>
-            </a:r>
-            <a:endParaRPr lang="en-US" sz="1200" dirty="0" smtClean="0"/>
+              <a:t>Cloud </a:t>
+            </a:r>
+            <a:r>
+              <a:rPr lang="en-US" sz="1200" dirty="0" smtClean="0"/>
+              <a:t>Storage</a:t>
+            </a:r>
           </a:p>
         </p:txBody>
       </p:sp>
@@ -5360,7 +5322,6 @@
               <a:rPr lang="en-US" sz="1200" dirty="0" smtClean="0"/>
               <a:t>Stream</a:t>
             </a:r>
-            <a:endParaRPr lang="en-US" sz="1200" dirty="0" smtClean="0"/>
           </a:p>
         </p:txBody>
       </p:sp>
@@ -5398,7 +5359,6 @@
               <a:rPr lang="en-US" sz="1200" dirty="0" smtClean="0"/>
               <a:t>Data</a:t>
             </a:r>
-            <a:endParaRPr lang="en-US" sz="1200" dirty="0" smtClean="0"/>
           </a:p>
         </p:txBody>
       </p:sp>
@@ -5621,7 +5581,7 @@
         <p:spPr>
           <a:xfrm>
             <a:off x="410693" y="2865529"/>
-            <a:ext cx="880470" cy="646331"/>
+            <a:ext cx="880470" cy="461665"/>
           </a:xfrm>
           <a:prstGeom prst="rect">
             <a:avLst/>
@@ -5637,15 +5597,9 @@
             <a:pPr algn="ctr"/>
             <a:r>
               <a:rPr lang="en-US" sz="1200" dirty="0" smtClean="0"/>
-              <a:t>Garage</a:t>
-            </a:r>
-          </a:p>
-          <a:p>
-            <a:pPr algn="ctr"/>
-            <a:r>
-              <a:rPr lang="en-US" sz="1200" dirty="0" smtClean="0"/>
               <a:t>IR</a:t>
             </a:r>
+            <a:endParaRPr lang="en-US" sz="1200" dirty="0" smtClean="0"/>
           </a:p>
           <a:p>
             <a:pPr algn="ctr"/>
@@ -5695,7 +5649,7 @@
         <p:spPr>
           <a:xfrm>
             <a:off x="3660508" y="2549605"/>
-            <a:ext cx="1106636" cy="830997"/>
+            <a:ext cx="1106636" cy="646331"/>
           </a:xfrm>
           <a:prstGeom prst="rect">
             <a:avLst/>
@@ -5725,15 +5679,13 @@
             <a:pPr algn="ctr"/>
             <a:r>
               <a:rPr lang="en-US" sz="1200" dirty="0" smtClean="0"/>
-              <a:t>Light Bulbs</a:t>
-            </a:r>
-          </a:p>
-          <a:p>
-            <a:pPr algn="ctr"/>
+              <a:t>Light </a:t>
+            </a:r>
             <a:r>
               <a:rPr lang="en-US" sz="1200" dirty="0" smtClean="0"/>
-              <a:t>in House</a:t>
-            </a:r>
+              <a:t>Bulbs</a:t>
+            </a:r>
+            <a:endParaRPr lang="en-US" sz="1200" dirty="0" smtClean="0"/>
           </a:p>
         </p:txBody>
       </p:sp>
@@ -5746,7 +5698,7 @@
         <p:spPr>
           <a:xfrm>
             <a:off x="275782" y="3810649"/>
-            <a:ext cx="880470" cy="646331"/>
+            <a:ext cx="880470" cy="461665"/>
           </a:xfrm>
           <a:prstGeom prst="rect">
             <a:avLst/>
@@ -5762,15 +5714,9 @@
             <a:pPr algn="ctr"/>
             <a:r>
               <a:rPr lang="en-US" sz="1200" dirty="0" smtClean="0"/>
-              <a:t>Kitchen</a:t>
-            </a:r>
-          </a:p>
-          <a:p>
-            <a:pPr algn="ctr"/>
-            <a:r>
-              <a:rPr lang="en-US" sz="1200" dirty="0" smtClean="0"/>
               <a:t>IR</a:t>
             </a:r>
+            <a:endParaRPr lang="en-US" sz="1200" dirty="0" smtClean="0"/>
           </a:p>
           <a:p>
             <a:pPr algn="ctr"/>
@@ -5790,7 +5736,7 @@
         <p:spPr>
           <a:xfrm>
             <a:off x="275782" y="4798746"/>
-            <a:ext cx="880470" cy="646331"/>
+            <a:ext cx="880470" cy="461665"/>
           </a:xfrm>
           <a:prstGeom prst="rect">
             <a:avLst/>
@@ -5806,15 +5752,9 @@
             <a:pPr algn="ctr"/>
             <a:r>
               <a:rPr lang="en-US" sz="1200" dirty="0" smtClean="0"/>
-              <a:t>Hall</a:t>
-            </a:r>
-          </a:p>
-          <a:p>
-            <a:pPr algn="ctr"/>
-            <a:r>
-              <a:rPr lang="en-US" sz="1200" dirty="0" smtClean="0"/>
               <a:t>IR</a:t>
             </a:r>
+            <a:endParaRPr lang="en-US" sz="1200" dirty="0" smtClean="0"/>
           </a:p>
           <a:p>
             <a:pPr algn="ctr"/>
@@ -5834,7 +5774,7 @@
         <p:spPr>
           <a:xfrm>
             <a:off x="485776" y="5781903"/>
-            <a:ext cx="1106095" cy="646331"/>
+            <a:ext cx="1106095" cy="461665"/>
           </a:xfrm>
           <a:prstGeom prst="rect">
             <a:avLst/>
@@ -5850,15 +5790,9 @@
             <a:pPr algn="ctr"/>
             <a:r>
               <a:rPr lang="en-US" sz="1200" dirty="0" smtClean="0"/>
-              <a:t>Living  Room</a:t>
-            </a:r>
-          </a:p>
-          <a:p>
-            <a:pPr algn="ctr"/>
-            <a:r>
-              <a:rPr lang="en-US" sz="1200" dirty="0" smtClean="0"/>
               <a:t>IR</a:t>
             </a:r>
+            <a:endParaRPr lang="en-US" sz="1200" dirty="0" smtClean="0"/>
           </a:p>
           <a:p>
             <a:pPr algn="ctr"/>
@@ -6280,7 +6214,7 @@
         <p:spPr>
           <a:xfrm>
             <a:off x="478246" y="1789587"/>
-            <a:ext cx="977484" cy="461665"/>
+            <a:ext cx="977484" cy="276999"/>
           </a:xfrm>
           <a:prstGeom prst="rect">
             <a:avLst/>
@@ -6298,13 +6232,7 @@
               <a:rPr lang="en-US" sz="1200" dirty="0" smtClean="0"/>
               <a:t>Webcam</a:t>
             </a:r>
-          </a:p>
-          <a:p>
-            <a:pPr algn="ctr"/>
-            <a:r>
-              <a:rPr lang="en-US" sz="1200" dirty="0" smtClean="0"/>
-              <a:t>Front door</a:t>
-            </a:r>
+            <a:endParaRPr lang="en-US" sz="1200" dirty="0" smtClean="0"/>
           </a:p>
         </p:txBody>
       </p:sp>
@@ -6317,7 +6245,7 @@
         <p:spPr>
           <a:xfrm>
             <a:off x="1239015" y="978618"/>
-            <a:ext cx="880470" cy="461665"/>
+            <a:ext cx="880470" cy="276999"/>
           </a:xfrm>
           <a:prstGeom prst="rect">
             <a:avLst/>
@@ -6335,13 +6263,7 @@
               <a:rPr lang="en-US" sz="1200" dirty="0" smtClean="0"/>
               <a:t>Webcam</a:t>
             </a:r>
-          </a:p>
-          <a:p>
-            <a:pPr algn="ctr"/>
-            <a:r>
-              <a:rPr lang="en-US" sz="1200" dirty="0" smtClean="0"/>
-              <a:t>Garden</a:t>
-            </a:r>
+            <a:endParaRPr lang="en-US" sz="1200" dirty="0" smtClean="0"/>
           </a:p>
         </p:txBody>
       </p:sp>
@@ -7150,10 +7072,9 @@
           <a:p>
             <a:pPr algn="ctr"/>
             <a:r>
-              <a:rPr lang="en-US" sz="1200" dirty="0" err="1" smtClean="0"/>
+              <a:rPr lang="en-US" sz="1200" dirty="0" smtClean="0"/>
               <a:t>PiZorg</a:t>
             </a:r>
-            <a:endParaRPr lang="en-US" sz="1200" dirty="0" smtClean="0"/>
           </a:p>
         </p:txBody>
       </p:sp>
@@ -7544,7 +7465,6 @@
               <a:rPr lang="en-US" sz="1200" dirty="0" smtClean="0"/>
               <a:t>Stream</a:t>
             </a:r>
-            <a:endParaRPr lang="en-US" sz="1200" dirty="0" smtClean="0"/>
           </a:p>
         </p:txBody>
       </p:sp>
@@ -7572,14 +7492,13 @@
           <a:p>
             <a:pPr algn="ctr"/>
             <a:r>
-              <a:rPr lang="en-US" sz="1200" dirty="0" err="1" smtClean="0"/>
-              <a:t>Cloub</a:t>
-            </a:r>
-            <a:r>
               <a:rPr lang="en-US" sz="1200" dirty="0" smtClean="0"/>
-              <a:t> Storage</a:t>
-            </a:r>
-            <a:endParaRPr lang="en-US" sz="1200" dirty="0" smtClean="0"/>
+              <a:t>Cloud </a:t>
+            </a:r>
+            <a:r>
+              <a:rPr lang="en-US" sz="1200" dirty="0" smtClean="0"/>
+              <a:t>Storage</a:t>
+            </a:r>
           </a:p>
         </p:txBody>
       </p:sp>
@@ -7617,7 +7536,6 @@
               <a:rPr lang="en-US" sz="1200" dirty="0" smtClean="0"/>
               <a:t>Data</a:t>
             </a:r>
-            <a:endParaRPr lang="en-US" sz="1200" dirty="0" smtClean="0"/>
           </a:p>
         </p:txBody>
       </p:sp>
@@ -7681,8 +7599,8 @@
         </p:blipFill>
         <p:spPr bwMode="auto">
           <a:xfrm>
-            <a:off x="0" y="0"/>
-            <a:ext cx="9144000" cy="6858000"/>
+            <a:off x="179512" y="134634"/>
+            <a:ext cx="8712968" cy="6534726"/>
           </a:xfrm>
           <a:prstGeom prst="rect">
             <a:avLst/>
@@ -7759,8 +7677,8 @@
         </p:blipFill>
         <p:spPr bwMode="auto">
           <a:xfrm>
-            <a:off x="0" y="0"/>
-            <a:ext cx="9163050" cy="6857999"/>
+            <a:off x="179512" y="134355"/>
+            <a:ext cx="8731495" cy="6535006"/>
           </a:xfrm>
           <a:prstGeom prst="rect">
             <a:avLst/>
@@ -7829,7 +7747,7 @@
       </p:grpSpPr>
       <p:pic>
         <p:nvPicPr>
-          <p:cNvPr id="3074" name="Picture 2" descr="C:\sources\plaatsoft\plaatprotect.git\screenshots\zwave-page-screenshot.jpg"/>
+          <p:cNvPr id="1026" name="Picture 2"/>
           <p:cNvPicPr>
             <a:picLocks noChangeAspect="1" noChangeArrowheads="1"/>
           </p:cNvPicPr>
@@ -7850,20 +7768,33 @@
         </p:blipFill>
         <p:spPr bwMode="auto">
           <a:xfrm>
-            <a:off x="0" y="0"/>
-            <a:ext cx="9144000" cy="6957392"/>
-          </a:xfrm>
-          <a:prstGeom prst="rect">
-            <a:avLst/>
-          </a:prstGeom>
-          <a:noFill/>
+            <a:off x="179512" y="211328"/>
+            <a:ext cx="8743702" cy="6458032"/>
+          </a:xfrm>
+          <a:prstGeom prst="rect">
+            <a:avLst/>
+          </a:prstGeom>
+          <a:noFill/>
+          <a:ln>
+            <a:noFill/>
+          </a:ln>
           <a:extLst>
             <a:ext uri="{909E8E84-426E-40DD-AFC4-6F175D3DCCD1}">
               <a14:hiddenFill xmlns:a14="http://schemas.microsoft.com/office/drawing/2010/main">
                 <a:solidFill>
-                  <a:srgbClr val="FFFFFF"/>
+                  <a:schemeClr val="accent1"/>
                 </a:solidFill>
               </a14:hiddenFill>
+            </a:ext>
+            <a:ext uri="{91240B29-F687-4F45-9708-019B960494DF}">
+              <a14:hiddenLine xmlns:a14="http://schemas.microsoft.com/office/drawing/2010/main" w="9525">
+                <a:solidFill>
+                  <a:schemeClr val="tx1"/>
+                </a:solidFill>
+                <a:miter lim="800000"/>
+                <a:headEnd/>
+                <a:tailEnd/>
+              </a14:hiddenLine>
             </a:ext>
           </a:extLst>
         </p:spPr>
@@ -7907,7 +7838,7 @@
       </p:grpSpPr>
       <p:pic>
         <p:nvPicPr>
-          <p:cNvPr id="2050" name="Picture 2" descr="C:\sources\plaatsoft\plaatprotect.git\screenshots\hue-page-screenshot.jpg"/>
+          <p:cNvPr id="2" name="Picture 2"/>
           <p:cNvPicPr>
             <a:picLocks noChangeAspect="1" noChangeArrowheads="1"/>
           </p:cNvPicPr>
@@ -7928,20 +7859,33 @@
         </p:blipFill>
         <p:spPr bwMode="auto">
           <a:xfrm>
-            <a:off x="0" y="0"/>
-            <a:ext cx="9144000" cy="6858000"/>
-          </a:xfrm>
-          <a:prstGeom prst="rect">
-            <a:avLst/>
-          </a:prstGeom>
-          <a:noFill/>
+            <a:off x="179513" y="130040"/>
+            <a:ext cx="8784976" cy="6597921"/>
+          </a:xfrm>
+          <a:prstGeom prst="rect">
+            <a:avLst/>
+          </a:prstGeom>
+          <a:noFill/>
+          <a:ln>
+            <a:noFill/>
+          </a:ln>
           <a:extLst>
             <a:ext uri="{909E8E84-426E-40DD-AFC4-6F175D3DCCD1}">
               <a14:hiddenFill xmlns:a14="http://schemas.microsoft.com/office/drawing/2010/main">
                 <a:solidFill>
-                  <a:srgbClr val="FFFFFF"/>
+                  <a:schemeClr val="accent1"/>
                 </a:solidFill>
               </a14:hiddenFill>
+            </a:ext>
+            <a:ext uri="{91240B29-F687-4F45-9708-019B960494DF}">
+              <a14:hiddenLine xmlns:a14="http://schemas.microsoft.com/office/drawing/2010/main" w="9525">
+                <a:solidFill>
+                  <a:schemeClr val="tx1"/>
+                </a:solidFill>
+                <a:miter lim="800000"/>
+                <a:headEnd/>
+                <a:tailEnd/>
+              </a14:hiddenLine>
             </a:ext>
           </a:extLst>
         </p:spPr>
@@ -8006,8 +7950,8 @@
         </p:blipFill>
         <p:spPr bwMode="auto">
           <a:xfrm>
-            <a:off x="0" y="-99392"/>
-            <a:ext cx="9144000" cy="6957392"/>
+            <a:off x="189278" y="188639"/>
+            <a:ext cx="8703202" cy="6482031"/>
           </a:xfrm>
           <a:prstGeom prst="rect">
             <a:avLst/>
@@ -8078,8 +8022,8 @@
         </p:blipFill>
         <p:spPr bwMode="auto">
           <a:xfrm>
-            <a:off x="0" y="-1"/>
-            <a:ext cx="9144000" cy="6858001"/>
+            <a:off x="251520" y="188639"/>
+            <a:ext cx="8640960" cy="6480721"/>
           </a:xfrm>
           <a:prstGeom prst="rect">
             <a:avLst/>
@@ -15489,7 +15433,7 @@
         <p:spPr>
           <a:xfrm>
             <a:off x="2658902" y="1617781"/>
-            <a:ext cx="880470" cy="646331"/>
+            <a:ext cx="880470" cy="461665"/>
           </a:xfrm>
           <a:prstGeom prst="rect">
             <a:avLst/>
@@ -15505,15 +15449,9 @@
             <a:pPr algn="ctr"/>
             <a:r>
               <a:rPr lang="en-US" sz="1200" dirty="0" smtClean="0"/>
-              <a:t>Garage</a:t>
-            </a:r>
-          </a:p>
-          <a:p>
-            <a:pPr algn="ctr"/>
-            <a:r>
-              <a:rPr lang="en-US" sz="1200" dirty="0" smtClean="0"/>
               <a:t>IR</a:t>
             </a:r>
+            <a:endParaRPr lang="en-US" sz="1200" dirty="0" smtClean="0"/>
           </a:p>
           <a:p>
             <a:pPr algn="ctr"/>
@@ -15563,7 +15501,7 @@
         <p:spPr>
           <a:xfrm>
             <a:off x="5100397" y="1646414"/>
-            <a:ext cx="1106636" cy="646331"/>
+            <a:ext cx="1106636" cy="461665"/>
           </a:xfrm>
           <a:prstGeom prst="rect">
             <a:avLst/>
@@ -15579,15 +15517,9 @@
             <a:pPr algn="ctr"/>
             <a:r>
               <a:rPr lang="en-US" sz="1200" dirty="0" smtClean="0"/>
-              <a:t>Garage </a:t>
-            </a:r>
-          </a:p>
-          <a:p>
-            <a:pPr algn="ctr"/>
-            <a:r>
-              <a:rPr lang="en-US" sz="1200" dirty="0" smtClean="0"/>
               <a:t>Light</a:t>
             </a:r>
+            <a:endParaRPr lang="en-US" sz="1200" dirty="0" smtClean="0"/>
           </a:p>
           <a:p>
             <a:pPr algn="ctr"/>
@@ -15681,7 +15613,7 @@
         <p:spPr>
           <a:xfrm>
             <a:off x="4333342" y="4862429"/>
-            <a:ext cx="1606810" cy="0"/>
+            <a:ext cx="767055" cy="641263"/>
           </a:xfrm>
           <a:prstGeom prst="straightConnector1">
             <a:avLst/>
@@ -15705,9 +15637,52 @@
           </a:fontRef>
         </p:style>
       </p:cxnSp>
+      <p:sp>
+        <p:nvSpPr>
+          <p:cNvPr id="39" name="Tekstvak 87"/>
+          <p:cNvSpPr txBox="1"/>
+          <p:nvPr/>
+        </p:nvSpPr>
+        <p:spPr>
+          <a:xfrm>
+            <a:off x="4396846" y="4734642"/>
+            <a:ext cx="1106636" cy="461665"/>
+          </a:xfrm>
+          <a:prstGeom prst="rect">
+            <a:avLst/>
+          </a:prstGeom>
+          <a:noFill/>
+        </p:spPr>
+        <p:txBody>
+          <a:bodyPr wrap="square" rtlCol="0">
+            <a:spAutoFit/>
+          </a:bodyPr>
+          <a:lstStyle/>
+          <a:p>
+            <a:pPr algn="ctr"/>
+            <a:r>
+              <a:rPr lang="en-US" sz="1200" dirty="0" smtClean="0"/>
+              <a:t>Event</a:t>
+            </a:r>
+            <a:r>
+              <a:rPr lang="en-US" sz="1200" dirty="0"/>
+              <a:t> </a:t>
+            </a:r>
+            <a:endParaRPr lang="en-US" sz="1200" dirty="0" smtClean="0"/>
+          </a:p>
+          <a:p>
+            <a:pPr algn="ctr"/>
+            <a:r>
+              <a:rPr lang="en-US" sz="1200" dirty="0" smtClean="0"/>
+              <a:t>Data</a:t>
+            </a:r>
+            <a:endParaRPr lang="en-US" sz="1200" dirty="0" smtClean="0"/>
+          </a:p>
+        </p:txBody>
+      </p:sp>
       <p:pic>
         <p:nvPicPr>
-          <p:cNvPr id="1031" name="Picture 7" descr="http://www.glenn-packer.net/Technology/GetImage/6"/>
+          <p:cNvPr id="16" name="Picture 4" descr="http://www.calldrdave.com/wp/wp-content/uploads/2013/12/world_wide_web.png"/>
           <p:cNvPicPr>
             <a:picLocks noChangeAspect="1" noChangeArrowheads="1"/>
           </p:cNvPicPr>
@@ -15728,8 +15703,8 @@
         </p:blipFill>
         <p:spPr bwMode="auto">
           <a:xfrm>
-            <a:off x="6084168" y="4220745"/>
-            <a:ext cx="1055439" cy="1169461"/>
+            <a:off x="4806969" y="5522582"/>
+            <a:ext cx="1617496" cy="1057438"/>
           </a:xfrm>
           <a:prstGeom prst="rect">
             <a:avLst/>
@@ -15748,14 +15723,14 @@
       </p:pic>
       <p:sp>
         <p:nvSpPr>
-          <p:cNvPr id="39" name="Tekstvak 87"/>
+          <p:cNvPr id="17" name="Tekstvak 87"/>
           <p:cNvSpPr txBox="1"/>
           <p:nvPr/>
         </p:nvSpPr>
         <p:spPr>
           <a:xfrm>
-            <a:off x="4583429" y="4400764"/>
-            <a:ext cx="1106636" cy="461665"/>
+            <a:off x="4730042" y="6580020"/>
+            <a:ext cx="1737390" cy="276999"/>
           </a:xfrm>
           <a:prstGeom prst="rect">
             <a:avLst/>
@@ -15771,14 +15746,11 @@
             <a:pPr algn="ctr"/>
             <a:r>
               <a:rPr lang="en-US" sz="1200" dirty="0" smtClean="0"/>
-              <a:t>Log Event</a:t>
-            </a:r>
-          </a:p>
-          <a:p>
-            <a:pPr algn="ctr"/>
+              <a:t>Cloud </a:t>
+            </a:r>
             <a:r>
               <a:rPr lang="en-US" sz="1200" dirty="0" smtClean="0"/>
-              <a:t>In Database</a:t>
+              <a:t>Storage</a:t>
             </a:r>
           </a:p>
         </p:txBody>

--- a/doc/ppt/PlaatProtect Design.pptx
+++ b/doc/ppt/PlaatProtect Design.pptx
@@ -4193,7 +4193,6 @@
               <a:rPr lang="en-US" sz="1200" dirty="0" smtClean="0"/>
               <a:t>Light Bulbs</a:t>
             </a:r>
-            <a:endParaRPr lang="en-US" sz="1200" dirty="0" smtClean="0"/>
           </a:p>
         </p:txBody>
       </p:sp>
@@ -4412,7 +4411,6 @@
               <a:rPr lang="en-US" sz="1200" dirty="0" smtClean="0"/>
               <a:t>IR</a:t>
             </a:r>
-            <a:endParaRPr lang="en-US" sz="1200" dirty="0" smtClean="0"/>
           </a:p>
           <a:p>
             <a:pPr algn="ctr"/>
@@ -4450,7 +4448,6 @@
               <a:rPr lang="en-US" sz="1200" dirty="0" smtClean="0"/>
               <a:t>IR</a:t>
             </a:r>
-            <a:endParaRPr lang="en-US" sz="1200" dirty="0" smtClean="0"/>
           </a:p>
           <a:p>
             <a:pPr algn="ctr"/>
@@ -4488,7 +4485,6 @@
               <a:rPr lang="en-US" sz="1200" dirty="0" smtClean="0"/>
               <a:t>IR</a:t>
             </a:r>
-            <a:endParaRPr lang="en-US" sz="1200" dirty="0" smtClean="0"/>
           </a:p>
           <a:p>
             <a:pPr algn="ctr"/>
@@ -4526,7 +4522,6 @@
               <a:rPr lang="en-US" sz="1200" dirty="0" smtClean="0"/>
               <a:t>IR</a:t>
             </a:r>
-            <a:endParaRPr lang="en-US" sz="1200" dirty="0" smtClean="0"/>
           </a:p>
           <a:p>
             <a:pPr algn="ctr"/>
@@ -4758,7 +4753,6 @@
               <a:rPr lang="en-US" sz="1200" dirty="0" smtClean="0"/>
               <a:t>Webcam</a:t>
             </a:r>
-            <a:endParaRPr lang="en-US" sz="1200" dirty="0" smtClean="0"/>
           </a:p>
         </p:txBody>
       </p:sp>
@@ -4789,7 +4783,6 @@
               <a:rPr lang="en-US" sz="1200" dirty="0" smtClean="0"/>
               <a:t>Webcam</a:t>
             </a:r>
-            <a:endParaRPr lang="en-US" sz="1200" dirty="0" smtClean="0"/>
           </a:p>
         </p:txBody>
       </p:sp>
@@ -5279,11 +5272,7 @@
             <a:pPr algn="ctr"/>
             <a:r>
               <a:rPr lang="en-US" sz="1200" dirty="0" smtClean="0"/>
-              <a:t>Cloud </a:t>
-            </a:r>
-            <a:r>
-              <a:rPr lang="en-US" sz="1200" dirty="0" smtClean="0"/>
-              <a:t>Storage</a:t>
+              <a:t>Cloud Storage</a:t>
             </a:r>
           </a:p>
         </p:txBody>
@@ -5599,7 +5588,6 @@
               <a:rPr lang="en-US" sz="1200" dirty="0" smtClean="0"/>
               <a:t>IR</a:t>
             </a:r>
-            <a:endParaRPr lang="en-US" sz="1200" dirty="0" smtClean="0"/>
           </a:p>
           <a:p>
             <a:pPr algn="ctr"/>
@@ -5679,13 +5667,8 @@
             <a:pPr algn="ctr"/>
             <a:r>
               <a:rPr lang="en-US" sz="1200" dirty="0" smtClean="0"/>
-              <a:t>Light </a:t>
-            </a:r>
-            <a:r>
-              <a:rPr lang="en-US" sz="1200" dirty="0" smtClean="0"/>
-              <a:t>Bulbs</a:t>
-            </a:r>
-            <a:endParaRPr lang="en-US" sz="1200" dirty="0" smtClean="0"/>
+              <a:t>Light Bulbs</a:t>
+            </a:r>
           </a:p>
         </p:txBody>
       </p:sp>
@@ -5716,7 +5699,6 @@
               <a:rPr lang="en-US" sz="1200" dirty="0" smtClean="0"/>
               <a:t>IR</a:t>
             </a:r>
-            <a:endParaRPr lang="en-US" sz="1200" dirty="0" smtClean="0"/>
           </a:p>
           <a:p>
             <a:pPr algn="ctr"/>
@@ -5754,7 +5736,6 @@
               <a:rPr lang="en-US" sz="1200" dirty="0" smtClean="0"/>
               <a:t>IR</a:t>
             </a:r>
-            <a:endParaRPr lang="en-US" sz="1200" dirty="0" smtClean="0"/>
           </a:p>
           <a:p>
             <a:pPr algn="ctr"/>
@@ -5792,7 +5773,6 @@
               <a:rPr lang="en-US" sz="1200" dirty="0" smtClean="0"/>
               <a:t>IR</a:t>
             </a:r>
-            <a:endParaRPr lang="en-US" sz="1200" dirty="0" smtClean="0"/>
           </a:p>
           <a:p>
             <a:pPr algn="ctr"/>
@@ -6232,7 +6212,6 @@
               <a:rPr lang="en-US" sz="1200" dirty="0" smtClean="0"/>
               <a:t>Webcam</a:t>
             </a:r>
-            <a:endParaRPr lang="en-US" sz="1200" dirty="0" smtClean="0"/>
           </a:p>
         </p:txBody>
       </p:sp>
@@ -6263,7 +6242,6 @@
               <a:rPr lang="en-US" sz="1200" dirty="0" smtClean="0"/>
               <a:t>Webcam</a:t>
             </a:r>
-            <a:endParaRPr lang="en-US" sz="1200" dirty="0" smtClean="0"/>
           </a:p>
         </p:txBody>
       </p:sp>
@@ -7493,11 +7471,7 @@
             <a:pPr algn="ctr"/>
             <a:r>
               <a:rPr lang="en-US" sz="1200" dirty="0" smtClean="0"/>
-              <a:t>Cloud </a:t>
-            </a:r>
-            <a:r>
-              <a:rPr lang="en-US" sz="1200" dirty="0" smtClean="0"/>
-              <a:t>Storage</a:t>
+              <a:t>Cloud Storage</a:t>
             </a:r>
           </a:p>
         </p:txBody>
@@ -15451,7 +15425,6 @@
               <a:rPr lang="en-US" sz="1200" dirty="0" smtClean="0"/>
               <a:t>IR</a:t>
             </a:r>
-            <a:endParaRPr lang="en-US" sz="1200" dirty="0" smtClean="0"/>
           </a:p>
           <a:p>
             <a:pPr algn="ctr"/>
@@ -15519,7 +15492,6 @@
               <a:rPr lang="en-US" sz="1200" dirty="0" smtClean="0"/>
               <a:t>Light</a:t>
             </a:r>
-            <a:endParaRPr lang="en-US" sz="1200" dirty="0" smtClean="0"/>
           </a:p>
           <a:p>
             <a:pPr algn="ctr"/>
@@ -15676,7 +15648,6 @@
               <a:rPr lang="en-US" sz="1200" dirty="0" smtClean="0"/>
               <a:t>Data</a:t>
             </a:r>
-            <a:endParaRPr lang="en-US" sz="1200" dirty="0" smtClean="0"/>
           </a:p>
         </p:txBody>
       </p:sp>
@@ -15746,11 +15717,7 @@
             <a:pPr algn="ctr"/>
             <a:r>
               <a:rPr lang="en-US" sz="1200" dirty="0" smtClean="0"/>
-              <a:t>Cloud </a:t>
-            </a:r>
-            <a:r>
-              <a:rPr lang="en-US" sz="1200" dirty="0" smtClean="0"/>
-              <a:t>Storage</a:t>
+              <a:t>Cloud Storage</a:t>
             </a:r>
           </a:p>
         </p:txBody>

--- a/doc/ppt/PlaatProtect Design.pptx
+++ b/doc/ppt/PlaatProtect Design.pptx
@@ -5,7 +5,7 @@
     <p:sldMasterId id="2147483900" r:id="rId1"/>
   </p:sldMasterIdLst>
   <p:notesMasterIdLst>
-    <p:notesMasterId r:id="rId19"/>
+    <p:notesMasterId r:id="rId20"/>
   </p:notesMasterIdLst>
   <p:sldIdLst>
     <p:sldId id="301" r:id="rId2"/>
@@ -24,7 +24,8 @@
     <p:sldId id="309" r:id="rId15"/>
     <p:sldId id="308" r:id="rId16"/>
     <p:sldId id="310" r:id="rId17"/>
-    <p:sldId id="317" r:id="rId18"/>
+    <p:sldId id="321" r:id="rId18"/>
+    <p:sldId id="317" r:id="rId19"/>
   </p:sldIdLst>
   <p:sldSz cx="9144000" cy="6858000" type="screen4x3"/>
   <p:notesSz cx="6858000" cy="9144000"/>
@@ -209,7 +210,7 @@
             <a:fld id="{AAA9B6CD-1D48-452A-A7F2-8CBBE02CC7D2}" type="datetimeFigureOut">
               <a:rPr lang="nl-NL" smtClean="0"/>
               <a:pPr/>
-              <a:t>5-7-2016</a:t>
+              <a:t>6-7-2016</a:t>
             </a:fld>
             <a:endParaRPr lang="nl-NL"/>
           </a:p>
@@ -758,7 +759,7 @@
             <a:fld id="{96BAE843-BE96-40CB-B634-F63C679A4CF5}" type="datetimeFigureOut">
               <a:rPr lang="nl-NL" smtClean="0"/>
               <a:pPr/>
-              <a:t>5-7-2016</a:t>
+              <a:t>6-7-2016</a:t>
             </a:fld>
             <a:endParaRPr lang="nl-NL"/>
           </a:p>
@@ -925,7 +926,7 @@
             <a:fld id="{96BAE843-BE96-40CB-B634-F63C679A4CF5}" type="datetimeFigureOut">
               <a:rPr lang="nl-NL" smtClean="0"/>
               <a:pPr/>
-              <a:t>5-7-2016</a:t>
+              <a:t>6-7-2016</a:t>
             </a:fld>
             <a:endParaRPr lang="nl-NL"/>
           </a:p>
@@ -1102,7 +1103,7 @@
             <a:fld id="{96BAE843-BE96-40CB-B634-F63C679A4CF5}" type="datetimeFigureOut">
               <a:rPr lang="nl-NL" smtClean="0"/>
               <a:pPr/>
-              <a:t>5-7-2016</a:t>
+              <a:t>6-7-2016</a:t>
             </a:fld>
             <a:endParaRPr lang="nl-NL"/>
           </a:p>
@@ -1287,7 +1288,7 @@
             <a:fld id="{96BAE843-BE96-40CB-B634-F63C679A4CF5}" type="datetimeFigureOut">
               <a:rPr lang="nl-NL" smtClean="0"/>
               <a:pPr/>
-              <a:t>5-7-2016</a:t>
+              <a:t>6-7-2016</a:t>
             </a:fld>
             <a:endParaRPr lang="nl-NL"/>
           </a:p>
@@ -1551,7 +1552,7 @@
             <a:fld id="{96BAE843-BE96-40CB-B634-F63C679A4CF5}" type="datetimeFigureOut">
               <a:rPr lang="nl-NL" smtClean="0"/>
               <a:pPr/>
-              <a:t>5-7-2016</a:t>
+              <a:t>6-7-2016</a:t>
             </a:fld>
             <a:endParaRPr lang="nl-NL"/>
           </a:p>
@@ -1901,7 +1902,7 @@
             <a:fld id="{96BAE843-BE96-40CB-B634-F63C679A4CF5}" type="datetimeFigureOut">
               <a:rPr lang="nl-NL" smtClean="0"/>
               <a:pPr/>
-              <a:t>5-7-2016</a:t>
+              <a:t>6-7-2016</a:t>
             </a:fld>
             <a:endParaRPr lang="nl-NL"/>
           </a:p>
@@ -2211,7 +2212,7 @@
             <a:fld id="{96BAE843-BE96-40CB-B634-F63C679A4CF5}" type="datetimeFigureOut">
               <a:rPr lang="nl-NL" smtClean="0"/>
               <a:pPr/>
-              <a:t>5-7-2016</a:t>
+              <a:t>6-7-2016</a:t>
             </a:fld>
             <a:endParaRPr lang="nl-NL"/>
           </a:p>
@@ -2440,7 +2441,7 @@
             <a:fld id="{96BAE843-BE96-40CB-B634-F63C679A4CF5}" type="datetimeFigureOut">
               <a:rPr lang="nl-NL" smtClean="0"/>
               <a:pPr/>
-              <a:t>5-7-2016</a:t>
+              <a:t>6-7-2016</a:t>
             </a:fld>
             <a:endParaRPr lang="nl-NL"/>
           </a:p>
@@ -2532,7 +2533,7 @@
             <a:fld id="{96BAE843-BE96-40CB-B634-F63C679A4CF5}" type="datetimeFigureOut">
               <a:rPr lang="nl-NL" smtClean="0"/>
               <a:pPr/>
-              <a:t>5-7-2016</a:t>
+              <a:t>6-7-2016</a:t>
             </a:fld>
             <a:endParaRPr lang="nl-NL"/>
           </a:p>
@@ -2822,7 +2823,7 @@
             <a:fld id="{96BAE843-BE96-40CB-B634-F63C679A4CF5}" type="datetimeFigureOut">
               <a:rPr lang="nl-NL" smtClean="0"/>
               <a:pPr/>
-              <a:t>5-7-2016</a:t>
+              <a:t>6-7-2016</a:t>
             </a:fld>
             <a:endParaRPr lang="nl-NL"/>
           </a:p>
@@ -3093,7 +3094,7 @@
             <a:fld id="{96BAE843-BE96-40CB-B634-F63C679A4CF5}" type="datetimeFigureOut">
               <a:rPr lang="nl-NL" smtClean="0"/>
               <a:pPr/>
-              <a:t>5-7-2016</a:t>
+              <a:t>6-7-2016</a:t>
             </a:fld>
             <a:endParaRPr lang="nl-NL"/>
           </a:p>
@@ -3305,7 +3306,7 @@
             <a:fld id="{96BAE843-BE96-40CB-B634-F63C679A4CF5}" type="datetimeFigureOut">
               <a:rPr lang="nl-NL" smtClean="0"/>
               <a:pPr/>
-              <a:t>5-7-2016</a:t>
+              <a:t>6-7-2016</a:t>
             </a:fld>
             <a:endParaRPr lang="nl-NL"/>
           </a:p>
@@ -7979,6 +7980,214 @@
           <a:chExt cx="0" cy="0"/>
         </a:xfrm>
       </p:grpSpPr>
+      <p:sp>
+        <p:nvSpPr>
+          <p:cNvPr id="2" name="Titel 1"/>
+          <p:cNvSpPr>
+            <a:spLocks noGrp="1"/>
+          </p:cNvSpPr>
+          <p:nvPr>
+            <p:ph type="title"/>
+          </p:nvPr>
+        </p:nvSpPr>
+        <p:spPr>
+          <a:xfrm>
+            <a:off x="0" y="0"/>
+            <a:ext cx="9144000" cy="980728"/>
+          </a:xfrm>
+        </p:spPr>
+        <p:txBody>
+          <a:bodyPr/>
+          <a:lstStyle/>
+          <a:p>
+            <a:r>
+              <a:rPr lang="en-US" sz="4400" dirty="0" smtClean="0"/>
+              <a:t>Conclusion</a:t>
+            </a:r>
+            <a:endParaRPr lang="nl-NL" sz="4400" dirty="0"/>
+          </a:p>
+        </p:txBody>
+      </p:sp>
+      <p:sp>
+        <p:nvSpPr>
+          <p:cNvPr id="3" name="Tijdelijke aanduiding voor inhoud 2"/>
+          <p:cNvSpPr>
+            <a:spLocks noGrp="1"/>
+          </p:cNvSpPr>
+          <p:nvPr>
+            <p:ph idx="1"/>
+          </p:nvPr>
+        </p:nvSpPr>
+        <p:spPr>
+          <a:xfrm>
+            <a:off x="395536" y="1196752"/>
+            <a:ext cx="8229600" cy="5040560"/>
+          </a:xfrm>
+        </p:spPr>
+        <p:txBody>
+          <a:bodyPr>
+            <a:normAutofit lnSpcReduction="10000"/>
+          </a:bodyPr>
+          <a:lstStyle/>
+          <a:p>
+            <a:r>
+              <a:rPr lang="en-US" dirty="0" smtClean="0"/>
+              <a:t>My family and house </a:t>
+            </a:r>
+            <a:r>
+              <a:rPr lang="en-US" dirty="0" smtClean="0"/>
+              <a:t>are “better” </a:t>
+            </a:r>
+            <a:r>
+              <a:rPr lang="en-US" dirty="0" smtClean="0"/>
+              <a:t>protected against burglars</a:t>
+            </a:r>
+          </a:p>
+          <a:p>
+            <a:pPr marL="0" indent="0">
+              <a:buNone/>
+            </a:pPr>
+            <a:endParaRPr lang="en-US" dirty="0" smtClean="0"/>
+          </a:p>
+          <a:p>
+            <a:r>
+              <a:rPr lang="en-US" dirty="0" smtClean="0"/>
+              <a:t>One burglar attempt in my street captured on video and shared with Police </a:t>
+            </a:r>
+            <a:r>
+              <a:rPr lang="en-US" dirty="0" smtClean="0">
+                <a:sym typeface="Wingdings" panose="05000000000000000000" pitchFamily="2" charset="2"/>
+              </a:rPr>
+              <a:t></a:t>
+            </a:r>
+          </a:p>
+          <a:p>
+            <a:endParaRPr lang="en-US" b="1" dirty="0">
+              <a:sym typeface="Wingdings" panose="05000000000000000000" pitchFamily="2" charset="2"/>
+            </a:endParaRPr>
+          </a:p>
+          <a:p>
+            <a:r>
+              <a:rPr lang="en-US" dirty="0" smtClean="0">
+                <a:sym typeface="Wingdings" panose="05000000000000000000" pitchFamily="2" charset="2"/>
+              </a:rPr>
+              <a:t>Learned a lot about Z-Wave </a:t>
+            </a:r>
+            <a:r>
+              <a:rPr lang="en-US" dirty="0" smtClean="0">
+                <a:sym typeface="Wingdings" panose="05000000000000000000" pitchFamily="2" charset="2"/>
+              </a:rPr>
+              <a:t>protocol. Z-Wave protocol specification is not public </a:t>
+            </a:r>
+          </a:p>
+          <a:p>
+            <a:endParaRPr lang="en-US" dirty="0">
+              <a:sym typeface="Wingdings" panose="05000000000000000000" pitchFamily="2" charset="2"/>
+            </a:endParaRPr>
+          </a:p>
+          <a:p>
+            <a:r>
+              <a:rPr lang="en-US" dirty="0" smtClean="0">
+                <a:sym typeface="Wingdings" panose="05000000000000000000" pitchFamily="2" charset="2"/>
+              </a:rPr>
+              <a:t>Google </a:t>
+            </a:r>
+            <a:r>
+              <a:rPr lang="en-US" dirty="0" smtClean="0">
+                <a:sym typeface="Wingdings" panose="05000000000000000000" pitchFamily="2" charset="2"/>
+              </a:rPr>
+              <a:t>Nest </a:t>
+            </a:r>
+            <a:r>
+              <a:rPr lang="en-US" dirty="0" smtClean="0">
+                <a:sym typeface="Wingdings" panose="05000000000000000000" pitchFamily="2" charset="2"/>
+              </a:rPr>
+              <a:t>Protect </a:t>
+            </a:r>
+            <a:r>
+              <a:rPr lang="en-US" dirty="0" smtClean="0">
+                <a:sym typeface="Wingdings" panose="05000000000000000000" pitchFamily="2" charset="2"/>
+              </a:rPr>
+              <a:t>Z</a:t>
+            </a:r>
+            <a:r>
+              <a:rPr lang="en-US" dirty="0" smtClean="0">
+                <a:sym typeface="Wingdings" panose="05000000000000000000" pitchFamily="2" charset="2"/>
+              </a:rPr>
+              <a:t>igbee integration not possible. Only web service integration possible </a:t>
+            </a:r>
+          </a:p>
+          <a:p>
+            <a:endParaRPr lang="en-US" dirty="0" smtClean="0">
+              <a:sym typeface="Wingdings" panose="05000000000000000000" pitchFamily="2" charset="2"/>
+            </a:endParaRPr>
+          </a:p>
+          <a:p>
+            <a:r>
+              <a:rPr lang="en-US" dirty="0" smtClean="0">
+                <a:sym typeface="Wingdings" panose="05000000000000000000" pitchFamily="2" charset="2"/>
+              </a:rPr>
+              <a:t>Learned </a:t>
+            </a:r>
+            <a:r>
+              <a:rPr lang="en-US" dirty="0">
+                <a:sym typeface="Wingdings" panose="05000000000000000000" pitchFamily="2" charset="2"/>
+              </a:rPr>
+              <a:t>a lot about basic video motion detection</a:t>
+            </a:r>
+          </a:p>
+          <a:p>
+            <a:endParaRPr lang="en-US" dirty="0" smtClean="0">
+              <a:sym typeface="Wingdings" panose="05000000000000000000" pitchFamily="2" charset="2"/>
+            </a:endParaRPr>
+          </a:p>
+          <a:p>
+            <a:endParaRPr lang="en-US" sz="2800" dirty="0" smtClean="0">
+              <a:sym typeface="Wingdings" panose="05000000000000000000" pitchFamily="2" charset="2"/>
+            </a:endParaRPr>
+          </a:p>
+          <a:p>
+            <a:endParaRPr lang="en-US" dirty="0" smtClean="0"/>
+          </a:p>
+        </p:txBody>
+      </p:sp>
+    </p:spTree>
+    <p:extLst>
+      <p:ext uri="{BB962C8B-B14F-4D97-AF65-F5344CB8AC3E}">
+        <p14:creationId xmlns:p14="http://schemas.microsoft.com/office/powerpoint/2010/main" val="940068900"/>
+      </p:ext>
+    </p:extLst>
+  </p:cSld>
+  <p:clrMapOvr>
+    <a:masterClrMapping/>
+  </p:clrMapOvr>
+  <p:timing>
+    <p:tnLst>
+      <p:par>
+        <p:cTn id="1" dur="indefinite" restart="never" nodeType="tmRoot"/>
+      </p:par>
+    </p:tnLst>
+  </p:timing>
+</p:sld>
+</file>
+
+<file path=ppt/slides/slide18.xml><?xml version="1.0" encoding="utf-8"?>
+<p:sld xmlns:a="http://schemas.openxmlformats.org/drawingml/2006/main" xmlns:r="http://schemas.openxmlformats.org/officeDocument/2006/relationships" xmlns:p="http://schemas.openxmlformats.org/presentationml/2006/main">
+  <p:cSld>
+    <p:spTree>
+      <p:nvGrpSpPr>
+        <p:cNvPr id="1" name=""/>
+        <p:cNvGrpSpPr/>
+        <p:nvPr/>
+      </p:nvGrpSpPr>
+      <p:grpSpPr>
+        <a:xfrm>
+          <a:off x="0" y="0"/>
+          <a:ext cx="0" cy="0"/>
+          <a:chOff x="0" y="0"/>
+          <a:chExt cx="0" cy="0"/>
+        </a:xfrm>
+      </p:grpSpPr>
       <p:pic>
         <p:nvPicPr>
           <p:cNvPr id="41987" name="Picture 3"/>
@@ -8747,7 +8956,32 @@
             <a:pPr lvl="1"/>
             <a:r>
               <a:rPr lang="en-US" sz="4500" dirty="0"/>
-              <a:t>Integrate Zigbee </a:t>
+              <a:t>Integrate Z-Wave meshwork</a:t>
+            </a:r>
+          </a:p>
+          <a:p>
+            <a:pPr lvl="2"/>
+            <a:r>
+              <a:rPr lang="en-US" sz="3800" dirty="0"/>
+              <a:t>IR detector(s)</a:t>
+            </a:r>
+          </a:p>
+          <a:p>
+            <a:pPr lvl="2"/>
+            <a:r>
+              <a:rPr lang="en-US" sz="3800" dirty="0"/>
+              <a:t>Alarm Horn</a:t>
+            </a:r>
+          </a:p>
+          <a:p>
+            <a:pPr lvl="1"/>
+            <a:r>
+              <a:rPr lang="en-US" sz="4500" dirty="0" smtClean="0"/>
+              <a:t>Integrate </a:t>
+            </a:r>
+            <a:r>
+              <a:rPr lang="en-US" sz="4500" dirty="0"/>
+              <a:t>Zigbee </a:t>
             </a:r>
             <a:r>
               <a:rPr lang="en-US" sz="4500" dirty="0" smtClean="0"/>
@@ -8771,31 +9005,6 @@
             <a:r>
               <a:rPr lang="en-US" sz="3800" dirty="0"/>
               <a:t>detector </a:t>
-            </a:r>
-          </a:p>
-          <a:p>
-            <a:pPr lvl="1"/>
-            <a:r>
-              <a:rPr lang="en-US" sz="4500" dirty="0" smtClean="0"/>
-              <a:t>Integrate </a:t>
-            </a:r>
-            <a:r>
-              <a:rPr lang="en-US" sz="4500" dirty="0"/>
-              <a:t>Z-Wave meshwork</a:t>
-            </a:r>
-          </a:p>
-          <a:p>
-            <a:pPr lvl="2"/>
-            <a:r>
-              <a:rPr lang="en-US" sz="3800" dirty="0"/>
-              <a:t>IR detector(s)</a:t>
-            </a:r>
-          </a:p>
-          <a:p>
-            <a:pPr lvl="2"/>
-            <a:r>
-              <a:rPr lang="en-US" sz="3800" dirty="0"/>
-              <a:t>Alarm Horn</a:t>
             </a:r>
           </a:p>
           <a:p>
@@ -12670,9 +12879,10 @@
           <a:p>
             <a:pPr algn="ctr"/>
             <a:r>
-              <a:rPr lang="en-US" sz="1200" dirty="0" smtClean="0"/>
-              <a:t>IR </a:t>
-            </a:r>
+              <a:rPr lang="en-US" sz="1200" smtClean="0"/>
+              <a:t>Fire </a:t>
+            </a:r>
+            <a:endParaRPr lang="en-US" sz="1200" dirty="0" smtClean="0"/>
           </a:p>
           <a:p>
             <a:pPr algn="ctr"/>
@@ -14624,38 +14834,6 @@
       </p:pic>
       <p:pic>
         <p:nvPicPr>
-          <p:cNvPr id="102" name="Picture 10"/>
-          <p:cNvPicPr>
-            <a:picLocks noChangeAspect="1" noChangeArrowheads="1"/>
-          </p:cNvPicPr>
-          <p:nvPr/>
-        </p:nvPicPr>
-        <p:blipFill>
-          <a:blip r:embed="rId6" cstate="print"/>
-          <a:srcRect/>
-          <a:stretch>
-            <a:fillRect/>
-          </a:stretch>
-        </p:blipFill>
-        <p:spPr bwMode="auto">
-          <a:xfrm>
-            <a:off x="412080" y="4934800"/>
-            <a:ext cx="687423" cy="643594"/>
-          </a:xfrm>
-          <a:prstGeom prst="rect">
-            <a:avLst/>
-          </a:prstGeom>
-          <a:noFill/>
-          <a:ln w="9525">
-            <a:noFill/>
-            <a:miter lim="800000"/>
-            <a:headEnd/>
-            <a:tailEnd/>
-          </a:ln>
-        </p:spPr>
-      </p:pic>
-      <p:pic>
-        <p:nvPicPr>
           <p:cNvPr id="86" name="Picture 3"/>
           <p:cNvPicPr>
             <a:picLocks noChangeAspect="1" noChangeArrowheads="1"/>
@@ -14663,7 +14841,7 @@
           <p:nvPr/>
         </p:nvPicPr>
         <p:blipFill>
-          <a:blip r:embed="rId7" cstate="print">
+          <a:blip r:embed="rId6" cstate="print">
             <a:extLst>
               <a:ext uri="{28A0092B-C50C-407E-A947-70E740481C1C}">
                 <a14:useLocalDpi xmlns:a14="http://schemas.microsoft.com/office/drawing/2010/main" val="0"/>
@@ -14717,7 +14895,7 @@
           <p:nvPr/>
         </p:nvPicPr>
         <p:blipFill>
-          <a:blip r:embed="rId8" cstate="print">
+          <a:blip r:embed="rId7" cstate="print">
             <a:extLst>
               <a:ext uri="{28A0092B-C50C-407E-A947-70E740481C1C}">
                 <a14:useLocalDpi xmlns:a14="http://schemas.microsoft.com/office/drawing/2010/main" val="0"/>
@@ -14982,7 +15160,7 @@
           <p:nvPr/>
         </p:nvPicPr>
         <p:blipFill>
-          <a:blip r:embed="rId9" cstate="print">
+          <a:blip r:embed="rId8" cstate="print">
             <a:extLst>
               <a:ext uri="{28A0092B-C50C-407E-A947-70E740481C1C}">
                 <a14:useLocalDpi xmlns:a14="http://schemas.microsoft.com/office/drawing/2010/main" val="0"/>
@@ -15036,7 +15214,7 @@
           <p:nvPr/>
         </p:nvPicPr>
         <p:blipFill>
-          <a:blip r:embed="rId10" cstate="print">
+          <a:blip r:embed="rId9" cstate="print">
             <a:extLst>
               <a:ext uri="{28A0092B-C50C-407E-A947-70E740481C1C}">
                 <a14:useLocalDpi xmlns:a14="http://schemas.microsoft.com/office/drawing/2010/main" val="0"/>

--- a/doc/ppt/PlaatProtect Design.pptx
+++ b/doc/ppt/PlaatProtect Design.pptx
@@ -372,7 +372,7 @@
             <a:fld id="{3F950F4F-C5AF-4494-B3CA-9201F9D52D46}" type="slidenum">
               <a:rPr lang="nl-NL" smtClean="0"/>
               <a:pPr/>
-              <a:t>‹#›</a:t>
+              <a:t>‹nr.›</a:t>
             </a:fld>
             <a:endParaRPr lang="nl-NL"/>
           </a:p>
@@ -381,7 +381,7 @@
     </p:spTree>
     <p:extLst>
       <p:ext uri="{BB962C8B-B14F-4D97-AF65-F5344CB8AC3E}">
-        <p14:creationId xmlns:p14="http://schemas.microsoft.com/office/powerpoint/2010/main" val="758923214"/>
+        <p14:creationId xmlns:p14="http://schemas.microsoft.com/office/powerpoint/2010/main" xmlns="" val="758923214"/>
       </p:ext>
     </p:extLst>
   </p:cSld>
@@ -556,7 +556,7 @@
     </p:spTree>
     <p:extLst>
       <p:ext uri="{BB962C8B-B14F-4D97-AF65-F5344CB8AC3E}">
-        <p14:creationId xmlns:p14="http://schemas.microsoft.com/office/powerpoint/2010/main" val="586804197"/>
+        <p14:creationId xmlns:p14="http://schemas.microsoft.com/office/powerpoint/2010/main" xmlns="" val="586804197"/>
       </p:ext>
     </p:extLst>
   </p:cSld>
@@ -783,7 +783,7 @@
             <a:fld id="{727BD2AF-9C77-4256-BC44-28E620F1C4BA}" type="slidenum">
               <a:rPr lang="nl-NL" smtClean="0"/>
               <a:pPr/>
-              <a:t>‹#›</a:t>
+              <a:t>‹nr.›</a:t>
             </a:fld>
             <a:endParaRPr lang="nl-NL"/>
           </a:p>
@@ -969,7 +969,7 @@
             <a:fld id="{727BD2AF-9C77-4256-BC44-28E620F1C4BA}" type="slidenum">
               <a:rPr lang="nl-NL" smtClean="0"/>
               <a:pPr/>
-              <a:t>‹#›</a:t>
+              <a:t>‹nr.›</a:t>
             </a:fld>
             <a:endParaRPr lang="nl-NL"/>
           </a:p>
@@ -1146,7 +1146,7 @@
             <a:fld id="{727BD2AF-9C77-4256-BC44-28E620F1C4BA}" type="slidenum">
               <a:rPr lang="nl-NL" smtClean="0"/>
               <a:pPr/>
-              <a:t>‹#›</a:t>
+              <a:t>‹nr.›</a:t>
             </a:fld>
             <a:endParaRPr lang="nl-NL"/>
           </a:p>
@@ -1331,7 +1331,7 @@
             <a:fld id="{727BD2AF-9C77-4256-BC44-28E620F1C4BA}" type="slidenum">
               <a:rPr lang="nl-NL" smtClean="0"/>
               <a:pPr/>
-              <a:t>‹#›</a:t>
+              <a:t>‹nr.›</a:t>
             </a:fld>
             <a:endParaRPr lang="nl-NL"/>
           </a:p>
@@ -1595,7 +1595,7 @@
             <a:fld id="{727BD2AF-9C77-4256-BC44-28E620F1C4BA}" type="slidenum">
               <a:rPr lang="nl-NL" smtClean="0"/>
               <a:pPr/>
-              <a:t>‹#›</a:t>
+              <a:t>‹nr.›</a:t>
             </a:fld>
             <a:endParaRPr lang="nl-NL"/>
           </a:p>
@@ -1945,7 +1945,7 @@
             <a:fld id="{727BD2AF-9C77-4256-BC44-28E620F1C4BA}" type="slidenum">
               <a:rPr lang="nl-NL" smtClean="0"/>
               <a:pPr/>
-              <a:t>‹#›</a:t>
+              <a:t>‹nr.›</a:t>
             </a:fld>
             <a:endParaRPr lang="nl-NL"/>
           </a:p>
@@ -2255,7 +2255,7 @@
             <a:fld id="{727BD2AF-9C77-4256-BC44-28E620F1C4BA}" type="slidenum">
               <a:rPr lang="nl-NL" smtClean="0"/>
               <a:pPr/>
-              <a:t>‹#›</a:t>
+              <a:t>‹nr.›</a:t>
             </a:fld>
             <a:endParaRPr lang="nl-NL"/>
           </a:p>
@@ -2484,7 +2484,7 @@
             <a:fld id="{727BD2AF-9C77-4256-BC44-28E620F1C4BA}" type="slidenum">
               <a:rPr lang="nl-NL" smtClean="0"/>
               <a:pPr/>
-              <a:t>‹#›</a:t>
+              <a:t>‹nr.›</a:t>
             </a:fld>
             <a:endParaRPr lang="nl-NL"/>
           </a:p>
@@ -2576,7 +2576,7 @@
             <a:fld id="{727BD2AF-9C77-4256-BC44-28E620F1C4BA}" type="slidenum">
               <a:rPr lang="nl-NL" smtClean="0"/>
               <a:pPr/>
-              <a:t>‹#›</a:t>
+              <a:t>‹nr.›</a:t>
             </a:fld>
             <a:endParaRPr lang="nl-NL"/>
           </a:p>
@@ -2866,7 +2866,7 @@
             <a:fld id="{727BD2AF-9C77-4256-BC44-28E620F1C4BA}" type="slidenum">
               <a:rPr lang="nl-NL" smtClean="0"/>
               <a:pPr/>
-              <a:t>‹#›</a:t>
+              <a:t>‹nr.›</a:t>
             </a:fld>
             <a:endParaRPr lang="nl-NL"/>
           </a:p>
@@ -3137,7 +3137,7 @@
             <a:fld id="{727BD2AF-9C77-4256-BC44-28E620F1C4BA}" type="slidenum">
               <a:rPr lang="nl-NL" smtClean="0"/>
               <a:pPr/>
-              <a:t>‹#›</a:t>
+              <a:t>‹nr.›</a:t>
             </a:fld>
             <a:endParaRPr lang="nl-NL"/>
           </a:p>
@@ -3389,7 +3389,7 @@
             <a:fld id="{727BD2AF-9C77-4256-BC44-28E620F1C4BA}" type="slidenum">
               <a:rPr lang="nl-NL" smtClean="0"/>
               <a:pPr/>
-              <a:t>‹#›</a:t>
+              <a:t>‹nr.›</a:t>
             </a:fld>
             <a:endParaRPr lang="nl-NL"/>
           </a:p>
@@ -3955,7 +3955,7 @@
     </p:spTree>
     <p:extLst>
       <p:ext uri="{BB962C8B-B14F-4D97-AF65-F5344CB8AC3E}">
-        <p14:creationId xmlns:p14="http://schemas.microsoft.com/office/powerpoint/2010/main" val="1900872650"/>
+        <p14:creationId xmlns:p14="http://schemas.microsoft.com/office/powerpoint/2010/main" xmlns="" val="1900872650"/>
       </p:ext>
     </p:extLst>
   </p:cSld>
@@ -4029,7 +4029,7 @@
           <a:blip r:embed="rId2" cstate="print">
             <a:extLst>
               <a:ext uri="{28A0092B-C50C-407E-A947-70E740481C1C}">
-                <a14:useLocalDpi xmlns:a14="http://schemas.microsoft.com/office/drawing/2010/main" val="0"/>
+                <a14:useLocalDpi xmlns:a14="http://schemas.microsoft.com/office/drawing/2010/main" xmlns="" val="0"/>
               </a:ext>
             </a:extLst>
           </a:blip>
@@ -4052,14 +4052,14 @@
           </a:ln>
           <a:extLst>
             <a:ext uri="{909E8E84-426E-40DD-AFC4-6F175D3DCCD1}">
-              <a14:hiddenFill xmlns:a14="http://schemas.microsoft.com/office/drawing/2010/main">
+              <a14:hiddenFill xmlns:a14="http://schemas.microsoft.com/office/drawing/2010/main" xmlns="">
                 <a:solidFill>
                   <a:schemeClr val="accent1"/>
                 </a:solidFill>
               </a14:hiddenFill>
             </a:ext>
             <a:ext uri="{91240B29-F687-4F45-9708-019B960494DF}">
-              <a14:hiddenLine xmlns:a14="http://schemas.microsoft.com/office/drawing/2010/main" w="9525">
+              <a14:hiddenLine xmlns:a14="http://schemas.microsoft.com/office/drawing/2010/main" xmlns="" w="9525">
                 <a:solidFill>
                   <a:schemeClr val="tx1"/>
                 </a:solidFill>
@@ -4343,7 +4343,7 @@
           <a:blip r:embed="rId3" cstate="print">
             <a:extLst>
               <a:ext uri="{28A0092B-C50C-407E-A947-70E740481C1C}">
-                <a14:useLocalDpi xmlns:a14="http://schemas.microsoft.com/office/drawing/2010/main" val="0"/>
+                <a14:useLocalDpi xmlns:a14="http://schemas.microsoft.com/office/drawing/2010/main" xmlns="" val="0"/>
               </a:ext>
             </a:extLst>
           </a:blip>
@@ -4366,14 +4366,14 @@
           </a:ln>
           <a:extLst>
             <a:ext uri="{909E8E84-426E-40DD-AFC4-6F175D3DCCD1}">
-              <a14:hiddenFill xmlns:a14="http://schemas.microsoft.com/office/drawing/2010/main">
+              <a14:hiddenFill xmlns:a14="http://schemas.microsoft.com/office/drawing/2010/main" xmlns="">
                 <a:solidFill>
                   <a:schemeClr val="accent1"/>
                 </a:solidFill>
               </a14:hiddenFill>
             </a:ext>
             <a:ext uri="{91240B29-F687-4F45-9708-019B960494DF}">
-              <a14:hiddenLine xmlns:a14="http://schemas.microsoft.com/office/drawing/2010/main" w="9525">
+              <a14:hiddenLine xmlns:a14="http://schemas.microsoft.com/office/drawing/2010/main" xmlns="" w="9525">
                 <a:solidFill>
                   <a:schemeClr val="tx1"/>
                 </a:solidFill>
@@ -4545,7 +4545,7 @@
           <a:blip r:embed="rId3" cstate="print">
             <a:extLst>
               <a:ext uri="{28A0092B-C50C-407E-A947-70E740481C1C}">
-                <a14:useLocalDpi xmlns:a14="http://schemas.microsoft.com/office/drawing/2010/main" val="0"/>
+                <a14:useLocalDpi xmlns:a14="http://schemas.microsoft.com/office/drawing/2010/main" xmlns="" val="0"/>
               </a:ext>
             </a:extLst>
           </a:blip>
@@ -4568,14 +4568,14 @@
           </a:ln>
           <a:extLst>
             <a:ext uri="{909E8E84-426E-40DD-AFC4-6F175D3DCCD1}">
-              <a14:hiddenFill xmlns:a14="http://schemas.microsoft.com/office/drawing/2010/main">
+              <a14:hiddenFill xmlns:a14="http://schemas.microsoft.com/office/drawing/2010/main" xmlns="">
                 <a:solidFill>
                   <a:schemeClr val="accent1"/>
                 </a:solidFill>
               </a14:hiddenFill>
             </a:ext>
             <a:ext uri="{91240B29-F687-4F45-9708-019B960494DF}">
-              <a14:hiddenLine xmlns:a14="http://schemas.microsoft.com/office/drawing/2010/main" w="9525">
+              <a14:hiddenLine xmlns:a14="http://schemas.microsoft.com/office/drawing/2010/main" xmlns="" w="9525">
                 <a:solidFill>
                   <a:schemeClr val="tx1"/>
                 </a:solidFill>
@@ -4599,7 +4599,7 @@
           <a:blip r:embed="rId3" cstate="print">
             <a:extLst>
               <a:ext uri="{28A0092B-C50C-407E-A947-70E740481C1C}">
-                <a14:useLocalDpi xmlns:a14="http://schemas.microsoft.com/office/drawing/2010/main" val="0"/>
+                <a14:useLocalDpi xmlns:a14="http://schemas.microsoft.com/office/drawing/2010/main" xmlns="" val="0"/>
               </a:ext>
             </a:extLst>
           </a:blip>
@@ -4622,14 +4622,14 @@
           </a:ln>
           <a:extLst>
             <a:ext uri="{909E8E84-426E-40DD-AFC4-6F175D3DCCD1}">
-              <a14:hiddenFill xmlns:a14="http://schemas.microsoft.com/office/drawing/2010/main">
+              <a14:hiddenFill xmlns:a14="http://schemas.microsoft.com/office/drawing/2010/main" xmlns="">
                 <a:solidFill>
                   <a:schemeClr val="accent1"/>
                 </a:solidFill>
               </a14:hiddenFill>
             </a:ext>
             <a:ext uri="{91240B29-F687-4F45-9708-019B960494DF}">
-              <a14:hiddenLine xmlns:a14="http://schemas.microsoft.com/office/drawing/2010/main" w="9525">
+              <a14:hiddenLine xmlns:a14="http://schemas.microsoft.com/office/drawing/2010/main" xmlns="" w="9525">
                 <a:solidFill>
                   <a:schemeClr val="tx1"/>
                 </a:solidFill>
@@ -4653,7 +4653,7 @@
           <a:blip r:embed="rId3" cstate="print">
             <a:extLst>
               <a:ext uri="{28A0092B-C50C-407E-A947-70E740481C1C}">
-                <a14:useLocalDpi xmlns:a14="http://schemas.microsoft.com/office/drawing/2010/main" val="0"/>
+                <a14:useLocalDpi xmlns:a14="http://schemas.microsoft.com/office/drawing/2010/main" xmlns="" val="0"/>
               </a:ext>
             </a:extLst>
           </a:blip>
@@ -4676,14 +4676,14 @@
           </a:ln>
           <a:extLst>
             <a:ext uri="{909E8E84-426E-40DD-AFC4-6F175D3DCCD1}">
-              <a14:hiddenFill xmlns:a14="http://schemas.microsoft.com/office/drawing/2010/main">
+              <a14:hiddenFill xmlns:a14="http://schemas.microsoft.com/office/drawing/2010/main" xmlns="">
                 <a:solidFill>
                   <a:schemeClr val="accent1"/>
                 </a:solidFill>
               </a14:hiddenFill>
             </a:ext>
             <a:ext uri="{91240B29-F687-4F45-9708-019B960494DF}">
-              <a14:hiddenLine xmlns:a14="http://schemas.microsoft.com/office/drawing/2010/main" w="9525">
+              <a14:hiddenLine xmlns:a14="http://schemas.microsoft.com/office/drawing/2010/main" xmlns="" w="9525">
                 <a:solidFill>
                   <a:schemeClr val="tx1"/>
                 </a:solidFill>
@@ -4831,7 +4831,7 @@
           <a:blip r:embed="rId5" cstate="print">
             <a:extLst>
               <a:ext uri="{28A0092B-C50C-407E-A947-70E740481C1C}">
-                <a14:useLocalDpi xmlns:a14="http://schemas.microsoft.com/office/drawing/2010/main" val="0"/>
+                <a14:useLocalDpi xmlns:a14="http://schemas.microsoft.com/office/drawing/2010/main" xmlns="" val="0"/>
               </a:ext>
             </a:extLst>
           </a:blip>
@@ -4851,7 +4851,7 @@
           <a:noFill/>
           <a:extLst>
             <a:ext uri="{909E8E84-426E-40DD-AFC4-6F175D3DCCD1}">
-              <a14:hiddenFill xmlns:a14="http://schemas.microsoft.com/office/drawing/2010/main">
+              <a14:hiddenFill xmlns:a14="http://schemas.microsoft.com/office/drawing/2010/main" xmlns="">
                 <a:solidFill>
                   <a:srgbClr val="FFFFFF"/>
                 </a:solidFill>
@@ -4872,7 +4872,7 @@
           <a:blip r:embed="rId6" cstate="print">
             <a:extLst>
               <a:ext uri="{28A0092B-C50C-407E-A947-70E740481C1C}">
-                <a14:useLocalDpi xmlns:a14="http://schemas.microsoft.com/office/drawing/2010/main" val="0"/>
+                <a14:useLocalDpi xmlns:a14="http://schemas.microsoft.com/office/drawing/2010/main" xmlns="" val="0"/>
               </a:ext>
             </a:extLst>
           </a:blip>
@@ -4892,7 +4892,7 @@
           <a:noFill/>
           <a:extLst>
             <a:ext uri="{909E8E84-426E-40DD-AFC4-6F175D3DCCD1}">
-              <a14:hiddenFill xmlns:a14="http://schemas.microsoft.com/office/drawing/2010/main">
+              <a14:hiddenFill xmlns:a14="http://schemas.microsoft.com/office/drawing/2010/main" xmlns="">
                 <a:solidFill>
                   <a:srgbClr val="FFFFFF"/>
                 </a:solidFill>
@@ -4913,7 +4913,7 @@
           <a:blip r:embed="rId7" cstate="print">
             <a:extLst>
               <a:ext uri="{28A0092B-C50C-407E-A947-70E740481C1C}">
-                <a14:useLocalDpi xmlns:a14="http://schemas.microsoft.com/office/drawing/2010/main" val="0"/>
+                <a14:useLocalDpi xmlns:a14="http://schemas.microsoft.com/office/drawing/2010/main" xmlns="" val="0"/>
               </a:ext>
             </a:extLst>
           </a:blip>
@@ -4933,7 +4933,7 @@
           <a:noFill/>
           <a:extLst>
             <a:ext uri="{909E8E84-426E-40DD-AFC4-6F175D3DCCD1}">
-              <a14:hiddenFill xmlns:a14="http://schemas.microsoft.com/office/drawing/2010/main">
+              <a14:hiddenFill xmlns:a14="http://schemas.microsoft.com/office/drawing/2010/main" xmlns="">
                 <a:solidFill>
                   <a:srgbClr val="FFFFFF"/>
                 </a:solidFill>
@@ -5028,7 +5028,7 @@
           <a:blip r:embed="rId8" cstate="print">
             <a:extLst>
               <a:ext uri="{28A0092B-C50C-407E-A947-70E740481C1C}">
-                <a14:useLocalDpi xmlns:a14="http://schemas.microsoft.com/office/drawing/2010/main" val="0"/>
+                <a14:useLocalDpi xmlns:a14="http://schemas.microsoft.com/office/drawing/2010/main" xmlns="" val="0"/>
               </a:ext>
             </a:extLst>
           </a:blip>
@@ -5051,14 +5051,14 @@
           </a:ln>
           <a:extLst>
             <a:ext uri="{909E8E84-426E-40DD-AFC4-6F175D3DCCD1}">
-              <a14:hiddenFill xmlns:a14="http://schemas.microsoft.com/office/drawing/2010/main">
+              <a14:hiddenFill xmlns:a14="http://schemas.microsoft.com/office/drawing/2010/main" xmlns="">
                 <a:solidFill>
                   <a:schemeClr val="accent1"/>
                 </a:solidFill>
               </a14:hiddenFill>
             </a:ext>
             <a:ext uri="{91240B29-F687-4F45-9708-019B960494DF}">
-              <a14:hiddenLine xmlns:a14="http://schemas.microsoft.com/office/drawing/2010/main" w="9525">
+              <a14:hiddenLine xmlns:a14="http://schemas.microsoft.com/office/drawing/2010/main" xmlns="" w="9525">
                 <a:solidFill>
                   <a:schemeClr val="tx1"/>
                 </a:solidFill>
@@ -5219,7 +5219,7 @@
           <a:blip r:embed="rId9" cstate="print">
             <a:extLst>
               <a:ext uri="{28A0092B-C50C-407E-A947-70E740481C1C}">
-                <a14:useLocalDpi xmlns:a14="http://schemas.microsoft.com/office/drawing/2010/main" val="0"/>
+                <a14:useLocalDpi xmlns:a14="http://schemas.microsoft.com/office/drawing/2010/main" xmlns="" val="0"/>
               </a:ext>
             </a:extLst>
           </a:blip>
@@ -5239,7 +5239,7 @@
           <a:noFill/>
           <a:extLst>
             <a:ext uri="{909E8E84-426E-40DD-AFC4-6F175D3DCCD1}">
-              <a14:hiddenFill xmlns:a14="http://schemas.microsoft.com/office/drawing/2010/main">
+              <a14:hiddenFill xmlns:a14="http://schemas.microsoft.com/office/drawing/2010/main" xmlns="">
                 <a:solidFill>
                   <a:srgbClr val="FFFFFF"/>
                 </a:solidFill>
@@ -5355,7 +5355,7 @@
     </p:spTree>
     <p:extLst>
       <p:ext uri="{BB962C8B-B14F-4D97-AF65-F5344CB8AC3E}">
-        <p14:creationId xmlns:p14="http://schemas.microsoft.com/office/powerpoint/2010/main" val="657390324"/>
+        <p14:creationId xmlns:p14="http://schemas.microsoft.com/office/powerpoint/2010/main" xmlns="" val="657390324"/>
       </p:ext>
     </p:extLst>
   </p:cSld>
@@ -5433,7 +5433,7 @@
           <a:blip r:embed="rId3" cstate="print">
             <a:extLst>
               <a:ext uri="{28A0092B-C50C-407E-A947-70E740481C1C}">
-                <a14:useLocalDpi xmlns:a14="http://schemas.microsoft.com/office/drawing/2010/main" val="0"/>
+                <a14:useLocalDpi xmlns:a14="http://schemas.microsoft.com/office/drawing/2010/main" xmlns="" val="0"/>
               </a:ext>
             </a:extLst>
           </a:blip>
@@ -5456,14 +5456,14 @@
           </a:ln>
           <a:extLst>
             <a:ext uri="{909E8E84-426E-40DD-AFC4-6F175D3DCCD1}">
-              <a14:hiddenFill xmlns:a14="http://schemas.microsoft.com/office/drawing/2010/main">
+              <a14:hiddenFill xmlns:a14="http://schemas.microsoft.com/office/drawing/2010/main" xmlns="">
                 <a:solidFill>
                   <a:schemeClr val="accent1"/>
                 </a:solidFill>
               </a14:hiddenFill>
             </a:ext>
             <a:ext uri="{91240B29-F687-4F45-9708-019B960494DF}">
-              <a14:hiddenLine xmlns:a14="http://schemas.microsoft.com/office/drawing/2010/main" w="9525">
+              <a14:hiddenLine xmlns:a14="http://schemas.microsoft.com/office/drawing/2010/main" xmlns="" w="9525">
                 <a:solidFill>
                   <a:schemeClr val="tx1"/>
                 </a:solidFill>
@@ -5487,7 +5487,7 @@
           <a:blip r:embed="rId4" cstate="print">
             <a:extLst>
               <a:ext uri="{28A0092B-C50C-407E-A947-70E740481C1C}">
-                <a14:useLocalDpi xmlns:a14="http://schemas.microsoft.com/office/drawing/2010/main" val="0"/>
+                <a14:useLocalDpi xmlns:a14="http://schemas.microsoft.com/office/drawing/2010/main" xmlns="" val="0"/>
               </a:ext>
             </a:extLst>
           </a:blip>
@@ -5510,14 +5510,14 @@
           </a:ln>
           <a:extLst>
             <a:ext uri="{909E8E84-426E-40DD-AFC4-6F175D3DCCD1}">
-              <a14:hiddenFill xmlns:a14="http://schemas.microsoft.com/office/drawing/2010/main">
+              <a14:hiddenFill xmlns:a14="http://schemas.microsoft.com/office/drawing/2010/main" xmlns="">
                 <a:solidFill>
                   <a:schemeClr val="accent1"/>
                 </a:solidFill>
               </a14:hiddenFill>
             </a:ext>
             <a:ext uri="{91240B29-F687-4F45-9708-019B960494DF}">
-              <a14:hiddenLine xmlns:a14="http://schemas.microsoft.com/office/drawing/2010/main" w="9525">
+              <a14:hiddenLine xmlns:a14="http://schemas.microsoft.com/office/drawing/2010/main" xmlns="" w="9525">
                 <a:solidFill>
                   <a:schemeClr val="tx1"/>
                 </a:solidFill>
@@ -5796,7 +5796,7 @@
           <a:blip r:embed="rId5" cstate="print">
             <a:extLst>
               <a:ext uri="{28A0092B-C50C-407E-A947-70E740481C1C}">
-                <a14:useLocalDpi xmlns:a14="http://schemas.microsoft.com/office/drawing/2010/main" val="0"/>
+                <a14:useLocalDpi xmlns:a14="http://schemas.microsoft.com/office/drawing/2010/main" xmlns="" val="0"/>
               </a:ext>
             </a:extLst>
           </a:blip>
@@ -5819,14 +5819,14 @@
           </a:ln>
           <a:extLst>
             <a:ext uri="{909E8E84-426E-40DD-AFC4-6F175D3DCCD1}">
-              <a14:hiddenFill xmlns:a14="http://schemas.microsoft.com/office/drawing/2010/main">
+              <a14:hiddenFill xmlns:a14="http://schemas.microsoft.com/office/drawing/2010/main" xmlns="">
                 <a:solidFill>
                   <a:schemeClr val="accent1"/>
                 </a:solidFill>
               </a14:hiddenFill>
             </a:ext>
             <a:ext uri="{91240B29-F687-4F45-9708-019B960494DF}">
-              <a14:hiddenLine xmlns:a14="http://schemas.microsoft.com/office/drawing/2010/main" w="9525">
+              <a14:hiddenLine xmlns:a14="http://schemas.microsoft.com/office/drawing/2010/main" xmlns="" w="9525">
                 <a:solidFill>
                   <a:schemeClr val="tx1"/>
                 </a:solidFill>
@@ -6034,7 +6034,7 @@
           <a:blip r:embed="rId6" cstate="print">
             <a:extLst>
               <a:ext uri="{28A0092B-C50C-407E-A947-70E740481C1C}">
-                <a14:useLocalDpi xmlns:a14="http://schemas.microsoft.com/office/drawing/2010/main" val="0"/>
+                <a14:useLocalDpi xmlns:a14="http://schemas.microsoft.com/office/drawing/2010/main" xmlns="" val="0"/>
               </a:ext>
             </a:extLst>
           </a:blip>
@@ -6054,7 +6054,7 @@
           <a:noFill/>
           <a:extLst>
             <a:ext uri="{909E8E84-426E-40DD-AFC4-6F175D3DCCD1}">
-              <a14:hiddenFill xmlns:a14="http://schemas.microsoft.com/office/drawing/2010/main">
+              <a14:hiddenFill xmlns:a14="http://schemas.microsoft.com/office/drawing/2010/main" xmlns="">
                 <a:solidFill>
                   <a:srgbClr val="FFFFFF"/>
                 </a:solidFill>
@@ -6075,7 +6075,7 @@
           <a:blip r:embed="rId7" cstate="print">
             <a:extLst>
               <a:ext uri="{28A0092B-C50C-407E-A947-70E740481C1C}">
-                <a14:useLocalDpi xmlns:a14="http://schemas.microsoft.com/office/drawing/2010/main" val="0"/>
+                <a14:useLocalDpi xmlns:a14="http://schemas.microsoft.com/office/drawing/2010/main" xmlns="" val="0"/>
               </a:ext>
             </a:extLst>
           </a:blip>
@@ -6098,14 +6098,14 @@
           </a:ln>
           <a:extLst>
             <a:ext uri="{909E8E84-426E-40DD-AFC4-6F175D3DCCD1}">
-              <a14:hiddenFill xmlns:a14="http://schemas.microsoft.com/office/drawing/2010/main">
+              <a14:hiddenFill xmlns:a14="http://schemas.microsoft.com/office/drawing/2010/main" xmlns="">
                 <a:solidFill>
                   <a:schemeClr val="accent1"/>
                 </a:solidFill>
               </a14:hiddenFill>
             </a:ext>
             <a:ext uri="{91240B29-F687-4F45-9708-019B960494DF}">
-              <a14:hiddenLine xmlns:a14="http://schemas.microsoft.com/office/drawing/2010/main" w="9525">
+              <a14:hiddenLine xmlns:a14="http://schemas.microsoft.com/office/drawing/2010/main" xmlns="" w="9525">
                 <a:solidFill>
                   <a:schemeClr val="tx1"/>
                 </a:solidFill>
@@ -6258,7 +6258,7 @@
           <a:blip r:embed="rId3" cstate="print">
             <a:extLst>
               <a:ext uri="{28A0092B-C50C-407E-A947-70E740481C1C}">
-                <a14:useLocalDpi xmlns:a14="http://schemas.microsoft.com/office/drawing/2010/main" val="0"/>
+                <a14:useLocalDpi xmlns:a14="http://schemas.microsoft.com/office/drawing/2010/main" xmlns="" val="0"/>
               </a:ext>
             </a:extLst>
           </a:blip>
@@ -6281,14 +6281,14 @@
           </a:ln>
           <a:extLst>
             <a:ext uri="{909E8E84-426E-40DD-AFC4-6F175D3DCCD1}">
-              <a14:hiddenFill xmlns:a14="http://schemas.microsoft.com/office/drawing/2010/main">
+              <a14:hiddenFill xmlns:a14="http://schemas.microsoft.com/office/drawing/2010/main" xmlns="">
                 <a:solidFill>
                   <a:schemeClr val="accent1"/>
                 </a:solidFill>
               </a14:hiddenFill>
             </a:ext>
             <a:ext uri="{91240B29-F687-4F45-9708-019B960494DF}">
-              <a14:hiddenLine xmlns:a14="http://schemas.microsoft.com/office/drawing/2010/main" w="9525">
+              <a14:hiddenLine xmlns:a14="http://schemas.microsoft.com/office/drawing/2010/main" xmlns="" w="9525">
                 <a:solidFill>
                   <a:schemeClr val="tx1"/>
                 </a:solidFill>
@@ -6312,7 +6312,7 @@
           <a:blip r:embed="rId3" cstate="print">
             <a:extLst>
               <a:ext uri="{28A0092B-C50C-407E-A947-70E740481C1C}">
-                <a14:useLocalDpi xmlns:a14="http://schemas.microsoft.com/office/drawing/2010/main" val="0"/>
+                <a14:useLocalDpi xmlns:a14="http://schemas.microsoft.com/office/drawing/2010/main" xmlns="" val="0"/>
               </a:ext>
             </a:extLst>
           </a:blip>
@@ -6335,14 +6335,14 @@
           </a:ln>
           <a:extLst>
             <a:ext uri="{909E8E84-426E-40DD-AFC4-6F175D3DCCD1}">
-              <a14:hiddenFill xmlns:a14="http://schemas.microsoft.com/office/drawing/2010/main">
+              <a14:hiddenFill xmlns:a14="http://schemas.microsoft.com/office/drawing/2010/main" xmlns="">
                 <a:solidFill>
                   <a:schemeClr val="accent1"/>
                 </a:solidFill>
               </a14:hiddenFill>
             </a:ext>
             <a:ext uri="{91240B29-F687-4F45-9708-019B960494DF}">
-              <a14:hiddenLine xmlns:a14="http://schemas.microsoft.com/office/drawing/2010/main" w="9525">
+              <a14:hiddenLine xmlns:a14="http://schemas.microsoft.com/office/drawing/2010/main" xmlns="" w="9525">
                 <a:solidFill>
                   <a:schemeClr val="tx1"/>
                 </a:solidFill>
@@ -6366,7 +6366,7 @@
           <a:blip r:embed="rId3" cstate="print">
             <a:extLst>
               <a:ext uri="{28A0092B-C50C-407E-A947-70E740481C1C}">
-                <a14:useLocalDpi xmlns:a14="http://schemas.microsoft.com/office/drawing/2010/main" val="0"/>
+                <a14:useLocalDpi xmlns:a14="http://schemas.microsoft.com/office/drawing/2010/main" xmlns="" val="0"/>
               </a:ext>
             </a:extLst>
           </a:blip>
@@ -6389,14 +6389,14 @@
           </a:ln>
           <a:extLst>
             <a:ext uri="{909E8E84-426E-40DD-AFC4-6F175D3DCCD1}">
-              <a14:hiddenFill xmlns:a14="http://schemas.microsoft.com/office/drawing/2010/main">
+              <a14:hiddenFill xmlns:a14="http://schemas.microsoft.com/office/drawing/2010/main" xmlns="">
                 <a:solidFill>
                   <a:schemeClr val="accent1"/>
                 </a:solidFill>
               </a14:hiddenFill>
             </a:ext>
             <a:ext uri="{91240B29-F687-4F45-9708-019B960494DF}">
-              <a14:hiddenLine xmlns:a14="http://schemas.microsoft.com/office/drawing/2010/main" w="9525">
+              <a14:hiddenLine xmlns:a14="http://schemas.microsoft.com/office/drawing/2010/main" xmlns="" w="9525">
                 <a:solidFill>
                   <a:schemeClr val="tx1"/>
                 </a:solidFill>
@@ -6482,7 +6482,7 @@
           <a:blip r:embed="rId9" cstate="print">
             <a:extLst>
               <a:ext uri="{28A0092B-C50C-407E-A947-70E740481C1C}">
-                <a14:useLocalDpi xmlns:a14="http://schemas.microsoft.com/office/drawing/2010/main" val="0"/>
+                <a14:useLocalDpi xmlns:a14="http://schemas.microsoft.com/office/drawing/2010/main" xmlns="" val="0"/>
               </a:ext>
             </a:extLst>
           </a:blip>
@@ -6502,7 +6502,7 @@
           <a:noFill/>
           <a:extLst>
             <a:ext uri="{909E8E84-426E-40DD-AFC4-6F175D3DCCD1}">
-              <a14:hiddenFill xmlns:a14="http://schemas.microsoft.com/office/drawing/2010/main">
+              <a14:hiddenFill xmlns:a14="http://schemas.microsoft.com/office/drawing/2010/main" xmlns="">
                 <a:solidFill>
                   <a:srgbClr val="FFFFFF"/>
                 </a:solidFill>
@@ -6523,7 +6523,7 @@
           <a:blip r:embed="rId10" cstate="print">
             <a:extLst>
               <a:ext uri="{28A0092B-C50C-407E-A947-70E740481C1C}">
-                <a14:useLocalDpi xmlns:a14="http://schemas.microsoft.com/office/drawing/2010/main" val="0"/>
+                <a14:useLocalDpi xmlns:a14="http://schemas.microsoft.com/office/drawing/2010/main" xmlns="" val="0"/>
               </a:ext>
             </a:extLst>
           </a:blip>
@@ -6543,7 +6543,7 @@
           <a:noFill/>
           <a:extLst>
             <a:ext uri="{909E8E84-426E-40DD-AFC4-6F175D3DCCD1}">
-              <a14:hiddenFill xmlns:a14="http://schemas.microsoft.com/office/drawing/2010/main">
+              <a14:hiddenFill xmlns:a14="http://schemas.microsoft.com/office/drawing/2010/main" xmlns="">
                 <a:solidFill>
                   <a:srgbClr val="FFFFFF"/>
                 </a:solidFill>
@@ -6564,7 +6564,7 @@
           <a:blip r:embed="rId11" cstate="print">
             <a:extLst>
               <a:ext uri="{28A0092B-C50C-407E-A947-70E740481C1C}">
-                <a14:useLocalDpi xmlns:a14="http://schemas.microsoft.com/office/drawing/2010/main" val="0"/>
+                <a14:useLocalDpi xmlns:a14="http://schemas.microsoft.com/office/drawing/2010/main" xmlns="" val="0"/>
               </a:ext>
             </a:extLst>
           </a:blip>
@@ -6584,7 +6584,7 @@
           <a:noFill/>
           <a:extLst>
             <a:ext uri="{909E8E84-426E-40DD-AFC4-6F175D3DCCD1}">
-              <a14:hiddenFill xmlns:a14="http://schemas.microsoft.com/office/drawing/2010/main">
+              <a14:hiddenFill xmlns:a14="http://schemas.microsoft.com/office/drawing/2010/main" xmlns="">
                 <a:solidFill>
                   <a:srgbClr val="FFFFFF"/>
                 </a:solidFill>
@@ -6857,7 +6857,7 @@
           <a:noFill/>
           <a:extLst>
             <a:ext uri="{909E8E84-426E-40DD-AFC4-6F175D3DCCD1}">
-              <a14:hiddenFill xmlns:a14="http://schemas.microsoft.com/office/drawing/2010/main">
+              <a14:hiddenFill xmlns:a14="http://schemas.microsoft.com/office/drawing/2010/main" xmlns="">
                 <a:solidFill>
                   <a:srgbClr val="FFFFFF"/>
                 </a:solidFill>
@@ -6896,7 +6896,7 @@
           <a:noFill/>
           <a:extLst>
             <a:ext uri="{909E8E84-426E-40DD-AFC4-6F175D3DCCD1}">
-              <a14:hiddenFill xmlns:a14="http://schemas.microsoft.com/office/drawing/2010/main">
+              <a14:hiddenFill xmlns:a14="http://schemas.microsoft.com/office/drawing/2010/main" xmlns="">
                 <a:solidFill>
                   <a:srgbClr val="FFFFFF"/>
                 </a:solidFill>
@@ -6928,7 +6928,7 @@
           <a:blip r:embed="rId12" cstate="print">
             <a:extLst>
               <a:ext uri="{28A0092B-C50C-407E-A947-70E740481C1C}">
-                <a14:useLocalDpi xmlns:a14="http://schemas.microsoft.com/office/drawing/2010/main" val="0"/>
+                <a14:useLocalDpi xmlns:a14="http://schemas.microsoft.com/office/drawing/2010/main" xmlns="" val="0"/>
               </a:ext>
             </a:extLst>
           </a:blip>
@@ -6948,7 +6948,7 @@
           <a:noFill/>
           <a:extLst>
             <a:ext uri="{909E8E84-426E-40DD-AFC4-6F175D3DCCD1}">
-              <a14:hiddenFill xmlns:a14="http://schemas.microsoft.com/office/drawing/2010/main">
+              <a14:hiddenFill xmlns:a14="http://schemas.microsoft.com/office/drawing/2010/main" xmlns="">
                 <a:solidFill>
                   <a:srgbClr val="FFFFFF"/>
                 </a:solidFill>
@@ -7069,7 +7069,7 @@
           <a:blip r:embed="rId10" cstate="print">
             <a:extLst>
               <a:ext uri="{28A0092B-C50C-407E-A947-70E740481C1C}">
-                <a14:useLocalDpi xmlns:a14="http://schemas.microsoft.com/office/drawing/2010/main" val="0"/>
+                <a14:useLocalDpi xmlns:a14="http://schemas.microsoft.com/office/drawing/2010/main" xmlns="" val="0"/>
               </a:ext>
             </a:extLst>
           </a:blip>
@@ -7089,7 +7089,7 @@
           <a:noFill/>
           <a:extLst>
             <a:ext uri="{909E8E84-426E-40DD-AFC4-6F175D3DCCD1}">
-              <a14:hiddenFill xmlns:a14="http://schemas.microsoft.com/office/drawing/2010/main">
+              <a14:hiddenFill xmlns:a14="http://schemas.microsoft.com/office/drawing/2010/main" xmlns="">
                 <a:solidFill>
                   <a:srgbClr val="FFFFFF"/>
                 </a:solidFill>
@@ -7110,7 +7110,7 @@
           <a:blip r:embed="rId10" cstate="print">
             <a:extLst>
               <a:ext uri="{28A0092B-C50C-407E-A947-70E740481C1C}">
-                <a14:useLocalDpi xmlns:a14="http://schemas.microsoft.com/office/drawing/2010/main" val="0"/>
+                <a14:useLocalDpi xmlns:a14="http://schemas.microsoft.com/office/drawing/2010/main" xmlns="" val="0"/>
               </a:ext>
             </a:extLst>
           </a:blip>
@@ -7130,7 +7130,7 @@
           <a:noFill/>
           <a:extLst>
             <a:ext uri="{909E8E84-426E-40DD-AFC4-6F175D3DCCD1}">
-              <a14:hiddenFill xmlns:a14="http://schemas.microsoft.com/office/drawing/2010/main">
+              <a14:hiddenFill xmlns:a14="http://schemas.microsoft.com/office/drawing/2010/main" xmlns="">
                 <a:solidFill>
                   <a:srgbClr val="FFFFFF"/>
                 </a:solidFill>
@@ -7151,7 +7151,7 @@
           <a:blip r:embed="rId10" cstate="print">
             <a:extLst>
               <a:ext uri="{28A0092B-C50C-407E-A947-70E740481C1C}">
-                <a14:useLocalDpi xmlns:a14="http://schemas.microsoft.com/office/drawing/2010/main" val="0"/>
+                <a14:useLocalDpi xmlns:a14="http://schemas.microsoft.com/office/drawing/2010/main" xmlns="" val="0"/>
               </a:ext>
             </a:extLst>
           </a:blip>
@@ -7171,7 +7171,7 @@
           <a:noFill/>
           <a:extLst>
             <a:ext uri="{909E8E84-426E-40DD-AFC4-6F175D3DCCD1}">
-              <a14:hiddenFill xmlns:a14="http://schemas.microsoft.com/office/drawing/2010/main">
+              <a14:hiddenFill xmlns:a14="http://schemas.microsoft.com/office/drawing/2010/main" xmlns="">
                 <a:solidFill>
                   <a:srgbClr val="FFFFFF"/>
                 </a:solidFill>
@@ -7192,7 +7192,7 @@
           <a:blip r:embed="rId10" cstate="print">
             <a:extLst>
               <a:ext uri="{28A0092B-C50C-407E-A947-70E740481C1C}">
-                <a14:useLocalDpi xmlns:a14="http://schemas.microsoft.com/office/drawing/2010/main" val="0"/>
+                <a14:useLocalDpi xmlns:a14="http://schemas.microsoft.com/office/drawing/2010/main" xmlns="" val="0"/>
               </a:ext>
             </a:extLst>
           </a:blip>
@@ -7212,7 +7212,7 @@
           <a:noFill/>
           <a:extLst>
             <a:ext uri="{909E8E84-426E-40DD-AFC4-6F175D3DCCD1}">
-              <a14:hiddenFill xmlns:a14="http://schemas.microsoft.com/office/drawing/2010/main">
+              <a14:hiddenFill xmlns:a14="http://schemas.microsoft.com/office/drawing/2010/main" xmlns="">
                 <a:solidFill>
                   <a:srgbClr val="FFFFFF"/>
                 </a:solidFill>
@@ -7381,7 +7381,7 @@
           <a:blip r:embed="rId13" cstate="print">
             <a:extLst>
               <a:ext uri="{28A0092B-C50C-407E-A947-70E740481C1C}">
-                <a14:useLocalDpi xmlns:a14="http://schemas.microsoft.com/office/drawing/2010/main" val="0"/>
+                <a14:useLocalDpi xmlns:a14="http://schemas.microsoft.com/office/drawing/2010/main" xmlns="" val="0"/>
               </a:ext>
             </a:extLst>
           </a:blip>
@@ -7401,7 +7401,7 @@
           <a:noFill/>
           <a:extLst>
             <a:ext uri="{909E8E84-426E-40DD-AFC4-6F175D3DCCD1}">
-              <a14:hiddenFill xmlns:a14="http://schemas.microsoft.com/office/drawing/2010/main">
+              <a14:hiddenFill xmlns:a14="http://schemas.microsoft.com/office/drawing/2010/main" xmlns="">
                 <a:solidFill>
                   <a:srgbClr val="FFFFFF"/>
                 </a:solidFill>
@@ -7517,7 +7517,7 @@
     </p:spTree>
     <p:extLst>
       <p:ext uri="{BB962C8B-B14F-4D97-AF65-F5344CB8AC3E}">
-        <p14:creationId xmlns:p14="http://schemas.microsoft.com/office/powerpoint/2010/main" val="4006115353"/>
+        <p14:creationId xmlns:p14="http://schemas.microsoft.com/office/powerpoint/2010/main" xmlns="" val="4006115353"/>
       </p:ext>
     </p:extLst>
   </p:cSld>
@@ -7553,20 +7553,14 @@
       </p:grpSpPr>
       <p:pic>
         <p:nvPicPr>
-          <p:cNvPr id="1026" name="Picture 2" descr="C:\sources\plaatsoft\plaatprotect.git\screenshots\home-page-screenshot.jpg"/>
+          <p:cNvPr id="2" name="Picture 2"/>
           <p:cNvPicPr>
             <a:picLocks noChangeAspect="1" noChangeArrowheads="1"/>
           </p:cNvPicPr>
           <p:nvPr/>
         </p:nvPicPr>
         <p:blipFill>
-          <a:blip r:embed="rId2">
-            <a:extLst>
-              <a:ext uri="{28A0092B-C50C-407E-A947-70E740481C1C}">
-                <a14:useLocalDpi xmlns:a14="http://schemas.microsoft.com/office/drawing/2010/main" val="0"/>
-              </a:ext>
-            </a:extLst>
-          </a:blip>
+          <a:blip r:embed="rId2" cstate="print"/>
           <a:srcRect/>
           <a:stretch>
             <a:fillRect/>
@@ -7574,28 +7568,25 @@
         </p:blipFill>
         <p:spPr bwMode="auto">
           <a:xfrm>
-            <a:off x="179512" y="134634"/>
-            <a:ext cx="8712968" cy="6534726"/>
-          </a:xfrm>
-          <a:prstGeom prst="rect">
-            <a:avLst/>
-          </a:prstGeom>
-          <a:noFill/>
-          <a:extLst>
-            <a:ext uri="{909E8E84-426E-40DD-AFC4-6F175D3DCCD1}">
-              <a14:hiddenFill xmlns:a14="http://schemas.microsoft.com/office/drawing/2010/main">
-                <a:solidFill>
-                  <a:srgbClr val="FFFFFF"/>
-                </a:solidFill>
-              </a14:hiddenFill>
-            </a:ext>
-          </a:extLst>
+            <a:off x="179512" y="188640"/>
+            <a:ext cx="8705850" cy="6480720"/>
+          </a:xfrm>
+          <a:prstGeom prst="rect">
+            <a:avLst/>
+          </a:prstGeom>
+          <a:noFill/>
+          <a:ln w="9525">
+            <a:noFill/>
+            <a:miter lim="800000"/>
+            <a:headEnd/>
+            <a:tailEnd/>
+          </a:ln>
         </p:spPr>
       </p:pic>
     </p:spTree>
     <p:extLst>
       <p:ext uri="{BB962C8B-B14F-4D97-AF65-F5344CB8AC3E}">
-        <p14:creationId xmlns:p14="http://schemas.microsoft.com/office/powerpoint/2010/main" val="3825243507"/>
+        <p14:creationId xmlns:p14="http://schemas.microsoft.com/office/powerpoint/2010/main" xmlns="" val="3825243507"/>
       </p:ext>
     </p:extLst>
   </p:cSld>
@@ -7638,10 +7629,10 @@
           <p:nvPr/>
         </p:nvPicPr>
         <p:blipFill>
-          <a:blip r:embed="rId2">
+          <a:blip r:embed="rId2" cstate="print">
             <a:extLst>
               <a:ext uri="{28A0092B-C50C-407E-A947-70E740481C1C}">
-                <a14:useLocalDpi xmlns:a14="http://schemas.microsoft.com/office/drawing/2010/main" val="0"/>
+                <a14:useLocalDpi xmlns:a14="http://schemas.microsoft.com/office/drawing/2010/main" xmlns="" val="0"/>
               </a:ext>
             </a:extLst>
           </a:blip>
@@ -7664,14 +7655,14 @@
           </a:ln>
           <a:extLst>
             <a:ext uri="{909E8E84-426E-40DD-AFC4-6F175D3DCCD1}">
-              <a14:hiddenFill xmlns:a14="http://schemas.microsoft.com/office/drawing/2010/main">
+              <a14:hiddenFill xmlns:a14="http://schemas.microsoft.com/office/drawing/2010/main" xmlns="">
                 <a:solidFill>
                   <a:schemeClr val="accent1"/>
                 </a:solidFill>
               </a14:hiddenFill>
             </a:ext>
             <a:ext uri="{91240B29-F687-4F45-9708-019B960494DF}">
-              <a14:hiddenLine xmlns:a14="http://schemas.microsoft.com/office/drawing/2010/main" w="9525">
+              <a14:hiddenLine xmlns:a14="http://schemas.microsoft.com/office/drawing/2010/main" xmlns="" w="9525">
                 <a:solidFill>
                   <a:schemeClr val="tx1"/>
                 </a:solidFill>
@@ -7686,7 +7677,7 @@
     </p:spTree>
     <p:extLst>
       <p:ext uri="{BB962C8B-B14F-4D97-AF65-F5344CB8AC3E}">
-        <p14:creationId xmlns:p14="http://schemas.microsoft.com/office/powerpoint/2010/main" val="2630413852"/>
+        <p14:creationId xmlns:p14="http://schemas.microsoft.com/office/powerpoint/2010/main" xmlns="" val="2630413852"/>
       </p:ext>
     </p:extLst>
   </p:cSld>
@@ -7722,20 +7713,14 @@
       </p:grpSpPr>
       <p:pic>
         <p:nvPicPr>
-          <p:cNvPr id="1026" name="Picture 2"/>
+          <p:cNvPr id="3074" name="Picture 2"/>
           <p:cNvPicPr>
             <a:picLocks noChangeAspect="1" noChangeArrowheads="1"/>
           </p:cNvPicPr>
           <p:nvPr/>
         </p:nvPicPr>
         <p:blipFill>
-          <a:blip r:embed="rId2">
-            <a:extLst>
-              <a:ext uri="{28A0092B-C50C-407E-A947-70E740481C1C}">
-                <a14:useLocalDpi xmlns:a14="http://schemas.microsoft.com/office/drawing/2010/main" val="0"/>
-              </a:ext>
-            </a:extLst>
-          </a:blip>
+          <a:blip r:embed="rId2" cstate="print"/>
           <a:srcRect/>
           <a:stretch>
             <a:fillRect/>
@@ -7743,41 +7728,25 @@
         </p:blipFill>
         <p:spPr bwMode="auto">
           <a:xfrm>
-            <a:off x="179512" y="211328"/>
-            <a:ext cx="8743702" cy="6458032"/>
-          </a:xfrm>
-          <a:prstGeom prst="rect">
-            <a:avLst/>
-          </a:prstGeom>
-          <a:noFill/>
-          <a:ln>
+            <a:off x="179512" y="188640"/>
+            <a:ext cx="8784976" cy="6480720"/>
+          </a:xfrm>
+          <a:prstGeom prst="rect">
+            <a:avLst/>
+          </a:prstGeom>
+          <a:noFill/>
+          <a:ln w="9525">
             <a:noFill/>
+            <a:miter lim="800000"/>
+            <a:headEnd/>
+            <a:tailEnd/>
           </a:ln>
-          <a:extLst>
-            <a:ext uri="{909E8E84-426E-40DD-AFC4-6F175D3DCCD1}">
-              <a14:hiddenFill xmlns:a14="http://schemas.microsoft.com/office/drawing/2010/main">
-                <a:solidFill>
-                  <a:schemeClr val="accent1"/>
-                </a:solidFill>
-              </a14:hiddenFill>
-            </a:ext>
-            <a:ext uri="{91240B29-F687-4F45-9708-019B960494DF}">
-              <a14:hiddenLine xmlns:a14="http://schemas.microsoft.com/office/drawing/2010/main" w="9525">
-                <a:solidFill>
-                  <a:schemeClr val="tx1"/>
-                </a:solidFill>
-                <a:miter lim="800000"/>
-                <a:headEnd/>
-                <a:tailEnd/>
-              </a14:hiddenLine>
-            </a:ext>
-          </a:extLst>
         </p:spPr>
       </p:pic>
     </p:spTree>
     <p:extLst>
       <p:ext uri="{BB962C8B-B14F-4D97-AF65-F5344CB8AC3E}">
-        <p14:creationId xmlns:p14="http://schemas.microsoft.com/office/powerpoint/2010/main" val="1523747780"/>
+        <p14:creationId xmlns:p14="http://schemas.microsoft.com/office/powerpoint/2010/main" xmlns="" val="1523747780"/>
       </p:ext>
     </p:extLst>
   </p:cSld>
@@ -7813,20 +7782,14 @@
       </p:grpSpPr>
       <p:pic>
         <p:nvPicPr>
-          <p:cNvPr id="2" name="Picture 2"/>
+          <p:cNvPr id="3" name="Picture 2"/>
           <p:cNvPicPr>
             <a:picLocks noChangeAspect="1" noChangeArrowheads="1"/>
           </p:cNvPicPr>
           <p:nvPr/>
         </p:nvPicPr>
         <p:blipFill>
-          <a:blip r:embed="rId2">
-            <a:extLst>
-              <a:ext uri="{28A0092B-C50C-407E-A947-70E740481C1C}">
-                <a14:useLocalDpi xmlns:a14="http://schemas.microsoft.com/office/drawing/2010/main" val="0"/>
-              </a:ext>
-            </a:extLst>
-          </a:blip>
+          <a:blip r:embed="rId2" cstate="print"/>
           <a:srcRect/>
           <a:stretch>
             <a:fillRect/>
@@ -7834,41 +7797,25 @@
         </p:blipFill>
         <p:spPr bwMode="auto">
           <a:xfrm>
-            <a:off x="179513" y="130040"/>
-            <a:ext cx="8784976" cy="6597921"/>
-          </a:xfrm>
-          <a:prstGeom prst="rect">
-            <a:avLst/>
-          </a:prstGeom>
-          <a:noFill/>
-          <a:ln>
+            <a:off x="179512" y="188640"/>
+            <a:ext cx="8784976" cy="6480720"/>
+          </a:xfrm>
+          <a:prstGeom prst="rect">
+            <a:avLst/>
+          </a:prstGeom>
+          <a:noFill/>
+          <a:ln w="9525">
             <a:noFill/>
+            <a:miter lim="800000"/>
+            <a:headEnd/>
+            <a:tailEnd/>
           </a:ln>
-          <a:extLst>
-            <a:ext uri="{909E8E84-426E-40DD-AFC4-6F175D3DCCD1}">
-              <a14:hiddenFill xmlns:a14="http://schemas.microsoft.com/office/drawing/2010/main">
-                <a:solidFill>
-                  <a:schemeClr val="accent1"/>
-                </a:solidFill>
-              </a14:hiddenFill>
-            </a:ext>
-            <a:ext uri="{91240B29-F687-4F45-9708-019B960494DF}">
-              <a14:hiddenLine xmlns:a14="http://schemas.microsoft.com/office/drawing/2010/main" w="9525">
-                <a:solidFill>
-                  <a:schemeClr val="tx1"/>
-                </a:solidFill>
-                <a:miter lim="800000"/>
-                <a:headEnd/>
-                <a:tailEnd/>
-              </a14:hiddenLine>
-            </a:ext>
-          </a:extLst>
         </p:spPr>
       </p:pic>
     </p:spTree>
     <p:extLst>
       <p:ext uri="{BB962C8B-B14F-4D97-AF65-F5344CB8AC3E}">
-        <p14:creationId xmlns:p14="http://schemas.microsoft.com/office/powerpoint/2010/main" val="3149831481"/>
+        <p14:creationId xmlns:p14="http://schemas.microsoft.com/office/powerpoint/2010/main" xmlns="" val="3149831481"/>
       </p:ext>
     </p:extLst>
   </p:cSld>
@@ -7904,20 +7851,14 @@
       </p:grpSpPr>
       <p:pic>
         <p:nvPicPr>
-          <p:cNvPr id="4098" name="Picture 2" descr="C:\sources\plaatsoft\plaatprotect.git\screenshots\notification-page-screenshot.jpg"/>
+          <p:cNvPr id="2051" name="Picture 3"/>
           <p:cNvPicPr>
             <a:picLocks noChangeAspect="1" noChangeArrowheads="1"/>
           </p:cNvPicPr>
           <p:nvPr/>
         </p:nvPicPr>
         <p:blipFill>
-          <a:blip r:embed="rId2">
-            <a:extLst>
-              <a:ext uri="{28A0092B-C50C-407E-A947-70E740481C1C}">
-                <a14:useLocalDpi xmlns:a14="http://schemas.microsoft.com/office/drawing/2010/main" val="0"/>
-              </a:ext>
-            </a:extLst>
-          </a:blip>
+          <a:blip r:embed="rId2" cstate="print"/>
           <a:srcRect/>
           <a:stretch>
             <a:fillRect/>
@@ -7925,28 +7866,25 @@
         </p:blipFill>
         <p:spPr bwMode="auto">
           <a:xfrm>
-            <a:off x="189278" y="188639"/>
-            <a:ext cx="8703202" cy="6482031"/>
-          </a:xfrm>
-          <a:prstGeom prst="rect">
-            <a:avLst/>
-          </a:prstGeom>
-          <a:noFill/>
-          <a:extLst>
-            <a:ext uri="{909E8E84-426E-40DD-AFC4-6F175D3DCCD1}">
-              <a14:hiddenFill xmlns:a14="http://schemas.microsoft.com/office/drawing/2010/main">
-                <a:solidFill>
-                  <a:srgbClr val="FFFFFF"/>
-                </a:solidFill>
-              </a14:hiddenFill>
-            </a:ext>
-          </a:extLst>
+            <a:off x="179512" y="188640"/>
+            <a:ext cx="8784976" cy="6480720"/>
+          </a:xfrm>
+          <a:prstGeom prst="rect">
+            <a:avLst/>
+          </a:prstGeom>
+          <a:noFill/>
+          <a:ln w="9525">
+            <a:noFill/>
+            <a:miter lim="800000"/>
+            <a:headEnd/>
+            <a:tailEnd/>
+          </a:ln>
         </p:spPr>
       </p:pic>
     </p:spTree>
     <p:extLst>
       <p:ext uri="{BB962C8B-B14F-4D97-AF65-F5344CB8AC3E}">
-        <p14:creationId xmlns:p14="http://schemas.microsoft.com/office/powerpoint/2010/main" val="3119168931"/>
+        <p14:creationId xmlns:p14="http://schemas.microsoft.com/office/powerpoint/2010/main" xmlns="" val="3119168931"/>
       </p:ext>
     </p:extLst>
   </p:cSld>
@@ -8032,15 +7970,7 @@
           <a:p>
             <a:r>
               <a:rPr lang="en-US" dirty="0" smtClean="0"/>
-              <a:t>My family and house </a:t>
-            </a:r>
-            <a:r>
-              <a:rPr lang="en-US" dirty="0" smtClean="0"/>
-              <a:t>are “better” </a:t>
-            </a:r>
-            <a:r>
-              <a:rPr lang="en-US" dirty="0" smtClean="0"/>
-              <a:t>protected against burglars</a:t>
+              <a:t>My family and house are “better” protected against burglars</a:t>
             </a:r>
           </a:p>
           <a:p>
@@ -8071,50 +8001,20 @@
               <a:rPr lang="en-US" dirty="0" smtClean="0">
                 <a:sym typeface="Wingdings" panose="05000000000000000000" pitchFamily="2" charset="2"/>
               </a:rPr>
-              <a:t>Learned a lot about Z-Wave </a:t>
-            </a:r>
+              <a:t>Learned a lot about Z-Wave protocol. Z-Wave protocol specification is not public </a:t>
+            </a:r>
+          </a:p>
+          <a:p>
+            <a:endParaRPr lang="en-US" dirty="0">
+              <a:sym typeface="Wingdings" panose="05000000000000000000" pitchFamily="2" charset="2"/>
+            </a:endParaRPr>
+          </a:p>
+          <a:p>
             <a:r>
               <a:rPr lang="en-US" dirty="0" smtClean="0">
                 <a:sym typeface="Wingdings" panose="05000000000000000000" pitchFamily="2" charset="2"/>
               </a:rPr>
-              <a:t>protocol. Z-Wave protocol specification is not public </a:t>
-            </a:r>
-          </a:p>
-          <a:p>
-            <a:endParaRPr lang="en-US" dirty="0">
-              <a:sym typeface="Wingdings" panose="05000000000000000000" pitchFamily="2" charset="2"/>
-            </a:endParaRPr>
-          </a:p>
-          <a:p>
-            <a:r>
-              <a:rPr lang="en-US" dirty="0" smtClean="0">
-                <a:sym typeface="Wingdings" panose="05000000000000000000" pitchFamily="2" charset="2"/>
-              </a:rPr>
-              <a:t>Google </a:t>
-            </a:r>
-            <a:r>
-              <a:rPr lang="en-US" dirty="0" smtClean="0">
-                <a:sym typeface="Wingdings" panose="05000000000000000000" pitchFamily="2" charset="2"/>
-              </a:rPr>
-              <a:t>Nest </a:t>
-            </a:r>
-            <a:r>
-              <a:rPr lang="en-US" dirty="0" smtClean="0">
-                <a:sym typeface="Wingdings" panose="05000000000000000000" pitchFamily="2" charset="2"/>
-              </a:rPr>
-              <a:t>Protect </a:t>
-            </a:r>
-            <a:r>
-              <a:rPr lang="en-US" dirty="0" smtClean="0">
-                <a:sym typeface="Wingdings" panose="05000000000000000000" pitchFamily="2" charset="2"/>
-              </a:rPr>
-              <a:t>Z</a:t>
-            </a:r>
-            <a:r>
-              <a:rPr lang="en-US" dirty="0" smtClean="0">
-                <a:sym typeface="Wingdings" panose="05000000000000000000" pitchFamily="2" charset="2"/>
-              </a:rPr>
-              <a:t>igbee integration not possible. Only web service integration possible </a:t>
+              <a:t>Google Nest Protect Zigbee integration not possible. Only web service integration possible </a:t>
             </a:r>
           </a:p>
           <a:p>
@@ -8154,7 +8054,7 @@
     </p:spTree>
     <p:extLst>
       <p:ext uri="{BB962C8B-B14F-4D97-AF65-F5344CB8AC3E}">
-        <p14:creationId xmlns:p14="http://schemas.microsoft.com/office/powerpoint/2010/main" val="940068900"/>
+        <p14:creationId xmlns:p14="http://schemas.microsoft.com/office/powerpoint/2010/main" xmlns="" val="940068900"/>
       </p:ext>
     </p:extLst>
   </p:cSld>
@@ -8466,7 +8366,7 @@
     </p:spTree>
     <p:extLst>
       <p:ext uri="{BB962C8B-B14F-4D97-AF65-F5344CB8AC3E}">
-        <p14:creationId xmlns:p14="http://schemas.microsoft.com/office/powerpoint/2010/main" val="3179312057"/>
+        <p14:creationId xmlns:p14="http://schemas.microsoft.com/office/powerpoint/2010/main" xmlns="" val="3179312057"/>
       </p:ext>
     </p:extLst>
   </p:cSld>
@@ -8578,7 +8478,7 @@
           <a:blip r:embed="rId2" cstate="print">
             <a:extLst>
               <a:ext uri="{28A0092B-C50C-407E-A947-70E740481C1C}">
-                <a14:useLocalDpi xmlns:a14="http://schemas.microsoft.com/office/drawing/2010/main" val="0"/>
+                <a14:useLocalDpi xmlns:a14="http://schemas.microsoft.com/office/drawing/2010/main" xmlns="" val="0"/>
               </a:ext>
             </a:extLst>
           </a:blip>
@@ -8601,14 +8501,14 @@
           </a:ln>
           <a:extLst>
             <a:ext uri="{909E8E84-426E-40DD-AFC4-6F175D3DCCD1}">
-              <a14:hiddenFill xmlns:a14="http://schemas.microsoft.com/office/drawing/2010/main">
+              <a14:hiddenFill xmlns:a14="http://schemas.microsoft.com/office/drawing/2010/main" xmlns="">
                 <a:solidFill>
                   <a:schemeClr val="accent1"/>
                 </a:solidFill>
               </a14:hiddenFill>
             </a:ext>
             <a:ext uri="{91240B29-F687-4F45-9708-019B960494DF}">
-              <a14:hiddenLine xmlns:a14="http://schemas.microsoft.com/office/drawing/2010/main" w="9525">
+              <a14:hiddenLine xmlns:a14="http://schemas.microsoft.com/office/drawing/2010/main" xmlns="" w="9525">
                 <a:solidFill>
                   <a:schemeClr val="tx1"/>
                 </a:solidFill>
@@ -8623,7 +8523,7 @@
     </p:spTree>
     <p:extLst>
       <p:ext uri="{BB962C8B-B14F-4D97-AF65-F5344CB8AC3E}">
-        <p14:creationId xmlns:p14="http://schemas.microsoft.com/office/powerpoint/2010/main" val="1402062280"/>
+        <p14:creationId xmlns:p14="http://schemas.microsoft.com/office/powerpoint/2010/main" xmlns="" val="1402062280"/>
       </p:ext>
     </p:extLst>
   </p:cSld>
@@ -8709,14 +8609,24 @@
           <a:p>
             <a:r>
               <a:rPr lang="en-US" sz="2800" dirty="0" smtClean="0"/>
-              <a:t>Lets create an application which detect movement &amp; fire in my house and activate the necessary counter measure.</a:t>
-            </a:r>
-          </a:p>
-          <a:p>
+              <a:t>Lets create an application which detect movement &amp; fire in my house and activate the necessary counter </a:t>
+            </a:r>
             <a:r>
               <a:rPr lang="en-US" sz="2800" dirty="0" smtClean="0"/>
-              <a:t>Web enabled</a:t>
-            </a:r>
+              <a:t>measure(s).</a:t>
+            </a:r>
+            <a:endParaRPr lang="en-US" sz="2800" dirty="0" smtClean="0"/>
+          </a:p>
+          <a:p>
+            <a:r>
+              <a:rPr lang="en-US" sz="2800" dirty="0" smtClean="0"/>
+              <a:t>Web </a:t>
+            </a:r>
+            <a:r>
+              <a:rPr lang="en-US" sz="2800" dirty="0" err="1" smtClean="0"/>
+              <a:t>Gui</a:t>
+            </a:r>
+            <a:endParaRPr lang="en-US" sz="2800" dirty="0" smtClean="0"/>
           </a:p>
           <a:p>
             <a:r>
@@ -8750,7 +8660,7 @@
           <a:blip r:embed="rId2" cstate="print">
             <a:extLst>
               <a:ext uri="{28A0092B-C50C-407E-A947-70E740481C1C}">
-                <a14:useLocalDpi xmlns:a14="http://schemas.microsoft.com/office/drawing/2010/main" val="0"/>
+                <a14:useLocalDpi xmlns:a14="http://schemas.microsoft.com/office/drawing/2010/main" xmlns="" val="0"/>
               </a:ext>
             </a:extLst>
           </a:blip>
@@ -8773,14 +8683,14 @@
           </a:ln>
           <a:extLst>
             <a:ext uri="{909E8E84-426E-40DD-AFC4-6F175D3DCCD1}">
-              <a14:hiddenFill xmlns:a14="http://schemas.microsoft.com/office/drawing/2010/main">
+              <a14:hiddenFill xmlns:a14="http://schemas.microsoft.com/office/drawing/2010/main" xmlns="">
                 <a:solidFill>
                   <a:schemeClr val="accent1"/>
                 </a:solidFill>
               </a14:hiddenFill>
             </a:ext>
             <a:ext uri="{91240B29-F687-4F45-9708-019B960494DF}">
-              <a14:hiddenLine xmlns:a14="http://schemas.microsoft.com/office/drawing/2010/main" w="9525">
+              <a14:hiddenLine xmlns:a14="http://schemas.microsoft.com/office/drawing/2010/main" xmlns="" w="9525">
                 <a:solidFill>
                   <a:schemeClr val="tx1"/>
                 </a:solidFill>
@@ -8804,7 +8714,7 @@
           <a:blip r:embed="rId3" cstate="print">
             <a:extLst>
               <a:ext uri="{28A0092B-C50C-407E-A947-70E740481C1C}">
-                <a14:useLocalDpi xmlns:a14="http://schemas.microsoft.com/office/drawing/2010/main" val="0"/>
+                <a14:useLocalDpi xmlns:a14="http://schemas.microsoft.com/office/drawing/2010/main" xmlns="" val="0"/>
               </a:ext>
             </a:extLst>
           </a:blip>
@@ -8827,14 +8737,14 @@
           </a:ln>
           <a:extLst>
             <a:ext uri="{909E8E84-426E-40DD-AFC4-6F175D3DCCD1}">
-              <a14:hiddenFill xmlns:a14="http://schemas.microsoft.com/office/drawing/2010/main">
+              <a14:hiddenFill xmlns:a14="http://schemas.microsoft.com/office/drawing/2010/main" xmlns="">
                 <a:solidFill>
                   <a:schemeClr val="accent1"/>
                 </a:solidFill>
               </a14:hiddenFill>
             </a:ext>
             <a:ext uri="{91240B29-F687-4F45-9708-019B960494DF}">
-              <a14:hiddenLine xmlns:a14="http://schemas.microsoft.com/office/drawing/2010/main" w="9525">
+              <a14:hiddenLine xmlns:a14="http://schemas.microsoft.com/office/drawing/2010/main" xmlns="" w="9525">
                 <a:solidFill>
                   <a:schemeClr val="tx1"/>
                 </a:solidFill>
@@ -8849,7 +8759,7 @@
     </p:spTree>
     <p:extLst>
       <p:ext uri="{BB962C8B-B14F-4D97-AF65-F5344CB8AC3E}">
-        <p14:creationId xmlns:p14="http://schemas.microsoft.com/office/powerpoint/2010/main" val="643864294"/>
+        <p14:creationId xmlns:p14="http://schemas.microsoft.com/office/powerpoint/2010/main" xmlns="" val="643864294"/>
       </p:ext>
     </p:extLst>
   </p:cSld>
@@ -9063,7 +8973,7 @@
           <a:noFill/>
           <a:extLst>
             <a:ext uri="{909E8E84-426E-40DD-AFC4-6F175D3DCCD1}">
-              <a14:hiddenFill xmlns:a14="http://schemas.microsoft.com/office/drawing/2010/main">
+              <a14:hiddenFill xmlns:a14="http://schemas.microsoft.com/office/drawing/2010/main" xmlns="">
                 <a:solidFill>
                   <a:srgbClr val="FFFFFF"/>
                 </a:solidFill>
@@ -9102,7 +9012,7 @@
           <a:noFill/>
           <a:extLst>
             <a:ext uri="{909E8E84-426E-40DD-AFC4-6F175D3DCCD1}">
-              <a14:hiddenFill xmlns:a14="http://schemas.microsoft.com/office/drawing/2010/main">
+              <a14:hiddenFill xmlns:a14="http://schemas.microsoft.com/office/drawing/2010/main" xmlns="">
                 <a:solidFill>
                   <a:srgbClr val="FFFFFF"/>
                 </a:solidFill>
@@ -9141,7 +9051,7 @@
           <a:noFill/>
           <a:extLst>
             <a:ext uri="{909E8E84-426E-40DD-AFC4-6F175D3DCCD1}">
-              <a14:hiddenFill xmlns:a14="http://schemas.microsoft.com/office/drawing/2010/main">
+              <a14:hiddenFill xmlns:a14="http://schemas.microsoft.com/office/drawing/2010/main" xmlns="">
                 <a:solidFill>
                   <a:srgbClr val="FFFFFF"/>
                 </a:solidFill>
@@ -9180,7 +9090,7 @@
           <a:noFill/>
           <a:extLst>
             <a:ext uri="{909E8E84-426E-40DD-AFC4-6F175D3DCCD1}">
-              <a14:hiddenFill xmlns:a14="http://schemas.microsoft.com/office/drawing/2010/main">
+              <a14:hiddenFill xmlns:a14="http://schemas.microsoft.com/office/drawing/2010/main" xmlns="">
                 <a:solidFill>
                   <a:srgbClr val="FFFFFF"/>
                 </a:solidFill>
@@ -9200,60 +9110,6 @@
           </a:p>
         </p:txBody>
       </p:sp>
-      <p:pic>
-        <p:nvPicPr>
-          <p:cNvPr id="7170" name="Picture 2"/>
-          <p:cNvPicPr>
-            <a:picLocks noChangeAspect="1" noChangeArrowheads="1"/>
-          </p:cNvPicPr>
-          <p:nvPr/>
-        </p:nvPicPr>
-        <p:blipFill>
-          <a:blip r:embed="rId2" cstate="print">
-            <a:extLst>
-              <a:ext uri="{28A0092B-C50C-407E-A947-70E740481C1C}">
-                <a14:useLocalDpi xmlns:a14="http://schemas.microsoft.com/office/drawing/2010/main" val="0"/>
-              </a:ext>
-            </a:extLst>
-          </a:blip>
-          <a:srcRect/>
-          <a:stretch>
-            <a:fillRect/>
-          </a:stretch>
-        </p:blipFill>
-        <p:spPr bwMode="auto">
-          <a:xfrm rot="19395097">
-            <a:off x="6121744" y="5123823"/>
-            <a:ext cx="2537232" cy="727659"/>
-          </a:xfrm>
-          <a:prstGeom prst="rect">
-            <a:avLst/>
-          </a:prstGeom>
-          <a:noFill/>
-          <a:ln>
-            <a:noFill/>
-          </a:ln>
-          <a:extLst>
-            <a:ext uri="{909E8E84-426E-40DD-AFC4-6F175D3DCCD1}">
-              <a14:hiddenFill xmlns:a14="http://schemas.microsoft.com/office/drawing/2010/main">
-                <a:solidFill>
-                  <a:schemeClr val="accent1"/>
-                </a:solidFill>
-              </a14:hiddenFill>
-            </a:ext>
-            <a:ext uri="{91240B29-F687-4F45-9708-019B960494DF}">
-              <a14:hiddenLine xmlns:a14="http://schemas.microsoft.com/office/drawing/2010/main" w="9525">
-                <a:solidFill>
-                  <a:schemeClr val="tx1"/>
-                </a:solidFill>
-                <a:miter lim="800000"/>
-                <a:headEnd/>
-                <a:tailEnd/>
-              </a14:hiddenLine>
-            </a:ext>
-          </a:extLst>
-        </p:spPr>
-      </p:pic>
     </p:spTree>
   </p:cSld>
   <p:clrMapOvr>
@@ -10427,7 +10283,7 @@
     </p:spTree>
     <p:extLst>
       <p:ext uri="{BB962C8B-B14F-4D97-AF65-F5344CB8AC3E}">
-        <p14:creationId xmlns:p14="http://schemas.microsoft.com/office/powerpoint/2010/main" val="2896979787"/>
+        <p14:creationId xmlns:p14="http://schemas.microsoft.com/office/powerpoint/2010/main" xmlns="" val="2896979787"/>
       </p:ext>
     </p:extLst>
   </p:cSld>
@@ -10583,7 +10439,7 @@
           <a:blip r:embed="rId2" cstate="print">
             <a:extLst>
               <a:ext uri="{28A0092B-C50C-407E-A947-70E740481C1C}">
-                <a14:useLocalDpi xmlns:a14="http://schemas.microsoft.com/office/drawing/2010/main" val="0"/>
+                <a14:useLocalDpi xmlns:a14="http://schemas.microsoft.com/office/drawing/2010/main" xmlns="" val="0"/>
               </a:ext>
             </a:extLst>
           </a:blip>
@@ -10603,7 +10459,7 @@
           <a:noFill/>
           <a:extLst>
             <a:ext uri="{909E8E84-426E-40DD-AFC4-6F175D3DCCD1}">
-              <a14:hiddenFill xmlns:a14="http://schemas.microsoft.com/office/drawing/2010/main">
+              <a14:hiddenFill xmlns:a14="http://schemas.microsoft.com/office/drawing/2010/main" xmlns="">
                 <a:solidFill>
                   <a:srgbClr val="FFFFFF"/>
                 </a:solidFill>
@@ -10624,7 +10480,7 @@
           <a:blip r:embed="rId3" cstate="print">
             <a:extLst>
               <a:ext uri="{28A0092B-C50C-407E-A947-70E740481C1C}">
-                <a14:useLocalDpi xmlns:a14="http://schemas.microsoft.com/office/drawing/2010/main" val="0"/>
+                <a14:useLocalDpi xmlns:a14="http://schemas.microsoft.com/office/drawing/2010/main" xmlns="" val="0"/>
               </a:ext>
             </a:extLst>
           </a:blip>
@@ -10647,14 +10503,14 @@
           </a:ln>
           <a:extLst>
             <a:ext uri="{909E8E84-426E-40DD-AFC4-6F175D3DCCD1}">
-              <a14:hiddenFill xmlns:a14="http://schemas.microsoft.com/office/drawing/2010/main">
+              <a14:hiddenFill xmlns:a14="http://schemas.microsoft.com/office/drawing/2010/main" xmlns="">
                 <a:solidFill>
                   <a:schemeClr val="accent1"/>
                 </a:solidFill>
               </a14:hiddenFill>
             </a:ext>
             <a:ext uri="{91240B29-F687-4F45-9708-019B960494DF}">
-              <a14:hiddenLine xmlns:a14="http://schemas.microsoft.com/office/drawing/2010/main" w="9525">
+              <a14:hiddenLine xmlns:a14="http://schemas.microsoft.com/office/drawing/2010/main" xmlns="" w="9525">
                 <a:solidFill>
                   <a:schemeClr val="tx1"/>
                 </a:solidFill>
@@ -10717,7 +10573,7 @@
           <a:noFill/>
           <a:extLst>
             <a:ext uri="{909E8E84-426E-40DD-AFC4-6F175D3DCCD1}">
-              <a14:hiddenFill xmlns:a14="http://schemas.microsoft.com/office/drawing/2010/main">
+              <a14:hiddenFill xmlns:a14="http://schemas.microsoft.com/office/drawing/2010/main" xmlns="">
                 <a:solidFill>
                   <a:srgbClr val="FFFFFF"/>
                 </a:solidFill>
@@ -10756,7 +10612,7 @@
           <a:noFill/>
           <a:extLst>
             <a:ext uri="{909E8E84-426E-40DD-AFC4-6F175D3DCCD1}">
-              <a14:hiddenFill xmlns:a14="http://schemas.microsoft.com/office/drawing/2010/main">
+              <a14:hiddenFill xmlns:a14="http://schemas.microsoft.com/office/drawing/2010/main" xmlns="">
                 <a:solidFill>
                   <a:srgbClr val="FFFFFF"/>
                 </a:solidFill>
@@ -10788,7 +10644,7 @@
           <a:blip r:embed="rId5" cstate="print">
             <a:extLst>
               <a:ext uri="{28A0092B-C50C-407E-A947-70E740481C1C}">
-                <a14:useLocalDpi xmlns:a14="http://schemas.microsoft.com/office/drawing/2010/main" val="0"/>
+                <a14:useLocalDpi xmlns:a14="http://schemas.microsoft.com/office/drawing/2010/main" xmlns="" val="0"/>
               </a:ext>
             </a:extLst>
           </a:blip>
@@ -10811,14 +10667,14 @@
           </a:ln>
           <a:extLst>
             <a:ext uri="{909E8E84-426E-40DD-AFC4-6F175D3DCCD1}">
-              <a14:hiddenFill xmlns:a14="http://schemas.microsoft.com/office/drawing/2010/main">
+              <a14:hiddenFill xmlns:a14="http://schemas.microsoft.com/office/drawing/2010/main" xmlns="">
                 <a:solidFill>
                   <a:schemeClr val="accent1"/>
                 </a:solidFill>
               </a14:hiddenFill>
             </a:ext>
             <a:ext uri="{91240B29-F687-4F45-9708-019B960494DF}">
-              <a14:hiddenLine xmlns:a14="http://schemas.microsoft.com/office/drawing/2010/main" w="9525">
+              <a14:hiddenLine xmlns:a14="http://schemas.microsoft.com/office/drawing/2010/main" xmlns="" w="9525">
                 <a:solidFill>
                   <a:schemeClr val="tx1"/>
                 </a:solidFill>
@@ -10842,7 +10698,7 @@
           <a:blip r:embed="rId6" cstate="print">
             <a:extLst>
               <a:ext uri="{28A0092B-C50C-407E-A947-70E740481C1C}">
-                <a14:useLocalDpi xmlns:a14="http://schemas.microsoft.com/office/drawing/2010/main" val="0"/>
+                <a14:useLocalDpi xmlns:a14="http://schemas.microsoft.com/office/drawing/2010/main" xmlns="" val="0"/>
               </a:ext>
             </a:extLst>
           </a:blip>
@@ -10865,14 +10721,14 @@
           </a:ln>
           <a:extLst>
             <a:ext uri="{909E8E84-426E-40DD-AFC4-6F175D3DCCD1}">
-              <a14:hiddenFill xmlns:a14="http://schemas.microsoft.com/office/drawing/2010/main">
+              <a14:hiddenFill xmlns:a14="http://schemas.microsoft.com/office/drawing/2010/main" xmlns="">
                 <a:solidFill>
                   <a:schemeClr val="accent1"/>
                 </a:solidFill>
               </a14:hiddenFill>
             </a:ext>
             <a:ext uri="{91240B29-F687-4F45-9708-019B960494DF}">
-              <a14:hiddenLine xmlns:a14="http://schemas.microsoft.com/office/drawing/2010/main" w="9525">
+              <a14:hiddenLine xmlns:a14="http://schemas.microsoft.com/office/drawing/2010/main" xmlns="" w="9525">
                 <a:solidFill>
                   <a:schemeClr val="tx1"/>
                 </a:solidFill>
@@ -10896,7 +10752,7 @@
           <a:blip r:embed="rId7" cstate="print">
             <a:extLst>
               <a:ext uri="{28A0092B-C50C-407E-A947-70E740481C1C}">
-                <a14:useLocalDpi xmlns:a14="http://schemas.microsoft.com/office/drawing/2010/main" val="0"/>
+                <a14:useLocalDpi xmlns:a14="http://schemas.microsoft.com/office/drawing/2010/main" xmlns="" val="0"/>
               </a:ext>
             </a:extLst>
           </a:blip>
@@ -10919,14 +10775,14 @@
           </a:ln>
           <a:extLst>
             <a:ext uri="{909E8E84-426E-40DD-AFC4-6F175D3DCCD1}">
-              <a14:hiddenFill xmlns:a14="http://schemas.microsoft.com/office/drawing/2010/main">
+              <a14:hiddenFill xmlns:a14="http://schemas.microsoft.com/office/drawing/2010/main" xmlns="">
                 <a:solidFill>
                   <a:schemeClr val="accent1"/>
                 </a:solidFill>
               </a14:hiddenFill>
             </a:ext>
             <a:ext uri="{91240B29-F687-4F45-9708-019B960494DF}">
-              <a14:hiddenLine xmlns:a14="http://schemas.microsoft.com/office/drawing/2010/main" w="9525">
+              <a14:hiddenLine xmlns:a14="http://schemas.microsoft.com/office/drawing/2010/main" xmlns="" w="9525">
                 <a:solidFill>
                   <a:schemeClr val="tx1"/>
                 </a:solidFill>
@@ -10950,7 +10806,7 @@
           <a:blip r:embed="rId8" cstate="print">
             <a:extLst>
               <a:ext uri="{28A0092B-C50C-407E-A947-70E740481C1C}">
-                <a14:useLocalDpi xmlns:a14="http://schemas.microsoft.com/office/drawing/2010/main" val="0"/>
+                <a14:useLocalDpi xmlns:a14="http://schemas.microsoft.com/office/drawing/2010/main" xmlns="" val="0"/>
               </a:ext>
             </a:extLst>
           </a:blip>
@@ -10970,7 +10826,7 @@
           <a:noFill/>
           <a:extLst>
             <a:ext uri="{909E8E84-426E-40DD-AFC4-6F175D3DCCD1}">
-              <a14:hiddenFill xmlns:a14="http://schemas.microsoft.com/office/drawing/2010/main">
+              <a14:hiddenFill xmlns:a14="http://schemas.microsoft.com/office/drawing/2010/main" xmlns="">
                 <a:solidFill>
                   <a:srgbClr val="FFFFFF"/>
                 </a:solidFill>
@@ -10991,7 +10847,7 @@
           <a:blip r:embed="rId9" cstate="print">
             <a:extLst>
               <a:ext uri="{28A0092B-C50C-407E-A947-70E740481C1C}">
-                <a14:useLocalDpi xmlns:a14="http://schemas.microsoft.com/office/drawing/2010/main" val="0"/>
+                <a14:useLocalDpi xmlns:a14="http://schemas.microsoft.com/office/drawing/2010/main" xmlns="" val="0"/>
               </a:ext>
             </a:extLst>
           </a:blip>
@@ -11014,14 +10870,14 @@
           </a:ln>
           <a:extLst>
             <a:ext uri="{909E8E84-426E-40DD-AFC4-6F175D3DCCD1}">
-              <a14:hiddenFill xmlns:a14="http://schemas.microsoft.com/office/drawing/2010/main">
+              <a14:hiddenFill xmlns:a14="http://schemas.microsoft.com/office/drawing/2010/main" xmlns="">
                 <a:solidFill>
                   <a:schemeClr val="accent1"/>
                 </a:solidFill>
               </a14:hiddenFill>
             </a:ext>
             <a:ext uri="{91240B29-F687-4F45-9708-019B960494DF}">
-              <a14:hiddenLine xmlns:a14="http://schemas.microsoft.com/office/drawing/2010/main" w="9525">
+              <a14:hiddenLine xmlns:a14="http://schemas.microsoft.com/office/drawing/2010/main" xmlns="" w="9525">
                 <a:solidFill>
                   <a:schemeClr val="tx1"/>
                 </a:solidFill>
@@ -11036,7 +10892,7 @@
     </p:spTree>
     <p:extLst>
       <p:ext uri="{BB962C8B-B14F-4D97-AF65-F5344CB8AC3E}">
-        <p14:creationId xmlns:p14="http://schemas.microsoft.com/office/powerpoint/2010/main" val="653294516"/>
+        <p14:creationId xmlns:p14="http://schemas.microsoft.com/office/powerpoint/2010/main" xmlns="" val="653294516"/>
       </p:ext>
     </p:extLst>
   </p:cSld>
@@ -12390,7 +12246,7 @@
           <a:blip r:embed="rId3" cstate="print">
             <a:extLst>
               <a:ext uri="{28A0092B-C50C-407E-A947-70E740481C1C}">
-                <a14:useLocalDpi xmlns:a14="http://schemas.microsoft.com/office/drawing/2010/main" val="0"/>
+                <a14:useLocalDpi xmlns:a14="http://schemas.microsoft.com/office/drawing/2010/main" xmlns="" val="0"/>
               </a:ext>
             </a:extLst>
           </a:blip>
@@ -12413,14 +12269,14 @@
           </a:ln>
           <a:extLst>
             <a:ext uri="{909E8E84-426E-40DD-AFC4-6F175D3DCCD1}">
-              <a14:hiddenFill xmlns:a14="http://schemas.microsoft.com/office/drawing/2010/main">
+              <a14:hiddenFill xmlns:a14="http://schemas.microsoft.com/office/drawing/2010/main" xmlns="">
                 <a:solidFill>
                   <a:schemeClr val="accent1"/>
                 </a:solidFill>
               </a14:hiddenFill>
             </a:ext>
             <a:ext uri="{91240B29-F687-4F45-9708-019B960494DF}">
-              <a14:hiddenLine xmlns:a14="http://schemas.microsoft.com/office/drawing/2010/main" w="9525">
+              <a14:hiddenLine xmlns:a14="http://schemas.microsoft.com/office/drawing/2010/main" xmlns="" w="9525">
                 <a:solidFill>
                   <a:schemeClr val="tx1"/>
                 </a:solidFill>
@@ -12610,7 +12466,7 @@
           <a:blip r:embed="rId4" cstate="print">
             <a:extLst>
               <a:ext uri="{28A0092B-C50C-407E-A947-70E740481C1C}">
-                <a14:useLocalDpi xmlns:a14="http://schemas.microsoft.com/office/drawing/2010/main" val="0"/>
+                <a14:useLocalDpi xmlns:a14="http://schemas.microsoft.com/office/drawing/2010/main" xmlns="" val="0"/>
               </a:ext>
             </a:extLst>
           </a:blip>
@@ -12633,14 +12489,14 @@
           </a:ln>
           <a:extLst>
             <a:ext uri="{909E8E84-426E-40DD-AFC4-6F175D3DCCD1}">
-              <a14:hiddenFill xmlns:a14="http://schemas.microsoft.com/office/drawing/2010/main">
+              <a14:hiddenFill xmlns:a14="http://schemas.microsoft.com/office/drawing/2010/main" xmlns="">
                 <a:solidFill>
                   <a:schemeClr val="accent1"/>
                 </a:solidFill>
               </a14:hiddenFill>
             </a:ext>
             <a:ext uri="{91240B29-F687-4F45-9708-019B960494DF}">
-              <a14:hiddenLine xmlns:a14="http://schemas.microsoft.com/office/drawing/2010/main" w="9525">
+              <a14:hiddenLine xmlns:a14="http://schemas.microsoft.com/office/drawing/2010/main" xmlns="" w="9525">
                 <a:solidFill>
                   <a:schemeClr val="tx1"/>
                 </a:solidFill>
@@ -12664,7 +12520,7 @@
           <a:blip r:embed="rId5" cstate="print">
             <a:extLst>
               <a:ext uri="{28A0092B-C50C-407E-A947-70E740481C1C}">
-                <a14:useLocalDpi xmlns:a14="http://schemas.microsoft.com/office/drawing/2010/main" val="0"/>
+                <a14:useLocalDpi xmlns:a14="http://schemas.microsoft.com/office/drawing/2010/main" xmlns="" val="0"/>
               </a:ext>
             </a:extLst>
           </a:blip>
@@ -12687,14 +12543,14 @@
           </a:ln>
           <a:extLst>
             <a:ext uri="{909E8E84-426E-40DD-AFC4-6F175D3DCCD1}">
-              <a14:hiddenFill xmlns:a14="http://schemas.microsoft.com/office/drawing/2010/main">
+              <a14:hiddenFill xmlns:a14="http://schemas.microsoft.com/office/drawing/2010/main" xmlns="">
                 <a:solidFill>
                   <a:schemeClr val="accent1"/>
                 </a:solidFill>
               </a14:hiddenFill>
             </a:ext>
             <a:ext uri="{91240B29-F687-4F45-9708-019B960494DF}">
-              <a14:hiddenLine xmlns:a14="http://schemas.microsoft.com/office/drawing/2010/main" w="9525">
+              <a14:hiddenLine xmlns:a14="http://schemas.microsoft.com/office/drawing/2010/main" xmlns="" w="9525">
                 <a:solidFill>
                   <a:schemeClr val="tx1"/>
                 </a:solidFill>
@@ -12718,7 +12574,7 @@
           <a:blip r:embed="rId6" cstate="print">
             <a:extLst>
               <a:ext uri="{28A0092B-C50C-407E-A947-70E740481C1C}">
-                <a14:useLocalDpi xmlns:a14="http://schemas.microsoft.com/office/drawing/2010/main" val="0"/>
+                <a14:useLocalDpi xmlns:a14="http://schemas.microsoft.com/office/drawing/2010/main" xmlns="" val="0"/>
               </a:ext>
             </a:extLst>
           </a:blip>
@@ -12738,7 +12594,7 @@
           <a:noFill/>
           <a:extLst>
             <a:ext uri="{909E8E84-426E-40DD-AFC4-6F175D3DCCD1}">
-              <a14:hiddenFill xmlns:a14="http://schemas.microsoft.com/office/drawing/2010/main">
+              <a14:hiddenFill xmlns:a14="http://schemas.microsoft.com/office/drawing/2010/main" xmlns="">
                 <a:solidFill>
                   <a:srgbClr val="FFFFFF"/>
                 </a:solidFill>
@@ -12759,7 +12615,7 @@
           <a:blip r:embed="rId7" cstate="print">
             <a:extLst>
               <a:ext uri="{28A0092B-C50C-407E-A947-70E740481C1C}">
-                <a14:useLocalDpi xmlns:a14="http://schemas.microsoft.com/office/drawing/2010/main" val="0"/>
+                <a14:useLocalDpi xmlns:a14="http://schemas.microsoft.com/office/drawing/2010/main" xmlns="" val="0"/>
               </a:ext>
             </a:extLst>
           </a:blip>
@@ -12782,14 +12638,14 @@
           </a:ln>
           <a:extLst>
             <a:ext uri="{909E8E84-426E-40DD-AFC4-6F175D3DCCD1}">
-              <a14:hiddenFill xmlns:a14="http://schemas.microsoft.com/office/drawing/2010/main">
+              <a14:hiddenFill xmlns:a14="http://schemas.microsoft.com/office/drawing/2010/main" xmlns="">
                 <a:solidFill>
                   <a:schemeClr val="accent1"/>
                 </a:solidFill>
               </a14:hiddenFill>
             </a:ext>
             <a:ext uri="{91240B29-F687-4F45-9708-019B960494DF}">
-              <a14:hiddenLine xmlns:a14="http://schemas.microsoft.com/office/drawing/2010/main" w="9525">
+              <a14:hiddenLine xmlns:a14="http://schemas.microsoft.com/office/drawing/2010/main" xmlns="" w="9525">
                 <a:solidFill>
                   <a:schemeClr val="tx1"/>
                 </a:solidFill>
@@ -12813,7 +12669,7 @@
           <a:blip r:embed="rId8" cstate="print">
             <a:extLst>
               <a:ext uri="{28A0092B-C50C-407E-A947-70E740481C1C}">
-                <a14:useLocalDpi xmlns:a14="http://schemas.microsoft.com/office/drawing/2010/main" val="0"/>
+                <a14:useLocalDpi xmlns:a14="http://schemas.microsoft.com/office/drawing/2010/main" xmlns="" val="0"/>
               </a:ext>
             </a:extLst>
           </a:blip>
@@ -12836,14 +12692,14 @@
           </a:ln>
           <a:extLst>
             <a:ext uri="{909E8E84-426E-40DD-AFC4-6F175D3DCCD1}">
-              <a14:hiddenFill xmlns:a14="http://schemas.microsoft.com/office/drawing/2010/main">
+              <a14:hiddenFill xmlns:a14="http://schemas.microsoft.com/office/drawing/2010/main" xmlns="">
                 <a:solidFill>
                   <a:schemeClr val="accent1"/>
                 </a:solidFill>
               </a14:hiddenFill>
             </a:ext>
             <a:ext uri="{91240B29-F687-4F45-9708-019B960494DF}">
-              <a14:hiddenLine xmlns:a14="http://schemas.microsoft.com/office/drawing/2010/main" w="9525">
+              <a14:hiddenLine xmlns:a14="http://schemas.microsoft.com/office/drawing/2010/main" xmlns="" w="9525">
                 <a:solidFill>
                   <a:schemeClr val="tx1"/>
                 </a:solidFill>
@@ -12896,7 +12752,7 @@
     </p:spTree>
     <p:extLst>
       <p:ext uri="{BB962C8B-B14F-4D97-AF65-F5344CB8AC3E}">
-        <p14:creationId xmlns:p14="http://schemas.microsoft.com/office/powerpoint/2010/main" val="400322769"/>
+        <p14:creationId xmlns:p14="http://schemas.microsoft.com/office/powerpoint/2010/main" xmlns="" val="400322769"/>
       </p:ext>
     </p:extLst>
   </p:cSld>
@@ -14510,7 +14366,7 @@
           <a:blip r:embed="rId4" cstate="print">
             <a:extLst>
               <a:ext uri="{28A0092B-C50C-407E-A947-70E740481C1C}">
-                <a14:useLocalDpi xmlns:a14="http://schemas.microsoft.com/office/drawing/2010/main" val="0"/>
+                <a14:useLocalDpi xmlns:a14="http://schemas.microsoft.com/office/drawing/2010/main" xmlns="" val="0"/>
               </a:ext>
             </a:extLst>
           </a:blip>
@@ -14533,14 +14389,14 @@
           </a:ln>
           <a:extLst>
             <a:ext uri="{909E8E84-426E-40DD-AFC4-6F175D3DCCD1}">
-              <a14:hiddenFill xmlns:a14="http://schemas.microsoft.com/office/drawing/2010/main">
+              <a14:hiddenFill xmlns:a14="http://schemas.microsoft.com/office/drawing/2010/main" xmlns="">
                 <a:solidFill>
                   <a:schemeClr val="accent1"/>
                 </a:solidFill>
               </a14:hiddenFill>
             </a:ext>
             <a:ext uri="{91240B29-F687-4F45-9708-019B960494DF}">
-              <a14:hiddenLine xmlns:a14="http://schemas.microsoft.com/office/drawing/2010/main" w="9525">
+              <a14:hiddenLine xmlns:a14="http://schemas.microsoft.com/office/drawing/2010/main" xmlns="" w="9525">
                 <a:solidFill>
                   <a:schemeClr val="tx1"/>
                 </a:solidFill>
@@ -14790,7 +14646,7 @@
           <a:blip r:embed="rId5" cstate="print">
             <a:extLst>
               <a:ext uri="{28A0092B-C50C-407E-A947-70E740481C1C}">
-                <a14:useLocalDpi xmlns:a14="http://schemas.microsoft.com/office/drawing/2010/main" val="0"/>
+                <a14:useLocalDpi xmlns:a14="http://schemas.microsoft.com/office/drawing/2010/main" xmlns="" val="0"/>
               </a:ext>
             </a:extLst>
           </a:blip>
@@ -14813,14 +14669,14 @@
           </a:ln>
           <a:extLst>
             <a:ext uri="{909E8E84-426E-40DD-AFC4-6F175D3DCCD1}">
-              <a14:hiddenFill xmlns:a14="http://schemas.microsoft.com/office/drawing/2010/main">
+              <a14:hiddenFill xmlns:a14="http://schemas.microsoft.com/office/drawing/2010/main" xmlns="">
                 <a:solidFill>
                   <a:schemeClr val="accent1"/>
                 </a:solidFill>
               </a14:hiddenFill>
             </a:ext>
             <a:ext uri="{91240B29-F687-4F45-9708-019B960494DF}">
-              <a14:hiddenLine xmlns:a14="http://schemas.microsoft.com/office/drawing/2010/main" w="9525">
+              <a14:hiddenLine xmlns:a14="http://schemas.microsoft.com/office/drawing/2010/main" xmlns="" w="9525">
                 <a:solidFill>
                   <a:schemeClr val="tx1"/>
                 </a:solidFill>
@@ -14844,7 +14700,7 @@
           <a:blip r:embed="rId6" cstate="print">
             <a:extLst>
               <a:ext uri="{28A0092B-C50C-407E-A947-70E740481C1C}">
-                <a14:useLocalDpi xmlns:a14="http://schemas.microsoft.com/office/drawing/2010/main" val="0"/>
+                <a14:useLocalDpi xmlns:a14="http://schemas.microsoft.com/office/drawing/2010/main" xmlns="" val="0"/>
               </a:ext>
             </a:extLst>
           </a:blip>
@@ -14867,14 +14723,14 @@
           </a:ln>
           <a:extLst>
             <a:ext uri="{909E8E84-426E-40DD-AFC4-6F175D3DCCD1}">
-              <a14:hiddenFill xmlns:a14="http://schemas.microsoft.com/office/drawing/2010/main">
+              <a14:hiddenFill xmlns:a14="http://schemas.microsoft.com/office/drawing/2010/main" xmlns="">
                 <a:solidFill>
                   <a:schemeClr val="accent1"/>
                 </a:solidFill>
               </a14:hiddenFill>
             </a:ext>
             <a:ext uri="{91240B29-F687-4F45-9708-019B960494DF}">
-              <a14:hiddenLine xmlns:a14="http://schemas.microsoft.com/office/drawing/2010/main" w="9525">
+              <a14:hiddenLine xmlns:a14="http://schemas.microsoft.com/office/drawing/2010/main" xmlns="" w="9525">
                 <a:solidFill>
                   <a:schemeClr val="tx1"/>
                 </a:solidFill>
@@ -14898,7 +14754,7 @@
           <a:blip r:embed="rId7" cstate="print">
             <a:extLst>
               <a:ext uri="{28A0092B-C50C-407E-A947-70E740481C1C}">
-                <a14:useLocalDpi xmlns:a14="http://schemas.microsoft.com/office/drawing/2010/main" val="0"/>
+                <a14:useLocalDpi xmlns:a14="http://schemas.microsoft.com/office/drawing/2010/main" xmlns="" val="0"/>
               </a:ext>
             </a:extLst>
           </a:blip>
@@ -14918,7 +14774,7 @@
           <a:noFill/>
           <a:extLst>
             <a:ext uri="{909E8E84-426E-40DD-AFC4-6F175D3DCCD1}">
-              <a14:hiddenFill xmlns:a14="http://schemas.microsoft.com/office/drawing/2010/main">
+              <a14:hiddenFill xmlns:a14="http://schemas.microsoft.com/office/drawing/2010/main" xmlns="">
                 <a:solidFill>
                   <a:srgbClr val="FFFFFF"/>
                 </a:solidFill>
@@ -15163,7 +15019,7 @@
           <a:blip r:embed="rId8" cstate="print">
             <a:extLst>
               <a:ext uri="{28A0092B-C50C-407E-A947-70E740481C1C}">
-                <a14:useLocalDpi xmlns:a14="http://schemas.microsoft.com/office/drawing/2010/main" val="0"/>
+                <a14:useLocalDpi xmlns:a14="http://schemas.microsoft.com/office/drawing/2010/main" xmlns="" val="0"/>
               </a:ext>
             </a:extLst>
           </a:blip>
@@ -15186,14 +15042,14 @@
           </a:ln>
           <a:extLst>
             <a:ext uri="{909E8E84-426E-40DD-AFC4-6F175D3DCCD1}">
-              <a14:hiddenFill xmlns:a14="http://schemas.microsoft.com/office/drawing/2010/main">
+              <a14:hiddenFill xmlns:a14="http://schemas.microsoft.com/office/drawing/2010/main" xmlns="">
                 <a:solidFill>
                   <a:schemeClr val="accent1"/>
                 </a:solidFill>
               </a14:hiddenFill>
             </a:ext>
             <a:ext uri="{91240B29-F687-4F45-9708-019B960494DF}">
-              <a14:hiddenLine xmlns:a14="http://schemas.microsoft.com/office/drawing/2010/main" w="9525">
+              <a14:hiddenLine xmlns:a14="http://schemas.microsoft.com/office/drawing/2010/main" xmlns="" w="9525">
                 <a:solidFill>
                   <a:schemeClr val="tx1"/>
                 </a:solidFill>
@@ -15217,7 +15073,7 @@
           <a:blip r:embed="rId9" cstate="print">
             <a:extLst>
               <a:ext uri="{28A0092B-C50C-407E-A947-70E740481C1C}">
-                <a14:useLocalDpi xmlns:a14="http://schemas.microsoft.com/office/drawing/2010/main" val="0"/>
+                <a14:useLocalDpi xmlns:a14="http://schemas.microsoft.com/office/drawing/2010/main" xmlns="" val="0"/>
               </a:ext>
             </a:extLst>
           </a:blip>
@@ -15240,14 +15096,14 @@
           </a:ln>
           <a:extLst>
             <a:ext uri="{909E8E84-426E-40DD-AFC4-6F175D3DCCD1}">
-              <a14:hiddenFill xmlns:a14="http://schemas.microsoft.com/office/drawing/2010/main">
+              <a14:hiddenFill xmlns:a14="http://schemas.microsoft.com/office/drawing/2010/main" xmlns="">
                 <a:solidFill>
                   <a:schemeClr val="accent1"/>
                 </a:solidFill>
               </a14:hiddenFill>
             </a:ext>
             <a:ext uri="{91240B29-F687-4F45-9708-019B960494DF}">
-              <a14:hiddenLine xmlns:a14="http://schemas.microsoft.com/office/drawing/2010/main" w="9525">
+              <a14:hiddenLine xmlns:a14="http://schemas.microsoft.com/office/drawing/2010/main" xmlns="" w="9525">
                 <a:solidFill>
                   <a:schemeClr val="tx1"/>
                 </a:solidFill>
@@ -15299,7 +15155,7 @@
     </p:spTree>
     <p:extLst>
       <p:ext uri="{BB962C8B-B14F-4D97-AF65-F5344CB8AC3E}">
-        <p14:creationId xmlns:p14="http://schemas.microsoft.com/office/powerpoint/2010/main" val="400322769"/>
+        <p14:creationId xmlns:p14="http://schemas.microsoft.com/office/powerpoint/2010/main" xmlns="" val="400322769"/>
       </p:ext>
     </p:extLst>
   </p:cSld>
@@ -15373,7 +15229,7 @@
           <a:blip r:embed="rId2" cstate="print">
             <a:extLst>
               <a:ext uri="{28A0092B-C50C-407E-A947-70E740481C1C}">
-                <a14:useLocalDpi xmlns:a14="http://schemas.microsoft.com/office/drawing/2010/main" val="0"/>
+                <a14:useLocalDpi xmlns:a14="http://schemas.microsoft.com/office/drawing/2010/main" xmlns="" val="0"/>
               </a:ext>
             </a:extLst>
           </a:blip>
@@ -15393,7 +15249,7 @@
           <a:noFill/>
           <a:extLst>
             <a:ext uri="{909E8E84-426E-40DD-AFC4-6F175D3DCCD1}">
-              <a14:hiddenFill xmlns:a14="http://schemas.microsoft.com/office/drawing/2010/main">
+              <a14:hiddenFill xmlns:a14="http://schemas.microsoft.com/office/drawing/2010/main" xmlns="">
                 <a:solidFill>
                   <a:srgbClr val="FFFFFF"/>
                 </a:solidFill>
@@ -15414,7 +15270,7 @@
           <a:blip r:embed="rId3" cstate="print">
             <a:extLst>
               <a:ext uri="{28A0092B-C50C-407E-A947-70E740481C1C}">
-                <a14:useLocalDpi xmlns:a14="http://schemas.microsoft.com/office/drawing/2010/main" val="0"/>
+                <a14:useLocalDpi xmlns:a14="http://schemas.microsoft.com/office/drawing/2010/main" xmlns="" val="0"/>
               </a:ext>
             </a:extLst>
           </a:blip>
@@ -15437,14 +15293,14 @@
           </a:ln>
           <a:extLst>
             <a:ext uri="{909E8E84-426E-40DD-AFC4-6F175D3DCCD1}">
-              <a14:hiddenFill xmlns:a14="http://schemas.microsoft.com/office/drawing/2010/main">
+              <a14:hiddenFill xmlns:a14="http://schemas.microsoft.com/office/drawing/2010/main" xmlns="">
                 <a:solidFill>
                   <a:schemeClr val="accent1"/>
                 </a:solidFill>
               </a14:hiddenFill>
             </a:ext>
             <a:ext uri="{91240B29-F687-4F45-9708-019B960494DF}">
-              <a14:hiddenLine xmlns:a14="http://schemas.microsoft.com/office/drawing/2010/main" w="9525">
+              <a14:hiddenLine xmlns:a14="http://schemas.microsoft.com/office/drawing/2010/main" xmlns="" w="9525">
                 <a:solidFill>
                   <a:schemeClr val="tx1"/>
                 </a:solidFill>
@@ -15468,7 +15324,7 @@
           <a:blip r:embed="rId4" cstate="print">
             <a:extLst>
               <a:ext uri="{28A0092B-C50C-407E-A947-70E740481C1C}">
-                <a14:useLocalDpi xmlns:a14="http://schemas.microsoft.com/office/drawing/2010/main" val="0"/>
+                <a14:useLocalDpi xmlns:a14="http://schemas.microsoft.com/office/drawing/2010/main" xmlns="" val="0"/>
               </a:ext>
             </a:extLst>
           </a:blip>
@@ -15491,14 +15347,14 @@
           </a:ln>
           <a:extLst>
             <a:ext uri="{909E8E84-426E-40DD-AFC4-6F175D3DCCD1}">
-              <a14:hiddenFill xmlns:a14="http://schemas.microsoft.com/office/drawing/2010/main">
+              <a14:hiddenFill xmlns:a14="http://schemas.microsoft.com/office/drawing/2010/main" xmlns="">
                 <a:solidFill>
                   <a:schemeClr val="accent1"/>
                 </a:solidFill>
               </a14:hiddenFill>
             </a:ext>
             <a:ext uri="{91240B29-F687-4F45-9708-019B960494DF}">
-              <a14:hiddenLine xmlns:a14="http://schemas.microsoft.com/office/drawing/2010/main" w="9525">
+              <a14:hiddenLine xmlns:a14="http://schemas.microsoft.com/office/drawing/2010/main" xmlns="" w="9525">
                 <a:solidFill>
                   <a:schemeClr val="tx1"/>
                 </a:solidFill>
@@ -15841,7 +15697,7 @@
           <a:blip r:embed="rId5" cstate="print">
             <a:extLst>
               <a:ext uri="{28A0092B-C50C-407E-A947-70E740481C1C}">
-                <a14:useLocalDpi xmlns:a14="http://schemas.microsoft.com/office/drawing/2010/main" val="0"/>
+                <a14:useLocalDpi xmlns:a14="http://schemas.microsoft.com/office/drawing/2010/main" xmlns="" val="0"/>
               </a:ext>
             </a:extLst>
           </a:blip>
@@ -15861,7 +15717,7 @@
           <a:noFill/>
           <a:extLst>
             <a:ext uri="{909E8E84-426E-40DD-AFC4-6F175D3DCCD1}">
-              <a14:hiddenFill xmlns:a14="http://schemas.microsoft.com/office/drawing/2010/main">
+              <a14:hiddenFill xmlns:a14="http://schemas.microsoft.com/office/drawing/2010/main" xmlns="">
                 <a:solidFill>
                   <a:srgbClr val="FFFFFF"/>
                 </a:solidFill>
@@ -15903,7 +15759,7 @@
     </p:spTree>
     <p:extLst>
       <p:ext uri="{BB962C8B-B14F-4D97-AF65-F5344CB8AC3E}">
-        <p14:creationId xmlns:p14="http://schemas.microsoft.com/office/powerpoint/2010/main" val="3894420859"/>
+        <p14:creationId xmlns:p14="http://schemas.microsoft.com/office/powerpoint/2010/main" xmlns="" val="3894420859"/>
       </p:ext>
     </p:extLst>
   </p:cSld>
